--- a/Decision Forests.pptx
+++ b/Decision Forests.pptx
@@ -2,20 +2,21 @@
 <file path=ppt/presentation.xml><?xml version="1.0" encoding="utf-8"?>
 <p:presentation xmlns:a="http://schemas.openxmlformats.org/drawingml/2006/main" xmlns:r="http://schemas.openxmlformats.org/officeDocument/2006/relationships" xmlns:p="http://schemas.openxmlformats.org/presentationml/2006/main">
   <p:sldMasterIdLst>
-    <p:sldMasterId id="2147483648" r:id="rId5"/>
+    <p:sldMasterId id="2147483648" r:id="rId1"/>
   </p:sldMasterIdLst>
   <p:notesMasterIdLst>
-    <p:notesMasterId r:id="rId7"/>
+    <p:notesMasterId r:id="rId11"/>
   </p:notesMasterIdLst>
   <p:sldIdLst>
-    <p:sldId id="256" r:id="rId8"/>
-    <p:sldId id="257" r:id="rId9"/>
-    <p:sldId id="258" r:id="rId10"/>
-    <p:sldId id="259" r:id="rId11"/>
-    <p:sldId id="260" r:id="rId12"/>
-    <p:sldId id="261" r:id="rId13"/>
-    <p:sldId id="262" r:id="rId14"/>
-    <p:sldId id="263" r:id="rId15"/>
+    <p:sldId id="256" r:id="rId2"/>
+    <p:sldId id="265" r:id="rId3"/>
+    <p:sldId id="257" r:id="rId4"/>
+    <p:sldId id="258" r:id="rId5"/>
+    <p:sldId id="268" r:id="rId6"/>
+    <p:sldId id="267" r:id="rId7"/>
+    <p:sldId id="266" r:id="rId8"/>
+    <p:sldId id="269" r:id="rId9"/>
+    <p:sldId id="271" r:id="rId10"/>
   </p:sldIdLst>
   <p:sldSz cx="24384000" cy="13716000"/>
   <p:notesSz cx="6858000" cy="9144000"/>
@@ -35,7 +36,7 @@
       <a:buFontTx/>
       <a:buNone/>
       <a:tabLst/>
-      <a:defRPr b="0" baseline="0" cap="none" i="0" spc="0" strike="noStrike" sz="1800" u="none" kumimoji="0" normalizeH="0">
+      <a:defRPr kumimoji="0" sz="1800" b="0" i="0" u="none" strike="noStrike" cap="none" spc="0" normalizeH="0" baseline="0">
         <a:ln>
           <a:noFill/>
         </a:ln>
@@ -61,7 +62,7 @@
       <a:buFontTx/>
       <a:buNone/>
       <a:tabLst/>
-      <a:defRPr b="0" baseline="0" cap="none" i="0" spc="0" strike="noStrike" sz="5000" u="none" kumimoji="0" normalizeH="0">
+      <a:defRPr kumimoji="0" sz="5000" b="0" i="0" u="none" strike="noStrike" cap="none" spc="0" normalizeH="0" baseline="0">
         <a:ln>
           <a:noFill/>
         </a:ln>
@@ -91,7 +92,7 @@
       <a:buFontTx/>
       <a:buNone/>
       <a:tabLst/>
-      <a:defRPr b="0" baseline="0" cap="none" i="0" spc="0" strike="noStrike" sz="5000" u="none" kumimoji="0" normalizeH="0">
+      <a:defRPr kumimoji="0" sz="5000" b="0" i="0" u="none" strike="noStrike" cap="none" spc="0" normalizeH="0" baseline="0">
         <a:ln>
           <a:noFill/>
         </a:ln>
@@ -121,7 +122,7 @@
       <a:buFontTx/>
       <a:buNone/>
       <a:tabLst/>
-      <a:defRPr b="0" baseline="0" cap="none" i="0" spc="0" strike="noStrike" sz="5000" u="none" kumimoji="0" normalizeH="0">
+      <a:defRPr kumimoji="0" sz="5000" b="0" i="0" u="none" strike="noStrike" cap="none" spc="0" normalizeH="0" baseline="0">
         <a:ln>
           <a:noFill/>
         </a:ln>
@@ -151,7 +152,7 @@
       <a:buFontTx/>
       <a:buNone/>
       <a:tabLst/>
-      <a:defRPr b="0" baseline="0" cap="none" i="0" spc="0" strike="noStrike" sz="5000" u="none" kumimoji="0" normalizeH="0">
+      <a:defRPr kumimoji="0" sz="5000" b="0" i="0" u="none" strike="noStrike" cap="none" spc="0" normalizeH="0" baseline="0">
         <a:ln>
           <a:noFill/>
         </a:ln>
@@ -181,7 +182,7 @@
       <a:buFontTx/>
       <a:buNone/>
       <a:tabLst/>
-      <a:defRPr b="0" baseline="0" cap="none" i="0" spc="0" strike="noStrike" sz="5000" u="none" kumimoji="0" normalizeH="0">
+      <a:defRPr kumimoji="0" sz="5000" b="0" i="0" u="none" strike="noStrike" cap="none" spc="0" normalizeH="0" baseline="0">
         <a:ln>
           <a:noFill/>
         </a:ln>
@@ -211,7 +212,7 @@
       <a:buFontTx/>
       <a:buNone/>
       <a:tabLst/>
-      <a:defRPr b="0" baseline="0" cap="none" i="0" spc="0" strike="noStrike" sz="5000" u="none" kumimoji="0" normalizeH="0">
+      <a:defRPr kumimoji="0" sz="5000" b="0" i="0" u="none" strike="noStrike" cap="none" spc="0" normalizeH="0" baseline="0">
         <a:ln>
           <a:noFill/>
         </a:ln>
@@ -241,7 +242,7 @@
       <a:buFontTx/>
       <a:buNone/>
       <a:tabLst/>
-      <a:defRPr b="0" baseline="0" cap="none" i="0" spc="0" strike="noStrike" sz="5000" u="none" kumimoji="0" normalizeH="0">
+      <a:defRPr kumimoji="0" sz="5000" b="0" i="0" u="none" strike="noStrike" cap="none" spc="0" normalizeH="0" baseline="0">
         <a:ln>
           <a:noFill/>
         </a:ln>
@@ -271,7 +272,7 @@
       <a:buFontTx/>
       <a:buNone/>
       <a:tabLst/>
-      <a:defRPr b="0" baseline="0" cap="none" i="0" spc="0" strike="noStrike" sz="5000" u="none" kumimoji="0" normalizeH="0">
+      <a:defRPr kumimoji="0" sz="5000" b="0" i="0" u="none" strike="noStrike" cap="none" spc="0" normalizeH="0" baseline="0">
         <a:ln>
           <a:noFill/>
         </a:ln>
@@ -301,7 +302,7 @@
       <a:buFontTx/>
       <a:buNone/>
       <a:tabLst/>
-      <a:defRPr b="0" baseline="0" cap="none" i="0" spc="0" strike="noStrike" sz="5000" u="none" kumimoji="0" normalizeH="0">
+      <a:defRPr kumimoji="0" sz="5000" b="0" i="0" u="none" strike="noStrike" cap="none" spc="0" normalizeH="0" baseline="0">
         <a:ln>
           <a:noFill/>
         </a:ln>
@@ -317,16 +318,40 @@
       </a:defRPr>
     </a:lvl9pPr>
   </p:defaultTextStyle>
+  <p:extLst>
+    <p:ext uri="{521415D9-36F7-43E2-AB2F-B90AF26B5E84}">
+      <p14:sectionLst xmlns:p14="http://schemas.microsoft.com/office/powerpoint/2010/main">
+        <p14:section name="Раздел по умолчанию" id="{EAE67B50-404C-412D-9367-BC837E7A5BDA}">
+          <p14:sldIdLst>
+            <p14:sldId id="256"/>
+            <p14:sldId id="265"/>
+            <p14:sldId id="257"/>
+            <p14:sldId id="258"/>
+            <p14:sldId id="268"/>
+            <p14:sldId id="267"/>
+            <p14:sldId id="266"/>
+            <p14:sldId id="269"/>
+          </p14:sldIdLst>
+        </p14:section>
+        <p14:section name="Раздел без заголовка" id="{0DAACB08-8EA7-417B-AF0F-94A629980747}">
+          <p14:sldIdLst>
+            <p14:sldId id="271"/>
+          </p14:sldIdLst>
+        </p14:section>
+      </p14:sectionLst>
+    </p:ext>
+  </p:extLst>
 </p:presentation>
-</file>
-
-<file path=ppt/commentAuthors.xml><?xml version="1.0" encoding="utf-8"?>
-<p:cmAuthorLst xmlns:a="http://schemas.openxmlformats.org/drawingml/2006/main" xmlns:r="http://schemas.openxmlformats.org/officeDocument/2006/relationships" xmlns:p="http://schemas.openxmlformats.org/presentationml/2006/main"/>
 </file>
 
 <file path=ppt/notesMasters/notesMaster1.xml><?xml version="1.0" encoding="utf-8"?>
 <p:notesMaster xmlns:a="http://schemas.openxmlformats.org/drawingml/2006/main" xmlns:r="http://schemas.openxmlformats.org/officeDocument/2006/relationships" xmlns:p="http://schemas.openxmlformats.org/presentationml/2006/main">
   <p:cSld>
+    <p:bg>
+      <p:bgRef idx="1001">
+        <a:schemeClr val="bg1"/>
+      </p:bgRef>
+    </p:bg>
     <p:spTree>
       <p:nvGrpSpPr>
         <p:cNvPr id="1" name=""/>
@@ -344,7 +369,9 @@
       <p:sp>
         <p:nvSpPr>
           <p:cNvPr id="138" name="Shape 138"/>
-          <p:cNvSpPr/>
+          <p:cNvSpPr>
+            <a:spLocks noGrp="1" noRot="1" noChangeAspect="1"/>
+          </p:cNvSpPr>
           <p:nvPr>
             <p:ph type="sldImg"/>
           </p:nvPr>
@@ -362,14 +389,16 @@
           <a:bodyPr/>
           <a:lstStyle/>
           <a:p>
-            <a:pPr/>
+            <a:endParaRPr/>
           </a:p>
         </p:txBody>
       </p:sp>
       <p:sp>
         <p:nvSpPr>
           <p:cNvPr id="139" name="Shape 139"/>
-          <p:cNvSpPr/>
+          <p:cNvSpPr>
+            <a:spLocks noGrp="1"/>
+          </p:cNvSpPr>
           <p:nvPr>
             <p:ph type="body" sz="quarter" idx="1"/>
           </p:nvPr>
@@ -387,11 +416,16 @@
           <a:bodyPr/>
           <a:lstStyle/>
           <a:p>
-            <a:pPr/>
+            <a:endParaRPr/>
           </a:p>
         </p:txBody>
       </p:sp>
     </p:spTree>
+    <p:extLst>
+      <p:ext uri="{BB962C8B-B14F-4D97-AF65-F5344CB8AC3E}">
+        <p14:creationId xmlns:p14="http://schemas.microsoft.com/office/powerpoint/2010/main" val="4053315826"/>
+      </p:ext>
+    </p:extLst>
   </p:cSld>
   <p:clrMap bg1="lt1" tx1="dk1" bg2="lt2" tx2="dk2" accent1="accent1" accent2="accent2" accent3="accent3" accent4="accent4" accent5="accent5" accent6="accent6" hlink="hlink" folHlink="folHlink"/>
   <p:notesStyle>
@@ -499,7 +533,7 @@
 </file>
 
 <file path=ppt/slideLayouts/slideLayout1.xml><?xml version="1.0" encoding="utf-8"?>
-<p:sldLayout xmlns:a="http://schemas.openxmlformats.org/drawingml/2006/main" xmlns:r="http://schemas.openxmlformats.org/officeDocument/2006/relationships" xmlns:p="http://schemas.openxmlformats.org/presentationml/2006/main" type="title" showMasterSp="0" showMasterPhAnim="1">
+<p:sldLayout xmlns:a="http://schemas.openxmlformats.org/drawingml/2006/main" xmlns:r="http://schemas.openxmlformats.org/officeDocument/2006/relationships" xmlns:p="http://schemas.openxmlformats.org/presentationml/2006/main" showMasterSp="0" type="title">
   <p:cSld name="Title &amp; Subtitle">
     <p:spTree>
       <p:nvGrpSpPr>
@@ -518,7 +552,9 @@
       <p:sp>
         <p:nvSpPr>
           <p:cNvPr id="16" name="Shape 16"/>
-          <p:cNvSpPr/>
+          <p:cNvSpPr>
+            <a:spLocks noGrp="1"/>
+          </p:cNvSpPr>
           <p:nvPr>
             <p:ph type="title"/>
           </p:nvPr>
@@ -544,7 +580,6 @@
             </a:lvl1pPr>
           </a:lstStyle>
           <a:p>
-            <a:pPr/>
             <a:r>
               <a:t>Текст назви</a:t>
             </a:r>
@@ -554,7 +589,9 @@
       <p:sp>
         <p:nvSpPr>
           <p:cNvPr id="17" name="Shape 17"/>
-          <p:cNvSpPr/>
+          <p:cNvSpPr>
+            <a:spLocks noGrp="1"/>
+          </p:cNvSpPr>
           <p:nvPr>
             <p:ph type="body" sz="quarter" idx="1"/>
           </p:nvPr>
@@ -653,7 +690,6 @@
             </a:lvl5pPr>
           </a:lstStyle>
           <a:p>
-            <a:pPr/>
             <a:r>
               <a:t>1 рівень тексту</a:t>
             </a:r>
@@ -716,7 +752,9 @@
       <p:sp>
         <p:nvSpPr>
           <p:cNvPr id="19" name="Shape 19"/>
-          <p:cNvSpPr/>
+          <p:cNvSpPr>
+            <a:spLocks noGrp="1"/>
+          </p:cNvSpPr>
           <p:nvPr>
             <p:ph type="body" sz="quarter" idx="13"/>
           </p:nvPr>
@@ -753,7 +791,6 @@
             </a:lvl1pPr>
           </a:lstStyle>
           <a:p>
-            <a:pPr/>
             <a:r>
               <a:t>About Authors</a:t>
             </a:r>
@@ -763,7 +800,9 @@
       <p:sp>
         <p:nvSpPr>
           <p:cNvPr id="20" name="Shape 20"/>
-          <p:cNvSpPr/>
+          <p:cNvSpPr>
+            <a:spLocks noGrp="1"/>
+          </p:cNvSpPr>
           <p:nvPr>
             <p:ph type="sldNum" sz="quarter" idx="2"/>
           </p:nvPr>
@@ -793,8 +832,10 @@
             </a:lvl1pPr>
           </a:lstStyle>
           <a:p>
-            <a:pPr/>
-            <a:fld id="{86CB4B4D-7CA3-9044-876B-883B54F8677D}" type="slidenum"/>
+            <a:fld id="{86CB4B4D-7CA3-9044-876B-883B54F8677D}" type="slidenum">
+              <a:t>‹#›</a:t>
+            </a:fld>
+            <a:endParaRPr/>
           </a:p>
         </p:txBody>
       </p:sp>
@@ -803,12 +844,12 @@
   <p:clrMapOvr>
     <a:masterClrMapping/>
   </p:clrMapOvr>
-  <p:transition xmlns:p14="http://schemas.microsoft.com/office/powerpoint/2010/main" spd="med" advClick="1"/>
+  <p:transition spd="med"/>
 </p:sldLayout>
 </file>
 
 <file path=ppt/slideLayouts/slideLayout10.xml><?xml version="1.0" encoding="utf-8"?>
-<p:sldLayout xmlns:a="http://schemas.openxmlformats.org/drawingml/2006/main" xmlns:r="http://schemas.openxmlformats.org/officeDocument/2006/relationships" xmlns:p="http://schemas.openxmlformats.org/presentationml/2006/main" type="tx" showMasterSp="0" showMasterPhAnim="1">
+<p:sldLayout xmlns:a="http://schemas.openxmlformats.org/drawingml/2006/main" xmlns:r="http://schemas.openxmlformats.org/officeDocument/2006/relationships" xmlns:p="http://schemas.openxmlformats.org/presentationml/2006/main" showMasterSp="0" type="tx">
   <p:cSld name="Quote">
     <p:spTree>
       <p:nvGrpSpPr>
@@ -827,7 +868,9 @@
       <p:sp>
         <p:nvSpPr>
           <p:cNvPr id="100" name="Shape 100"/>
-          <p:cNvSpPr/>
+          <p:cNvSpPr>
+            <a:spLocks noGrp="1"/>
+          </p:cNvSpPr>
           <p:nvPr>
             <p:ph type="body" sz="quarter" idx="13"/>
           </p:nvPr>
@@ -861,7 +904,6 @@
             </a:lvl1pPr>
           </a:lstStyle>
           <a:p>
-            <a:pPr/>
             <a:r>
               <a:t>–Johnny Appleseed</a:t>
             </a:r>
@@ -871,7 +913,9 @@
       <p:sp>
         <p:nvSpPr>
           <p:cNvPr id="101" name="Shape 101"/>
-          <p:cNvSpPr/>
+          <p:cNvSpPr>
+            <a:spLocks noGrp="1"/>
+          </p:cNvSpPr>
           <p:nvPr>
             <p:ph type="body" sz="quarter" idx="14"/>
           </p:nvPr>
@@ -899,7 +943,6 @@
             </a:lvl1pPr>
           </a:lstStyle>
           <a:p>
-            <a:pPr/>
             <a:r>
               <a:t>“Type a quote here.” </a:t>
             </a:r>
@@ -909,7 +952,9 @@
       <p:sp>
         <p:nvSpPr>
           <p:cNvPr id="102" name="Shape 102"/>
-          <p:cNvSpPr/>
+          <p:cNvSpPr>
+            <a:spLocks noGrp="1"/>
+          </p:cNvSpPr>
           <p:nvPr>
             <p:ph type="sldNum" sz="quarter" idx="2"/>
           </p:nvPr>
@@ -939,8 +984,10 @@
             </a:lvl1pPr>
           </a:lstStyle>
           <a:p>
-            <a:pPr/>
-            <a:fld id="{86CB4B4D-7CA3-9044-876B-883B54F8677D}" type="slidenum"/>
+            <a:fld id="{86CB4B4D-7CA3-9044-876B-883B54F8677D}" type="slidenum">
+              <a:t>‹#›</a:t>
+            </a:fld>
+            <a:endParaRPr/>
           </a:p>
         </p:txBody>
       </p:sp>
@@ -949,12 +996,12 @@
   <p:clrMapOvr>
     <a:masterClrMapping/>
   </p:clrMapOvr>
-  <p:transition xmlns:p14="http://schemas.microsoft.com/office/powerpoint/2010/main" spd="med" advClick="1"/>
+  <p:transition spd="med"/>
 </p:sldLayout>
 </file>
 
 <file path=ppt/slideLayouts/slideLayout11.xml><?xml version="1.0" encoding="utf-8"?>
-<p:sldLayout xmlns:a="http://schemas.openxmlformats.org/drawingml/2006/main" xmlns:r="http://schemas.openxmlformats.org/officeDocument/2006/relationships" xmlns:p="http://schemas.openxmlformats.org/presentationml/2006/main" type="tx" showMasterSp="0" showMasterPhAnim="1">
+<p:sldLayout xmlns:a="http://schemas.openxmlformats.org/drawingml/2006/main" xmlns:r="http://schemas.openxmlformats.org/officeDocument/2006/relationships" xmlns:p="http://schemas.openxmlformats.org/presentationml/2006/main" showMasterSp="0" type="tx">
   <p:cSld name="Photo">
     <p:spTree>
       <p:nvGrpSpPr>
@@ -973,7 +1020,9 @@
       <p:sp>
         <p:nvSpPr>
           <p:cNvPr id="109" name="Shape 109"/>
-          <p:cNvSpPr/>
+          <p:cNvSpPr>
+            <a:spLocks noGrp="1"/>
+          </p:cNvSpPr>
           <p:nvPr>
             <p:ph type="pic" idx="13"/>
           </p:nvPr>
@@ -993,14 +1042,16 @@
           </a:bodyPr>
           <a:lstStyle/>
           <a:p>
-            <a:pPr/>
+            <a:endParaRPr/>
           </a:p>
         </p:txBody>
       </p:sp>
       <p:sp>
         <p:nvSpPr>
           <p:cNvPr id="110" name="Shape 110"/>
-          <p:cNvSpPr/>
+          <p:cNvSpPr>
+            <a:spLocks noGrp="1"/>
+          </p:cNvSpPr>
           <p:nvPr>
             <p:ph type="sldNum" sz="quarter" idx="2"/>
           </p:nvPr>
@@ -1030,8 +1081,10 @@
             </a:lvl1pPr>
           </a:lstStyle>
           <a:p>
-            <a:pPr/>
-            <a:fld id="{86CB4B4D-7CA3-9044-876B-883B54F8677D}" type="slidenum"/>
+            <a:fld id="{86CB4B4D-7CA3-9044-876B-883B54F8677D}" type="slidenum">
+              <a:t>‹#›</a:t>
+            </a:fld>
+            <a:endParaRPr/>
           </a:p>
         </p:txBody>
       </p:sp>
@@ -1040,12 +1093,12 @@
   <p:clrMapOvr>
     <a:masterClrMapping/>
   </p:clrMapOvr>
-  <p:transition xmlns:p14="http://schemas.microsoft.com/office/powerpoint/2010/main" spd="med" advClick="1"/>
+  <p:transition spd="med"/>
 </p:sldLayout>
 </file>
 
 <file path=ppt/slideLayouts/slideLayout12.xml><?xml version="1.0" encoding="utf-8"?>
-<p:sldLayout xmlns:a="http://schemas.openxmlformats.org/drawingml/2006/main" xmlns:r="http://schemas.openxmlformats.org/officeDocument/2006/relationships" xmlns:p="http://schemas.openxmlformats.org/presentationml/2006/main" type="tx" showMasterSp="1" showMasterPhAnim="1">
+<p:sldLayout xmlns:a="http://schemas.openxmlformats.org/drawingml/2006/main" xmlns:r="http://schemas.openxmlformats.org/officeDocument/2006/relationships" xmlns:p="http://schemas.openxmlformats.org/presentationml/2006/main" type="tx">
   <p:cSld name="Blank">
     <p:spTree>
       <p:nvGrpSpPr>
@@ -1064,7 +1117,9 @@
       <p:sp>
         <p:nvSpPr>
           <p:cNvPr id="117" name="Shape 117"/>
-          <p:cNvSpPr/>
+          <p:cNvSpPr>
+            <a:spLocks noGrp="1"/>
+          </p:cNvSpPr>
           <p:nvPr>
             <p:ph type="sldNum" sz="quarter" idx="2"/>
           </p:nvPr>
@@ -1091,8 +1146,10 @@
             </a:lvl1pPr>
           </a:lstStyle>
           <a:p>
-            <a:pPr/>
-            <a:fld id="{86CB4B4D-7CA3-9044-876B-883B54F8677D}" type="slidenum"/>
+            <a:fld id="{86CB4B4D-7CA3-9044-876B-883B54F8677D}" type="slidenum">
+              <a:t>‹#›</a:t>
+            </a:fld>
+            <a:endParaRPr/>
           </a:p>
         </p:txBody>
       </p:sp>
@@ -1101,12 +1158,12 @@
   <p:clrMapOvr>
     <a:masterClrMapping/>
   </p:clrMapOvr>
-  <p:transition xmlns:p14="http://schemas.microsoft.com/office/powerpoint/2010/main" spd="med" advClick="1"/>
+  <p:transition spd="med"/>
 </p:sldLayout>
 </file>
 
 <file path=ppt/slideLayouts/slideLayout13.xml><?xml version="1.0" encoding="utf-8"?>
-<p:sldLayout xmlns:a="http://schemas.openxmlformats.org/drawingml/2006/main" xmlns:r="http://schemas.openxmlformats.org/officeDocument/2006/relationships" xmlns:p="http://schemas.openxmlformats.org/presentationml/2006/main" type="tx" showMasterSp="0" showMasterPhAnim="1">
+<p:sldLayout xmlns:a="http://schemas.openxmlformats.org/drawingml/2006/main" xmlns:r="http://schemas.openxmlformats.org/officeDocument/2006/relationships" xmlns:p="http://schemas.openxmlformats.org/presentationml/2006/main" showMasterSp="0" type="tx">
   <p:cSld name="White">
     <p:spTree>
       <p:nvGrpSpPr>
@@ -1125,7 +1182,9 @@
       <p:sp>
         <p:nvSpPr>
           <p:cNvPr id="124" name="Shape 124"/>
-          <p:cNvSpPr/>
+          <p:cNvSpPr>
+            <a:spLocks noGrp="1"/>
+          </p:cNvSpPr>
           <p:nvPr>
             <p:ph type="sldNum" sz="quarter" idx="2"/>
           </p:nvPr>
@@ -1152,8 +1211,10 @@
             </a:lvl1pPr>
           </a:lstStyle>
           <a:p>
-            <a:pPr/>
-            <a:fld id="{86CB4B4D-7CA3-9044-876B-883B54F8677D}" type="slidenum"/>
+            <a:fld id="{86CB4B4D-7CA3-9044-876B-883B54F8677D}" type="slidenum">
+              <a:t>‹#›</a:t>
+            </a:fld>
+            <a:endParaRPr/>
           </a:p>
         </p:txBody>
       </p:sp>
@@ -1162,12 +1223,12 @@
   <p:clrMapOvr>
     <a:masterClrMapping/>
   </p:clrMapOvr>
-  <p:transition xmlns:p14="http://schemas.microsoft.com/office/powerpoint/2010/main" spd="med" advClick="1"/>
+  <p:transition spd="med"/>
 </p:sldLayout>
 </file>
 
 <file path=ppt/slideLayouts/slideLayout14.xml><?xml version="1.0" encoding="utf-8"?>
-<p:sldLayout xmlns:a="http://schemas.openxmlformats.org/drawingml/2006/main" xmlns:r="http://schemas.openxmlformats.org/officeDocument/2006/relationships" xmlns:p="http://schemas.openxmlformats.org/presentationml/2006/main" type="tx" showMasterSp="0" showMasterPhAnim="1">
+<p:sldLayout xmlns:a="http://schemas.openxmlformats.org/drawingml/2006/main" xmlns:r="http://schemas.openxmlformats.org/officeDocument/2006/relationships" xmlns:p="http://schemas.openxmlformats.org/presentationml/2006/main" showMasterSp="0" type="tx">
   <p:cSld name="Comment">
     <p:spTree>
       <p:nvGrpSpPr>
@@ -1186,7 +1247,9 @@
       <p:sp>
         <p:nvSpPr>
           <p:cNvPr id="131" name="Shape 131"/>
-          <p:cNvSpPr/>
+          <p:cNvSpPr>
+            <a:spLocks noGrp="1"/>
+          </p:cNvSpPr>
           <p:nvPr>
             <p:ph type="body" idx="1"/>
           </p:nvPr>
@@ -1265,7 +1328,6 @@
             </a:lvl5pPr>
           </a:lstStyle>
           <a:p>
-            <a:pPr/>
             <a:r>
               <a:t>1 рівень тексту</a:t>
             </a:r>
@@ -1299,7 +1361,9 @@
       <p:sp>
         <p:nvSpPr>
           <p:cNvPr id="132" name="Shape 132"/>
-          <p:cNvSpPr/>
+          <p:cNvSpPr>
+            <a:spLocks noGrp="1"/>
+          </p:cNvSpPr>
           <p:nvPr>
             <p:ph type="sldNum" sz="quarter" idx="2"/>
           </p:nvPr>
@@ -1326,8 +1390,10 @@
             </a:lvl1pPr>
           </a:lstStyle>
           <a:p>
-            <a:pPr/>
-            <a:fld id="{86CB4B4D-7CA3-9044-876B-883B54F8677D}" type="slidenum"/>
+            <a:fld id="{86CB4B4D-7CA3-9044-876B-883B54F8677D}" type="slidenum">
+              <a:t>‹#›</a:t>
+            </a:fld>
+            <a:endParaRPr/>
           </a:p>
         </p:txBody>
       </p:sp>
@@ -1336,12 +1402,12 @@
   <p:clrMapOvr>
     <a:masterClrMapping/>
   </p:clrMapOvr>
-  <p:transition xmlns:p14="http://schemas.microsoft.com/office/powerpoint/2010/main" spd="med" advClick="1"/>
+  <p:transition spd="med"/>
 </p:sldLayout>
 </file>
 
 <file path=ppt/slideLayouts/slideLayout2.xml><?xml version="1.0" encoding="utf-8"?>
-<p:sldLayout xmlns:a="http://schemas.openxmlformats.org/drawingml/2006/main" xmlns:r="http://schemas.openxmlformats.org/officeDocument/2006/relationships" xmlns:p="http://schemas.openxmlformats.org/presentationml/2006/main" type="tx" showMasterSp="0" showMasterPhAnim="1">
+<p:sldLayout xmlns:a="http://schemas.openxmlformats.org/drawingml/2006/main" xmlns:r="http://schemas.openxmlformats.org/officeDocument/2006/relationships" xmlns:p="http://schemas.openxmlformats.org/presentationml/2006/main" showMasterSp="0" type="tx">
   <p:cSld name="Photo - Horizontal">
     <p:spTree>
       <p:nvGrpSpPr>
@@ -1360,7 +1426,9 @@
       <p:sp>
         <p:nvSpPr>
           <p:cNvPr id="27" name="Shape 27"/>
-          <p:cNvSpPr/>
+          <p:cNvSpPr>
+            <a:spLocks noGrp="1"/>
+          </p:cNvSpPr>
           <p:nvPr>
             <p:ph type="pic" idx="13"/>
           </p:nvPr>
@@ -1380,14 +1448,16 @@
           </a:bodyPr>
           <a:lstStyle/>
           <a:p>
-            <a:pPr/>
+            <a:endParaRPr/>
           </a:p>
         </p:txBody>
       </p:sp>
       <p:sp>
         <p:nvSpPr>
           <p:cNvPr id="28" name="Shape 28"/>
-          <p:cNvSpPr/>
+          <p:cNvSpPr>
+            <a:spLocks noGrp="1"/>
+          </p:cNvSpPr>
           <p:nvPr>
             <p:ph type="title"/>
           </p:nvPr>
@@ -1414,7 +1484,6 @@
             </a:lvl1pPr>
           </a:lstStyle>
           <a:p>
-            <a:pPr/>
             <a:r>
               <a:t>Текст назви</a:t>
             </a:r>
@@ -1424,7 +1493,9 @@
       <p:sp>
         <p:nvSpPr>
           <p:cNvPr id="29" name="Shape 29"/>
-          <p:cNvSpPr/>
+          <p:cNvSpPr>
+            <a:spLocks noGrp="1"/>
+          </p:cNvSpPr>
           <p:nvPr>
             <p:ph type="body" sz="quarter" idx="1"/>
           </p:nvPr>
@@ -1483,7 +1554,6 @@
             </a:lvl5pPr>
           </a:lstStyle>
           <a:p>
-            <a:pPr/>
             <a:r>
               <a:t>1 рівень тексту</a:t>
             </a:r>
@@ -1517,7 +1587,9 @@
       <p:sp>
         <p:nvSpPr>
           <p:cNvPr id="30" name="Shape 30"/>
-          <p:cNvSpPr/>
+          <p:cNvSpPr>
+            <a:spLocks noGrp="1"/>
+          </p:cNvSpPr>
           <p:nvPr>
             <p:ph type="sldNum" sz="quarter" idx="2"/>
           </p:nvPr>
@@ -1547,8 +1619,10 @@
             </a:lvl1pPr>
           </a:lstStyle>
           <a:p>
-            <a:pPr/>
-            <a:fld id="{86CB4B4D-7CA3-9044-876B-883B54F8677D}" type="slidenum"/>
+            <a:fld id="{86CB4B4D-7CA3-9044-876B-883B54F8677D}" type="slidenum">
+              <a:t>‹#›</a:t>
+            </a:fld>
+            <a:endParaRPr/>
           </a:p>
         </p:txBody>
       </p:sp>
@@ -1557,12 +1631,12 @@
   <p:clrMapOvr>
     <a:masterClrMapping/>
   </p:clrMapOvr>
-  <p:transition xmlns:p14="http://schemas.microsoft.com/office/powerpoint/2010/main" spd="med" advClick="1"/>
+  <p:transition spd="med"/>
 </p:sldLayout>
 </file>
 
 <file path=ppt/slideLayouts/slideLayout3.xml><?xml version="1.0" encoding="utf-8"?>
-<p:sldLayout xmlns:a="http://schemas.openxmlformats.org/drawingml/2006/main" xmlns:r="http://schemas.openxmlformats.org/officeDocument/2006/relationships" xmlns:p="http://schemas.openxmlformats.org/presentationml/2006/main" type="tx" showMasterSp="1" showMasterPhAnim="1">
+<p:sldLayout xmlns:a="http://schemas.openxmlformats.org/drawingml/2006/main" xmlns:r="http://schemas.openxmlformats.org/officeDocument/2006/relationships" xmlns:p="http://schemas.openxmlformats.org/presentationml/2006/main" type="tx">
   <p:cSld name="Title - Center">
     <p:spTree>
       <p:nvGrpSpPr>
@@ -1581,7 +1655,9 @@
       <p:sp>
         <p:nvSpPr>
           <p:cNvPr id="37" name="Shape 37"/>
-          <p:cNvSpPr/>
+          <p:cNvSpPr>
+            <a:spLocks noGrp="1"/>
+          </p:cNvSpPr>
           <p:nvPr>
             <p:ph type="title"/>
           </p:nvPr>
@@ -1599,7 +1675,6 @@
           <a:bodyPr/>
           <a:lstStyle/>
           <a:p>
-            <a:pPr/>
             <a:r>
               <a:t>Текст назви</a:t>
             </a:r>
@@ -1609,7 +1684,9 @@
       <p:sp>
         <p:nvSpPr>
           <p:cNvPr id="38" name="Shape 38"/>
-          <p:cNvSpPr/>
+          <p:cNvSpPr>
+            <a:spLocks noGrp="1"/>
+          </p:cNvSpPr>
           <p:nvPr>
             <p:ph type="sldNum" sz="quarter" idx="2"/>
           </p:nvPr>
@@ -1627,8 +1704,10 @@
           <a:bodyPr/>
           <a:lstStyle/>
           <a:p>
-            <a:pPr/>
-            <a:fld id="{86CB4B4D-7CA3-9044-876B-883B54F8677D}" type="slidenum"/>
+            <a:fld id="{86CB4B4D-7CA3-9044-876B-883B54F8677D}" type="slidenum">
+              <a:t>‹#›</a:t>
+            </a:fld>
+            <a:endParaRPr/>
           </a:p>
         </p:txBody>
       </p:sp>
@@ -1637,12 +1716,12 @@
   <p:clrMapOvr>
     <a:masterClrMapping/>
   </p:clrMapOvr>
-  <p:transition xmlns:p14="http://schemas.microsoft.com/office/powerpoint/2010/main" spd="med" advClick="1"/>
+  <p:transition spd="med"/>
 </p:sldLayout>
 </file>
 
 <file path=ppt/slideLayouts/slideLayout4.xml><?xml version="1.0" encoding="utf-8"?>
-<p:sldLayout xmlns:a="http://schemas.openxmlformats.org/drawingml/2006/main" xmlns:r="http://schemas.openxmlformats.org/officeDocument/2006/relationships" xmlns:p="http://schemas.openxmlformats.org/presentationml/2006/main" type="tx" showMasterSp="0" showMasterPhAnim="1">
+<p:sldLayout xmlns:a="http://schemas.openxmlformats.org/drawingml/2006/main" xmlns:r="http://schemas.openxmlformats.org/officeDocument/2006/relationships" xmlns:p="http://schemas.openxmlformats.org/presentationml/2006/main" showMasterSp="0" type="tx">
   <p:cSld name="Photo - Vertical">
     <p:spTree>
       <p:nvGrpSpPr>
@@ -1661,7 +1740,9 @@
       <p:sp>
         <p:nvSpPr>
           <p:cNvPr id="45" name="Shape 45"/>
-          <p:cNvSpPr/>
+          <p:cNvSpPr>
+            <a:spLocks noGrp="1"/>
+          </p:cNvSpPr>
           <p:nvPr>
             <p:ph type="pic" sz="half" idx="13"/>
           </p:nvPr>
@@ -1681,14 +1762,16 @@
           </a:bodyPr>
           <a:lstStyle/>
           <a:p>
-            <a:pPr/>
+            <a:endParaRPr/>
           </a:p>
         </p:txBody>
       </p:sp>
       <p:sp>
         <p:nvSpPr>
           <p:cNvPr id="46" name="Shape 46"/>
-          <p:cNvSpPr/>
+          <p:cNvSpPr>
+            <a:spLocks noGrp="1"/>
+          </p:cNvSpPr>
           <p:nvPr>
             <p:ph type="title"/>
           </p:nvPr>
@@ -1715,7 +1798,6 @@
             </a:lvl1pPr>
           </a:lstStyle>
           <a:p>
-            <a:pPr/>
             <a:r>
               <a:t>Текст назви</a:t>
             </a:r>
@@ -1725,7 +1807,9 @@
       <p:sp>
         <p:nvSpPr>
           <p:cNvPr id="47" name="Shape 47"/>
-          <p:cNvSpPr/>
+          <p:cNvSpPr>
+            <a:spLocks noGrp="1"/>
+          </p:cNvSpPr>
           <p:nvPr>
             <p:ph type="body" sz="quarter" idx="1"/>
           </p:nvPr>
@@ -1784,7 +1868,6 @@
             </a:lvl5pPr>
           </a:lstStyle>
           <a:p>
-            <a:pPr/>
             <a:r>
               <a:t>1 рівень тексту</a:t>
             </a:r>
@@ -1818,7 +1901,9 @@
       <p:sp>
         <p:nvSpPr>
           <p:cNvPr id="48" name="Shape 48"/>
-          <p:cNvSpPr/>
+          <p:cNvSpPr>
+            <a:spLocks noGrp="1"/>
+          </p:cNvSpPr>
           <p:nvPr>
             <p:ph type="sldNum" sz="quarter" idx="2"/>
           </p:nvPr>
@@ -1848,8 +1933,10 @@
             </a:lvl1pPr>
           </a:lstStyle>
           <a:p>
-            <a:pPr/>
-            <a:fld id="{86CB4B4D-7CA3-9044-876B-883B54F8677D}" type="slidenum"/>
+            <a:fld id="{86CB4B4D-7CA3-9044-876B-883B54F8677D}" type="slidenum">
+              <a:t>‹#›</a:t>
+            </a:fld>
+            <a:endParaRPr/>
           </a:p>
         </p:txBody>
       </p:sp>
@@ -1858,12 +1945,12 @@
   <p:clrMapOvr>
     <a:masterClrMapping/>
   </p:clrMapOvr>
-  <p:transition xmlns:p14="http://schemas.microsoft.com/office/powerpoint/2010/main" spd="med" advClick="1"/>
+  <p:transition spd="med"/>
 </p:sldLayout>
 </file>
 
 <file path=ppt/slideLayouts/slideLayout5.xml><?xml version="1.0" encoding="utf-8"?>
-<p:sldLayout xmlns:a="http://schemas.openxmlformats.org/drawingml/2006/main" xmlns:r="http://schemas.openxmlformats.org/officeDocument/2006/relationships" xmlns:p="http://schemas.openxmlformats.org/presentationml/2006/main" type="tx" showMasterSp="1" showMasterPhAnim="1">
+<p:sldLayout xmlns:a="http://schemas.openxmlformats.org/drawingml/2006/main" xmlns:r="http://schemas.openxmlformats.org/officeDocument/2006/relationships" xmlns:p="http://schemas.openxmlformats.org/presentationml/2006/main" type="tx">
   <p:cSld name="Title - Top">
     <p:spTree>
       <p:nvGrpSpPr>
@@ -1882,7 +1969,9 @@
       <p:sp>
         <p:nvSpPr>
           <p:cNvPr id="55" name="Shape 55"/>
-          <p:cNvSpPr/>
+          <p:cNvSpPr>
+            <a:spLocks noGrp="1"/>
+          </p:cNvSpPr>
           <p:nvPr>
             <p:ph type="title"/>
           </p:nvPr>
@@ -1896,7 +1985,6 @@
           <a:bodyPr/>
           <a:lstStyle/>
           <a:p>
-            <a:pPr/>
             <a:r>
               <a:t>Текст назви</a:t>
             </a:r>
@@ -1906,7 +1994,9 @@
       <p:sp>
         <p:nvSpPr>
           <p:cNvPr id="56" name="Shape 56"/>
-          <p:cNvSpPr/>
+          <p:cNvSpPr>
+            <a:spLocks noGrp="1"/>
+          </p:cNvSpPr>
           <p:nvPr>
             <p:ph type="sldNum" sz="quarter" idx="2"/>
           </p:nvPr>
@@ -1920,8 +2010,10 @@
           <a:bodyPr/>
           <a:lstStyle/>
           <a:p>
-            <a:pPr/>
-            <a:fld id="{86CB4B4D-7CA3-9044-876B-883B54F8677D}" type="slidenum"/>
+            <a:fld id="{86CB4B4D-7CA3-9044-876B-883B54F8677D}" type="slidenum">
+              <a:t>‹#›</a:t>
+            </a:fld>
+            <a:endParaRPr/>
           </a:p>
         </p:txBody>
       </p:sp>
@@ -1930,12 +2022,12 @@
   <p:clrMapOvr>
     <a:masterClrMapping/>
   </p:clrMapOvr>
-  <p:transition xmlns:p14="http://schemas.microsoft.com/office/powerpoint/2010/main" spd="med" advClick="1"/>
+  <p:transition spd="med"/>
 </p:sldLayout>
 </file>
 
 <file path=ppt/slideLayouts/slideLayout6.xml><?xml version="1.0" encoding="utf-8"?>
-<p:sldLayout xmlns:a="http://schemas.openxmlformats.org/drawingml/2006/main" xmlns:r="http://schemas.openxmlformats.org/officeDocument/2006/relationships" xmlns:p="http://schemas.openxmlformats.org/presentationml/2006/main" type="tx" showMasterSp="1" showMasterPhAnim="1">
+<p:sldLayout xmlns:a="http://schemas.openxmlformats.org/drawingml/2006/main" xmlns:r="http://schemas.openxmlformats.org/officeDocument/2006/relationships" xmlns:p="http://schemas.openxmlformats.org/presentationml/2006/main" type="tx">
   <p:cSld name="Title &amp; Bullets">
     <p:spTree>
       <p:nvGrpSpPr>
@@ -1954,7 +2046,9 @@
       <p:sp>
         <p:nvSpPr>
           <p:cNvPr id="63" name="Shape 63"/>
-          <p:cNvSpPr/>
+          <p:cNvSpPr>
+            <a:spLocks noGrp="1"/>
+          </p:cNvSpPr>
           <p:nvPr>
             <p:ph type="title"/>
           </p:nvPr>
@@ -1968,7 +2062,6 @@
           <a:bodyPr/>
           <a:lstStyle/>
           <a:p>
-            <a:pPr/>
             <a:r>
               <a:t>Текст назви</a:t>
             </a:r>
@@ -1978,7 +2071,9 @@
       <p:sp>
         <p:nvSpPr>
           <p:cNvPr id="64" name="Shape 64"/>
-          <p:cNvSpPr/>
+          <p:cNvSpPr>
+            <a:spLocks noGrp="1"/>
+          </p:cNvSpPr>
           <p:nvPr>
             <p:ph type="body" idx="1"/>
           </p:nvPr>
@@ -2062,7 +2157,6 @@
             </a:lvl5pPr>
           </a:lstStyle>
           <a:p>
-            <a:pPr/>
             <a:r>
               <a:t>1 рівень тексту</a:t>
             </a:r>
@@ -2096,7 +2190,9 @@
       <p:sp>
         <p:nvSpPr>
           <p:cNvPr id="65" name="Shape 65"/>
-          <p:cNvSpPr/>
+          <p:cNvSpPr>
+            <a:spLocks noGrp="1"/>
+          </p:cNvSpPr>
           <p:nvPr>
             <p:ph type="sldNum" sz="quarter" idx="2"/>
           </p:nvPr>
@@ -2123,8 +2219,10 @@
             </a:lvl1pPr>
           </a:lstStyle>
           <a:p>
-            <a:pPr/>
-            <a:fld id="{86CB4B4D-7CA3-9044-876B-883B54F8677D}" type="slidenum"/>
+            <a:fld id="{86CB4B4D-7CA3-9044-876B-883B54F8677D}" type="slidenum">
+              <a:t>‹#›</a:t>
+            </a:fld>
+            <a:endParaRPr/>
           </a:p>
         </p:txBody>
       </p:sp>
@@ -2133,12 +2231,12 @@
   <p:clrMapOvr>
     <a:masterClrMapping/>
   </p:clrMapOvr>
-  <p:transition xmlns:p14="http://schemas.microsoft.com/office/powerpoint/2010/main" spd="med" advClick="1"/>
+  <p:transition spd="med"/>
 </p:sldLayout>
 </file>
 
 <file path=ppt/slideLayouts/slideLayout7.xml><?xml version="1.0" encoding="utf-8"?>
-<p:sldLayout xmlns:a="http://schemas.openxmlformats.org/drawingml/2006/main" xmlns:r="http://schemas.openxmlformats.org/officeDocument/2006/relationships" xmlns:p="http://schemas.openxmlformats.org/presentationml/2006/main" type="tx" showMasterSp="0" showMasterPhAnim="1">
+<p:sldLayout xmlns:a="http://schemas.openxmlformats.org/drawingml/2006/main" xmlns:r="http://schemas.openxmlformats.org/officeDocument/2006/relationships" xmlns:p="http://schemas.openxmlformats.org/presentationml/2006/main" showMasterSp="0" type="tx">
   <p:cSld name="Title, Bullets &amp; Photo">
     <p:spTree>
       <p:nvGrpSpPr>
@@ -2157,7 +2255,9 @@
       <p:sp>
         <p:nvSpPr>
           <p:cNvPr id="72" name="Shape 72"/>
-          <p:cNvSpPr/>
+          <p:cNvSpPr>
+            <a:spLocks noGrp="1"/>
+          </p:cNvSpPr>
           <p:nvPr>
             <p:ph type="pic" sz="half" idx="13"/>
           </p:nvPr>
@@ -2177,14 +2277,16 @@
           </a:bodyPr>
           <a:lstStyle/>
           <a:p>
-            <a:pPr/>
+            <a:endParaRPr/>
           </a:p>
         </p:txBody>
       </p:sp>
       <p:sp>
         <p:nvSpPr>
           <p:cNvPr id="73" name="Shape 73"/>
-          <p:cNvSpPr/>
+          <p:cNvSpPr>
+            <a:spLocks noGrp="1"/>
+          </p:cNvSpPr>
           <p:nvPr>
             <p:ph type="title"/>
           </p:nvPr>
@@ -2207,7 +2309,6 @@
             </a:lvl1pPr>
           </a:lstStyle>
           <a:p>
-            <a:pPr/>
             <a:r>
               <a:t>Текст назви</a:t>
             </a:r>
@@ -2217,7 +2318,9 @@
       <p:sp>
         <p:nvSpPr>
           <p:cNvPr id="74" name="Shape 74"/>
-          <p:cNvSpPr/>
+          <p:cNvSpPr>
+            <a:spLocks noGrp="1"/>
+          </p:cNvSpPr>
           <p:nvPr>
             <p:ph type="body" sz="half" idx="1"/>
           </p:nvPr>
@@ -2266,7 +2369,6 @@
             </a:lvl5pPr>
           </a:lstStyle>
           <a:p>
-            <a:pPr/>
             <a:r>
               <a:t>1 рівень тексту</a:t>
             </a:r>
@@ -2300,7 +2402,9 @@
       <p:sp>
         <p:nvSpPr>
           <p:cNvPr id="75" name="Shape 75"/>
-          <p:cNvSpPr/>
+          <p:cNvSpPr>
+            <a:spLocks noGrp="1"/>
+          </p:cNvSpPr>
           <p:nvPr>
             <p:ph type="sldNum" sz="quarter" idx="2"/>
           </p:nvPr>
@@ -2330,8 +2434,10 @@
             </a:lvl1pPr>
           </a:lstStyle>
           <a:p>
-            <a:pPr/>
-            <a:fld id="{86CB4B4D-7CA3-9044-876B-883B54F8677D}" type="slidenum"/>
+            <a:fld id="{86CB4B4D-7CA3-9044-876B-883B54F8677D}" type="slidenum">
+              <a:t>‹#›</a:t>
+            </a:fld>
+            <a:endParaRPr/>
           </a:p>
         </p:txBody>
       </p:sp>
@@ -2340,12 +2446,12 @@
   <p:clrMapOvr>
     <a:masterClrMapping/>
   </p:clrMapOvr>
-  <p:transition xmlns:p14="http://schemas.microsoft.com/office/powerpoint/2010/main" spd="med" advClick="1"/>
+  <p:transition spd="med"/>
 </p:sldLayout>
 </file>
 
 <file path=ppt/slideLayouts/slideLayout8.xml><?xml version="1.0" encoding="utf-8"?>
-<p:sldLayout xmlns:a="http://schemas.openxmlformats.org/drawingml/2006/main" xmlns:r="http://schemas.openxmlformats.org/officeDocument/2006/relationships" xmlns:p="http://schemas.openxmlformats.org/presentationml/2006/main" type="tx" showMasterSp="1" showMasterPhAnim="1">
+<p:sldLayout xmlns:a="http://schemas.openxmlformats.org/drawingml/2006/main" xmlns:r="http://schemas.openxmlformats.org/officeDocument/2006/relationships" xmlns:p="http://schemas.openxmlformats.org/presentationml/2006/main" type="tx">
   <p:cSld name="Bullets">
     <p:spTree>
       <p:nvGrpSpPr>
@@ -2364,7 +2470,9 @@
       <p:sp>
         <p:nvSpPr>
           <p:cNvPr id="82" name="Shape 82"/>
-          <p:cNvSpPr/>
+          <p:cNvSpPr>
+            <a:spLocks noGrp="1"/>
+          </p:cNvSpPr>
           <p:nvPr>
             <p:ph type="body" idx="1"/>
           </p:nvPr>
@@ -2382,7 +2490,6 @@
           <a:bodyPr/>
           <a:lstStyle/>
           <a:p>
-            <a:pPr/>
             <a:r>
               <a:t>1 рівень тексту</a:t>
             </a:r>
@@ -2416,7 +2523,9 @@
       <p:sp>
         <p:nvSpPr>
           <p:cNvPr id="83" name="Shape 83"/>
-          <p:cNvSpPr/>
+          <p:cNvSpPr>
+            <a:spLocks noGrp="1"/>
+          </p:cNvSpPr>
           <p:nvPr>
             <p:ph type="sldNum" sz="quarter" idx="2"/>
           </p:nvPr>
@@ -2436,8 +2545,10 @@
             <a:lvl1pPr algn="ctr"/>
           </a:lstStyle>
           <a:p>
-            <a:pPr/>
-            <a:fld id="{86CB4B4D-7CA3-9044-876B-883B54F8677D}" type="slidenum"/>
+            <a:fld id="{86CB4B4D-7CA3-9044-876B-883B54F8677D}" type="slidenum">
+              <a:t>‹#›</a:t>
+            </a:fld>
+            <a:endParaRPr/>
           </a:p>
         </p:txBody>
       </p:sp>
@@ -2446,12 +2557,12 @@
   <p:clrMapOvr>
     <a:masterClrMapping/>
   </p:clrMapOvr>
-  <p:transition xmlns:p14="http://schemas.microsoft.com/office/powerpoint/2010/main" spd="med" advClick="1"/>
+  <p:transition spd="med"/>
 </p:sldLayout>
 </file>
 
 <file path=ppt/slideLayouts/slideLayout9.xml><?xml version="1.0" encoding="utf-8"?>
-<p:sldLayout xmlns:a="http://schemas.openxmlformats.org/drawingml/2006/main" xmlns:r="http://schemas.openxmlformats.org/officeDocument/2006/relationships" xmlns:p="http://schemas.openxmlformats.org/presentationml/2006/main" type="tx" showMasterSp="0" showMasterPhAnim="1">
+<p:sldLayout xmlns:a="http://schemas.openxmlformats.org/drawingml/2006/main" xmlns:r="http://schemas.openxmlformats.org/officeDocument/2006/relationships" xmlns:p="http://schemas.openxmlformats.org/presentationml/2006/main" showMasterSp="0" type="tx">
   <p:cSld name="Photo - 3 Up">
     <p:spTree>
       <p:nvGrpSpPr>
@@ -2470,7 +2581,9 @@
       <p:sp>
         <p:nvSpPr>
           <p:cNvPr id="90" name="Shape 90"/>
-          <p:cNvSpPr/>
+          <p:cNvSpPr>
+            <a:spLocks noGrp="1"/>
+          </p:cNvSpPr>
           <p:nvPr>
             <p:ph type="pic" sz="quarter" idx="13"/>
           </p:nvPr>
@@ -2490,14 +2603,16 @@
           </a:bodyPr>
           <a:lstStyle/>
           <a:p>
-            <a:pPr/>
+            <a:endParaRPr/>
           </a:p>
         </p:txBody>
       </p:sp>
       <p:sp>
         <p:nvSpPr>
           <p:cNvPr id="91" name="Shape 91"/>
-          <p:cNvSpPr/>
+          <p:cNvSpPr>
+            <a:spLocks noGrp="1"/>
+          </p:cNvSpPr>
           <p:nvPr>
             <p:ph type="pic" sz="quarter" idx="14"/>
           </p:nvPr>
@@ -2517,14 +2632,16 @@
           </a:bodyPr>
           <a:lstStyle/>
           <a:p>
-            <a:pPr/>
+            <a:endParaRPr/>
           </a:p>
         </p:txBody>
       </p:sp>
       <p:sp>
         <p:nvSpPr>
           <p:cNvPr id="92" name="Shape 92"/>
-          <p:cNvSpPr/>
+          <p:cNvSpPr>
+            <a:spLocks noGrp="1"/>
+          </p:cNvSpPr>
           <p:nvPr>
             <p:ph type="pic" idx="15"/>
           </p:nvPr>
@@ -2544,14 +2661,16 @@
           </a:bodyPr>
           <a:lstStyle/>
           <a:p>
-            <a:pPr/>
+            <a:endParaRPr/>
           </a:p>
         </p:txBody>
       </p:sp>
       <p:sp>
         <p:nvSpPr>
           <p:cNvPr id="93" name="Shape 93"/>
-          <p:cNvSpPr/>
+          <p:cNvSpPr>
+            <a:spLocks noGrp="1"/>
+          </p:cNvSpPr>
           <p:nvPr>
             <p:ph type="sldNum" sz="quarter" idx="2"/>
           </p:nvPr>
@@ -2581,8 +2700,10 @@
             </a:lvl1pPr>
           </a:lstStyle>
           <a:p>
-            <a:pPr/>
-            <a:fld id="{86CB4B4D-7CA3-9044-876B-883B54F8677D}" type="slidenum"/>
+            <a:fld id="{86CB4B4D-7CA3-9044-876B-883B54F8677D}" type="slidenum">
+              <a:t>‹#›</a:t>
+            </a:fld>
+            <a:endParaRPr/>
           </a:p>
         </p:txBody>
       </p:sp>
@@ -2591,7 +2712,7 @@
   <p:clrMapOvr>
     <a:masterClrMapping/>
   </p:clrMapOvr>
-  <p:transition xmlns:p14="http://schemas.microsoft.com/office/powerpoint/2010/main" spd="med" advClick="1"/>
+  <p:transition spd="med"/>
 </p:sldLayout>
 </file>
 
@@ -2603,6 +2724,7 @@
         <a:solidFill>
           <a:srgbClr val="FFFFFF"/>
         </a:solidFill>
+        <a:effectLst/>
       </p:bgPr>
     </p:bg>
     <p:spTree>
@@ -2675,6 +2797,7 @@
                   <a:sym typeface="Helvetica Light"/>
                 </a:defRPr>
               </a:pPr>
+              <a:endParaRPr/>
             </a:p>
           </p:txBody>
         </p:sp>
@@ -2718,6 +2841,7 @@
                   <a:sym typeface="Helvetica Light"/>
                 </a:defRPr>
               </a:pPr>
+              <a:endParaRPr/>
             </a:p>
           </p:txBody>
         </p:sp>
@@ -2761,6 +2885,7 @@
                   <a:sym typeface="Helvetica Light"/>
                 </a:defRPr>
               </a:pPr>
+              <a:endParaRPr/>
             </a:p>
           </p:txBody>
         </p:sp>
@@ -2773,7 +2898,7 @@
             <p:nvPr/>
           </p:nvPicPr>
           <p:blipFill>
-            <a:blip r:embed="rId2">
+            <a:blip r:embed="rId16">
               <a:extLst/>
             </a:blip>
             <a:stretch>
@@ -2799,7 +2924,9 @@
       <p:sp>
         <p:nvSpPr>
           <p:cNvPr id="7" name="Shape 7"/>
-          <p:cNvSpPr/>
+          <p:cNvSpPr>
+            <a:spLocks noGrp="1"/>
+          </p:cNvSpPr>
           <p:nvPr>
             <p:ph type="title"/>
           </p:nvPr>
@@ -2817,17 +2944,16 @@
           </a:ln>
           <a:extLst>
             <a:ext uri="{C572A759-6A51-4108-AA02-DFA0A04FC94B}">
-              <ma14:wrappingTextBoxFlag xmlns:ma14="http://schemas.microsoft.com/office/mac/drawingml/2011/main" val="1"/>
+              <ma14:wrappingTextBoxFlag xmlns:ma14="http://schemas.microsoft.com/office/mac/drawingml/2011/main" xmlns="" val="1"/>
             </a:ext>
           </a:extLst>
         </p:spPr>
         <p:txBody>
           <a:bodyPr lIns="50800" tIns="50800" rIns="50800" bIns="50800" anchor="ctr">
-            <a:normAutofit fontScale="100000" lnSpcReduction="0"/>
+            <a:normAutofit/>
           </a:bodyPr>
           <a:lstStyle/>
           <a:p>
-            <a:pPr/>
             <a:r>
               <a:t>Текст назви</a:t>
             </a:r>
@@ -2837,7 +2963,9 @@
       <p:sp>
         <p:nvSpPr>
           <p:cNvPr id="8" name="Shape 8"/>
-          <p:cNvSpPr/>
+          <p:cNvSpPr>
+            <a:spLocks noGrp="1"/>
+          </p:cNvSpPr>
           <p:nvPr>
             <p:ph type="sldNum" sz="quarter" idx="2"/>
           </p:nvPr>
@@ -2872,15 +3000,19 @@
             </a:lvl1pPr>
           </a:lstStyle>
           <a:p>
-            <a:pPr/>
-            <a:fld id="{86CB4B4D-7CA3-9044-876B-883B54F8677D}" type="slidenum"/>
+            <a:fld id="{86CB4B4D-7CA3-9044-876B-883B54F8677D}" type="slidenum">
+              <a:t>‹#›</a:t>
+            </a:fld>
+            <a:endParaRPr/>
           </a:p>
         </p:txBody>
       </p:sp>
       <p:sp>
         <p:nvSpPr>
           <p:cNvPr id="9" name="Shape 9"/>
-          <p:cNvSpPr/>
+          <p:cNvSpPr>
+            <a:spLocks noGrp="1"/>
+          </p:cNvSpPr>
           <p:nvPr>
             <p:ph type="body" idx="1"/>
           </p:nvPr>
@@ -2898,17 +3030,16 @@
           </a:ln>
           <a:extLst>
             <a:ext uri="{C572A759-6A51-4108-AA02-DFA0A04FC94B}">
-              <ma14:wrappingTextBoxFlag xmlns:ma14="http://schemas.microsoft.com/office/mac/drawingml/2011/main" val="1"/>
+              <ma14:wrappingTextBoxFlag xmlns:ma14="http://schemas.microsoft.com/office/mac/drawingml/2011/main" xmlns="" val="1"/>
             </a:ext>
           </a:extLst>
         </p:spPr>
         <p:txBody>
           <a:bodyPr lIns="50800" tIns="50800" rIns="50800" bIns="50800" anchor="ctr">
-            <a:normAutofit fontScale="100000" lnSpcReduction="0"/>
+            <a:normAutofit/>
           </a:bodyPr>
           <a:lstStyle/>
           <a:p>
-            <a:pPr/>
             <a:r>
               <a:t>1 рівень тексту</a:t>
             </a:r>
@@ -2943,22 +3074,22 @@
   </p:cSld>
   <p:clrMap bg1="lt1" tx1="dk1" bg2="lt2" tx2="dk2" accent1="accent1" accent2="accent2" accent3="accent3" accent4="accent4" accent5="accent5" accent6="accent6" hlink="hlink" folHlink="folHlink"/>
   <p:sldLayoutIdLst>
-    <p:sldLayoutId id="2147483649" r:id="rId3"/>
-    <p:sldLayoutId id="2147483650" r:id="rId4"/>
-    <p:sldLayoutId id="2147483651" r:id="rId5"/>
-    <p:sldLayoutId id="2147483652" r:id="rId6"/>
-    <p:sldLayoutId id="2147483653" r:id="rId7"/>
-    <p:sldLayoutId id="2147483654" r:id="rId8"/>
-    <p:sldLayoutId id="2147483655" r:id="rId9"/>
-    <p:sldLayoutId id="2147483656" r:id="rId10"/>
-    <p:sldLayoutId id="2147483657" r:id="rId11"/>
-    <p:sldLayoutId id="2147483658" r:id="rId12"/>
-    <p:sldLayoutId id="2147483659" r:id="rId13"/>
-    <p:sldLayoutId id="2147483660" r:id="rId14"/>
-    <p:sldLayoutId id="2147483661" r:id="rId15"/>
-    <p:sldLayoutId id="2147483662" r:id="rId16"/>
+    <p:sldLayoutId id="2147483649" r:id="rId1"/>
+    <p:sldLayoutId id="2147483650" r:id="rId2"/>
+    <p:sldLayoutId id="2147483651" r:id="rId3"/>
+    <p:sldLayoutId id="2147483652" r:id="rId4"/>
+    <p:sldLayoutId id="2147483653" r:id="rId5"/>
+    <p:sldLayoutId id="2147483654" r:id="rId6"/>
+    <p:sldLayoutId id="2147483655" r:id="rId7"/>
+    <p:sldLayoutId id="2147483656" r:id="rId8"/>
+    <p:sldLayoutId id="2147483657" r:id="rId9"/>
+    <p:sldLayoutId id="2147483658" r:id="rId10"/>
+    <p:sldLayoutId id="2147483659" r:id="rId11"/>
+    <p:sldLayoutId id="2147483660" r:id="rId12"/>
+    <p:sldLayoutId id="2147483661" r:id="rId13"/>
+    <p:sldLayoutId id="2147483662" r:id="rId14"/>
   </p:sldLayoutIdLst>
-  <p:transition xmlns:p14="http://schemas.microsoft.com/office/powerpoint/2010/main" spd="med" advClick="1"/>
+  <p:transition spd="med"/>
   <p:txStyles>
     <p:titleStyle>
       <a:lvl1pPr marL="0" marR="0" indent="0" algn="ctr" defTabSz="825500" latinLnBrk="0">
@@ -2976,7 +3107,7 @@
         <a:buFontTx/>
         <a:buNone/>
         <a:tabLst/>
-        <a:defRPr b="0" baseline="0" cap="none" i="0" spc="0" strike="noStrike" sz="11200" u="none">
+        <a:defRPr sz="11200" b="0" i="0" u="none" strike="noStrike" cap="none" spc="0" baseline="0">
           <a:ln>
             <a:noFill/>
           </a:ln>
@@ -3005,7 +3136,7 @@
         <a:buFontTx/>
         <a:buNone/>
         <a:tabLst/>
-        <a:defRPr b="0" baseline="0" cap="none" i="0" spc="0" strike="noStrike" sz="11200" u="none">
+        <a:defRPr sz="11200" b="0" i="0" u="none" strike="noStrike" cap="none" spc="0" baseline="0">
           <a:ln>
             <a:noFill/>
           </a:ln>
@@ -3034,7 +3165,7 @@
         <a:buFontTx/>
         <a:buNone/>
         <a:tabLst/>
-        <a:defRPr b="0" baseline="0" cap="none" i="0" spc="0" strike="noStrike" sz="11200" u="none">
+        <a:defRPr sz="11200" b="0" i="0" u="none" strike="noStrike" cap="none" spc="0" baseline="0">
           <a:ln>
             <a:noFill/>
           </a:ln>
@@ -3063,7 +3194,7 @@
         <a:buFontTx/>
         <a:buNone/>
         <a:tabLst/>
-        <a:defRPr b="0" baseline="0" cap="none" i="0" spc="0" strike="noStrike" sz="11200" u="none">
+        <a:defRPr sz="11200" b="0" i="0" u="none" strike="noStrike" cap="none" spc="0" baseline="0">
           <a:ln>
             <a:noFill/>
           </a:ln>
@@ -3092,7 +3223,7 @@
         <a:buFontTx/>
         <a:buNone/>
         <a:tabLst/>
-        <a:defRPr b="0" baseline="0" cap="none" i="0" spc="0" strike="noStrike" sz="11200" u="none">
+        <a:defRPr sz="11200" b="0" i="0" u="none" strike="noStrike" cap="none" spc="0" baseline="0">
           <a:ln>
             <a:noFill/>
           </a:ln>
@@ -3121,7 +3252,7 @@
         <a:buFontTx/>
         <a:buNone/>
         <a:tabLst/>
-        <a:defRPr b="0" baseline="0" cap="none" i="0" spc="0" strike="noStrike" sz="11200" u="none">
+        <a:defRPr sz="11200" b="0" i="0" u="none" strike="noStrike" cap="none" spc="0" baseline="0">
           <a:ln>
             <a:noFill/>
           </a:ln>
@@ -3150,7 +3281,7 @@
         <a:buFontTx/>
         <a:buNone/>
         <a:tabLst/>
-        <a:defRPr b="0" baseline="0" cap="none" i="0" spc="0" strike="noStrike" sz="11200" u="none">
+        <a:defRPr sz="11200" b="0" i="0" u="none" strike="noStrike" cap="none" spc="0" baseline="0">
           <a:ln>
             <a:noFill/>
           </a:ln>
@@ -3179,7 +3310,7 @@
         <a:buFontTx/>
         <a:buNone/>
         <a:tabLst/>
-        <a:defRPr b="0" baseline="0" cap="none" i="0" spc="0" strike="noStrike" sz="11200" u="none">
+        <a:defRPr sz="11200" b="0" i="0" u="none" strike="noStrike" cap="none" spc="0" baseline="0">
           <a:ln>
             <a:noFill/>
           </a:ln>
@@ -3208,7 +3339,7 @@
         <a:buFontTx/>
         <a:buNone/>
         <a:tabLst/>
-        <a:defRPr b="0" baseline="0" cap="none" i="0" spc="0" strike="noStrike" sz="11200" u="none">
+        <a:defRPr sz="11200" b="0" i="0" u="none" strike="noStrike" cap="none" spc="0" baseline="0">
           <a:ln>
             <a:noFill/>
           </a:ln>
@@ -3239,7 +3370,7 @@
         <a:buFontTx/>
         <a:buChar char="•"/>
         <a:tabLst/>
-        <a:defRPr b="0" baseline="0" cap="none" i="0" spc="0" strike="noStrike" sz="5200" u="none">
+        <a:defRPr sz="5200" b="0" i="0" u="none" strike="noStrike" cap="none" spc="0" baseline="0">
           <a:ln>
             <a:noFill/>
           </a:ln>
@@ -3268,7 +3399,7 @@
         <a:buFontTx/>
         <a:buChar char="•"/>
         <a:tabLst/>
-        <a:defRPr b="0" baseline="0" cap="none" i="0" spc="0" strike="noStrike" sz="5200" u="none">
+        <a:defRPr sz="5200" b="0" i="0" u="none" strike="noStrike" cap="none" spc="0" baseline="0">
           <a:ln>
             <a:noFill/>
           </a:ln>
@@ -3297,7 +3428,7 @@
         <a:buFontTx/>
         <a:buChar char="•"/>
         <a:tabLst/>
-        <a:defRPr b="0" baseline="0" cap="none" i="0" spc="0" strike="noStrike" sz="5200" u="none">
+        <a:defRPr sz="5200" b="0" i="0" u="none" strike="noStrike" cap="none" spc="0" baseline="0">
           <a:ln>
             <a:noFill/>
           </a:ln>
@@ -3326,7 +3457,7 @@
         <a:buFontTx/>
         <a:buChar char="•"/>
         <a:tabLst/>
-        <a:defRPr b="0" baseline="0" cap="none" i="0" spc="0" strike="noStrike" sz="5200" u="none">
+        <a:defRPr sz="5200" b="0" i="0" u="none" strike="noStrike" cap="none" spc="0" baseline="0">
           <a:ln>
             <a:noFill/>
           </a:ln>
@@ -3355,7 +3486,7 @@
         <a:buFontTx/>
         <a:buChar char="•"/>
         <a:tabLst/>
-        <a:defRPr b="0" baseline="0" cap="none" i="0" spc="0" strike="noStrike" sz="5200" u="none">
+        <a:defRPr sz="5200" b="0" i="0" u="none" strike="noStrike" cap="none" spc="0" baseline="0">
           <a:ln>
             <a:noFill/>
           </a:ln>
@@ -3384,7 +3515,7 @@
         <a:buFontTx/>
         <a:buChar char="•"/>
         <a:tabLst/>
-        <a:defRPr b="0" baseline="0" cap="none" i="0" spc="0" strike="noStrike" sz="5200" u="none">
+        <a:defRPr sz="5200" b="0" i="0" u="none" strike="noStrike" cap="none" spc="0" baseline="0">
           <a:ln>
             <a:noFill/>
           </a:ln>
@@ -3413,7 +3544,7 @@
         <a:buFontTx/>
         <a:buChar char="•"/>
         <a:tabLst/>
-        <a:defRPr b="0" baseline="0" cap="none" i="0" spc="0" strike="noStrike" sz="5200" u="none">
+        <a:defRPr sz="5200" b="0" i="0" u="none" strike="noStrike" cap="none" spc="0" baseline="0">
           <a:ln>
             <a:noFill/>
           </a:ln>
@@ -3442,7 +3573,7 @@
         <a:buFontTx/>
         <a:buChar char="•"/>
         <a:tabLst/>
-        <a:defRPr b="0" baseline="0" cap="none" i="0" spc="0" strike="noStrike" sz="5200" u="none">
+        <a:defRPr sz="5200" b="0" i="0" u="none" strike="noStrike" cap="none" spc="0" baseline="0">
           <a:ln>
             <a:noFill/>
           </a:ln>
@@ -3471,7 +3602,7 @@
         <a:buFontTx/>
         <a:buChar char="•"/>
         <a:tabLst/>
-        <a:defRPr b="0" baseline="0" cap="none" i="0" spc="0" strike="noStrike" sz="5200" u="none">
+        <a:defRPr sz="5200" b="0" i="0" u="none" strike="noStrike" cap="none" spc="0" baseline="0">
           <a:ln>
             <a:noFill/>
           </a:ln>
@@ -3502,7 +3633,7 @@
         <a:buFontTx/>
         <a:buNone/>
         <a:tabLst/>
-        <a:defRPr b="0" baseline="0" cap="none" i="0" spc="0" strike="noStrike" sz="2400" u="none">
+        <a:defRPr sz="2400" b="0" i="0" u="none" strike="noStrike" cap="none" spc="0" baseline="0">
           <a:ln>
             <a:noFill/>
           </a:ln>
@@ -3531,7 +3662,7 @@
         <a:buFontTx/>
         <a:buNone/>
         <a:tabLst/>
-        <a:defRPr b="0" baseline="0" cap="none" i="0" spc="0" strike="noStrike" sz="2400" u="none">
+        <a:defRPr sz="2400" b="0" i="0" u="none" strike="noStrike" cap="none" spc="0" baseline="0">
           <a:ln>
             <a:noFill/>
           </a:ln>
@@ -3560,7 +3691,7 @@
         <a:buFontTx/>
         <a:buNone/>
         <a:tabLst/>
-        <a:defRPr b="0" baseline="0" cap="none" i="0" spc="0" strike="noStrike" sz="2400" u="none">
+        <a:defRPr sz="2400" b="0" i="0" u="none" strike="noStrike" cap="none" spc="0" baseline="0">
           <a:ln>
             <a:noFill/>
           </a:ln>
@@ -3589,7 +3720,7 @@
         <a:buFontTx/>
         <a:buNone/>
         <a:tabLst/>
-        <a:defRPr b="0" baseline="0" cap="none" i="0" spc="0" strike="noStrike" sz="2400" u="none">
+        <a:defRPr sz="2400" b="0" i="0" u="none" strike="noStrike" cap="none" spc="0" baseline="0">
           <a:ln>
             <a:noFill/>
           </a:ln>
@@ -3618,7 +3749,7 @@
         <a:buFontTx/>
         <a:buNone/>
         <a:tabLst/>
-        <a:defRPr b="0" baseline="0" cap="none" i="0" spc="0" strike="noStrike" sz="2400" u="none">
+        <a:defRPr sz="2400" b="0" i="0" u="none" strike="noStrike" cap="none" spc="0" baseline="0">
           <a:ln>
             <a:noFill/>
           </a:ln>
@@ -3647,7 +3778,7 @@
         <a:buFontTx/>
         <a:buNone/>
         <a:tabLst/>
-        <a:defRPr b="0" baseline="0" cap="none" i="0" spc="0" strike="noStrike" sz="2400" u="none">
+        <a:defRPr sz="2400" b="0" i="0" u="none" strike="noStrike" cap="none" spc="0" baseline="0">
           <a:ln>
             <a:noFill/>
           </a:ln>
@@ -3676,7 +3807,7 @@
         <a:buFontTx/>
         <a:buNone/>
         <a:tabLst/>
-        <a:defRPr b="0" baseline="0" cap="none" i="0" spc="0" strike="noStrike" sz="2400" u="none">
+        <a:defRPr sz="2400" b="0" i="0" u="none" strike="noStrike" cap="none" spc="0" baseline="0">
           <a:ln>
             <a:noFill/>
           </a:ln>
@@ -3705,7 +3836,7 @@
         <a:buFontTx/>
         <a:buNone/>
         <a:tabLst/>
-        <a:defRPr b="0" baseline="0" cap="none" i="0" spc="0" strike="noStrike" sz="2400" u="none">
+        <a:defRPr sz="2400" b="0" i="0" u="none" strike="noStrike" cap="none" spc="0" baseline="0">
           <a:ln>
             <a:noFill/>
           </a:ln>
@@ -3734,7 +3865,7 @@
         <a:buFontTx/>
         <a:buNone/>
         <a:tabLst/>
-        <a:defRPr b="0" baseline="0" cap="none" i="0" spc="0" strike="noStrike" sz="2400" u="none">
+        <a:defRPr sz="2400" b="0" i="0" u="none" strike="noStrike" cap="none" spc="0" baseline="0">
           <a:ln>
             <a:noFill/>
           </a:ln>
@@ -3754,7 +3885,7 @@
 </file>
 
 <file path=ppt/slides/slide1.xml><?xml version="1.0" encoding="utf-8"?>
-<p:sld xmlns:a="http://schemas.openxmlformats.org/drawingml/2006/main" xmlns:r="http://schemas.openxmlformats.org/officeDocument/2006/relationships" xmlns:p="http://schemas.openxmlformats.org/presentationml/2006/main" showMasterSp="1" showMasterPhAnim="1">
+<p:sld xmlns:a="http://schemas.openxmlformats.org/drawingml/2006/main" xmlns:r="http://schemas.openxmlformats.org/officeDocument/2006/relationships" xmlns:p="http://schemas.openxmlformats.org/presentationml/2006/main">
   <p:cSld>
     <p:spTree>
       <p:nvGrpSpPr>
@@ -3773,12 +3904,18 @@
       <p:sp>
         <p:nvSpPr>
           <p:cNvPr id="141" name="Shape 141"/>
-          <p:cNvSpPr/>
+          <p:cNvSpPr>
+            <a:spLocks noGrp="1"/>
+          </p:cNvSpPr>
           <p:nvPr>
             <p:ph type="ctrTitle"/>
           </p:nvPr>
         </p:nvSpPr>
         <p:spPr>
+          <a:xfrm>
+            <a:off x="1778000" y="2298700"/>
+            <a:ext cx="20001345" cy="4648200"/>
+          </a:xfrm>
           <a:prstGeom prst="rect">
             <a:avLst/>
           </a:prstGeom>
@@ -3787,8 +3924,8 @@
           <a:bodyPr/>
           <a:lstStyle/>
           <a:p>
-            <a:pPr/>
             <a:r>
+              <a:rPr dirty="0"/>
               <a:t>Decision Forests</a:t>
             </a:r>
           </a:p>
@@ -3797,7 +3934,9 @@
       <p:sp>
         <p:nvSpPr>
           <p:cNvPr id="142" name="Shape 142"/>
-          <p:cNvSpPr/>
+          <p:cNvSpPr>
+            <a:spLocks noGrp="1"/>
+          </p:cNvSpPr>
           <p:nvPr>
             <p:ph type="body" idx="13"/>
           </p:nvPr>
@@ -3811,7 +3950,6 @@
           <a:bodyPr/>
           <a:lstStyle/>
           <a:p>
-            <a:pPr/>
             <a:r>
               <a:t>About Authors</a:t>
             </a:r>
@@ -3823,12 +3961,168 @@
   <p:clrMapOvr>
     <a:masterClrMapping/>
   </p:clrMapOvr>
-  <p:transition xmlns:p14="http://schemas.microsoft.com/office/powerpoint/2010/main" spd="med" advClick="1"/>
+  <p:transition spd="med"/>
 </p:sld>
 </file>
 
 <file path=ppt/slides/slide2.xml><?xml version="1.0" encoding="utf-8"?>
-<p:sld xmlns:a="http://schemas.openxmlformats.org/drawingml/2006/main" xmlns:r="http://schemas.openxmlformats.org/officeDocument/2006/relationships" xmlns:p="http://schemas.openxmlformats.org/presentationml/2006/main" showMasterSp="1" showMasterPhAnim="1">
+<p:sld xmlns:a="http://schemas.openxmlformats.org/drawingml/2006/main" xmlns:r="http://schemas.openxmlformats.org/officeDocument/2006/relationships" xmlns:p="http://schemas.openxmlformats.org/presentationml/2006/main">
+  <p:cSld>
+    <p:spTree>
+      <p:nvGrpSpPr>
+        <p:cNvPr id="1" name=""/>
+        <p:cNvGrpSpPr/>
+        <p:nvPr/>
+      </p:nvGrpSpPr>
+      <p:grpSpPr>
+        <a:xfrm>
+          <a:off x="0" y="0"/>
+          <a:ext cx="0" cy="0"/>
+          <a:chOff x="0" y="0"/>
+          <a:chExt cx="0" cy="0"/>
+        </a:xfrm>
+      </p:grpSpPr>
+      <p:pic>
+        <p:nvPicPr>
+          <p:cNvPr id="153" name="image1.jpeg"/>
+          <p:cNvPicPr>
+            <a:picLocks noChangeAspect="1"/>
+          </p:cNvPicPr>
+          <p:nvPr/>
+        </p:nvPicPr>
+        <p:blipFill>
+          <a:blip r:embed="rId2">
+            <a:extLst/>
+          </a:blip>
+          <a:srcRect b="9506"/>
+          <a:stretch>
+            <a:fillRect/>
+          </a:stretch>
+        </p:blipFill>
+        <p:spPr>
+          <a:xfrm>
+            <a:off x="0" y="-1"/>
+            <a:ext cx="24384000" cy="14651667"/>
+          </a:xfrm>
+          <a:prstGeom prst="rect">
+            <a:avLst/>
+          </a:prstGeom>
+          <a:ln w="12700">
+            <a:miter lim="400000"/>
+          </a:ln>
+        </p:spPr>
+      </p:pic>
+      <p:sp>
+        <p:nvSpPr>
+          <p:cNvPr id="154" name="Shape 154"/>
+          <p:cNvSpPr/>
+          <p:nvPr/>
+        </p:nvSpPr>
+        <p:spPr>
+          <a:xfrm>
+            <a:off x="-4" y="2"/>
+            <a:ext cx="24374906" cy="14651664"/>
+          </a:xfrm>
+          <a:prstGeom prst="rect">
+            <a:avLst/>
+          </a:prstGeom>
+          <a:solidFill>
+            <a:srgbClr val="000000">
+              <a:alpha val="64999"/>
+            </a:srgbClr>
+          </a:solidFill>
+          <a:ln w="12700">
+            <a:miter lim="400000"/>
+          </a:ln>
+        </p:spPr>
+        <p:txBody>
+          <a:bodyPr lIns="50800" tIns="50800" rIns="50800" bIns="50800" anchor="ctr"/>
+          <a:lstStyle/>
+          <a:p>
+            <a:pPr defTabSz="1828800">
+              <a:defRPr sz="3600">
+                <a:solidFill>
+                  <a:srgbClr val="FFFFFF"/>
+                </a:solidFill>
+                <a:latin typeface="Calibri"/>
+                <a:ea typeface="Calibri"/>
+                <a:cs typeface="Calibri"/>
+                <a:sym typeface="Calibri"/>
+              </a:defRPr>
+            </a:pPr>
+            <a:endParaRPr/>
+          </a:p>
+        </p:txBody>
+      </p:sp>
+      <p:sp>
+        <p:nvSpPr>
+          <p:cNvPr id="155" name="Shape 155"/>
+          <p:cNvSpPr/>
+          <p:nvPr/>
+        </p:nvSpPr>
+        <p:spPr>
+          <a:xfrm>
+            <a:off x="1146415" y="6155328"/>
+            <a:ext cx="17280130" cy="4247313"/>
+          </a:xfrm>
+          <a:prstGeom prst="rect">
+            <a:avLst/>
+          </a:prstGeom>
+          <a:ln w="12700">
+            <a:miter lim="400000"/>
+          </a:ln>
+          <a:extLst>
+            <a:ext uri="{C572A759-6A51-4108-AA02-DFA0A04FC94B}">
+              <ma14:wrappingTextBoxFlag xmlns:ma14="http://schemas.microsoft.com/office/mac/drawingml/2011/main" xmlns="" val="1"/>
+            </a:ext>
+          </a:extLst>
+        </p:spPr>
+        <p:txBody>
+          <a:bodyPr wrap="square" lIns="91438" tIns="91438" rIns="91438" bIns="91438">
+            <a:spAutoFit/>
+          </a:bodyPr>
+          <a:lstStyle>
+            <a:lvl1pPr algn="l" defTabSz="1828800">
+              <a:defRPr sz="13200">
+                <a:solidFill>
+                  <a:srgbClr val="FFFFFF"/>
+                </a:solidFill>
+                <a:latin typeface="Gotham"/>
+                <a:ea typeface="Gotham"/>
+                <a:cs typeface="Gotham"/>
+                <a:sym typeface="Gotham"/>
+              </a:defRPr>
+            </a:lvl1pPr>
+          </a:lstStyle>
+          <a:p>
+            <a:r>
+              <a:rPr lang="en-US" dirty="0" smtClean="0"/>
+              <a:t>What is </a:t>
+            </a:r>
+            <a:r>
+              <a:rPr lang="en-US" dirty="0" smtClean="0"/>
+              <a:t>Decision tree?</a:t>
+            </a:r>
+            <a:endParaRPr dirty="0"/>
+          </a:p>
+        </p:txBody>
+      </p:sp>
+    </p:spTree>
+    <p:extLst>
+      <p:ext uri="{BB962C8B-B14F-4D97-AF65-F5344CB8AC3E}">
+        <p14:creationId xmlns:p14="http://schemas.microsoft.com/office/powerpoint/2010/main" val="2101201652"/>
+      </p:ext>
+    </p:extLst>
+  </p:cSld>
+  <p:clrMapOvr>
+    <a:masterClrMapping/>
+  </p:clrMapOvr>
+  <p:transition spd="med"/>
+</p:sld>
+</file>
+
+<file path=ppt/slides/slide3.xml><?xml version="1.0" encoding="utf-8"?>
+<p:sld xmlns:a="http://schemas.openxmlformats.org/drawingml/2006/main" xmlns:r="http://schemas.openxmlformats.org/officeDocument/2006/relationships" xmlns:p="http://schemas.openxmlformats.org/presentationml/2006/main">
   <p:cSld>
     <p:spTree>
       <p:nvGrpSpPr>
@@ -3900,6 +4194,7 @@
                   <a:sym typeface="Helvetica Light"/>
                 </a:defRPr>
               </a:pPr>
+              <a:endParaRPr/>
             </a:p>
           </p:txBody>
         </p:sp>
@@ -3943,6 +4238,7 @@
                   <a:sym typeface="Helvetica Light"/>
                 </a:defRPr>
               </a:pPr>
+              <a:endParaRPr/>
             </a:p>
           </p:txBody>
         </p:sp>
@@ -3986,6 +4282,7 @@
                   <a:sym typeface="Helvetica Light"/>
                 </a:defRPr>
               </a:pPr>
+              <a:endParaRPr/>
             </a:p>
           </p:txBody>
         </p:sp>
@@ -4024,7 +4321,9 @@
       <p:sp>
         <p:nvSpPr>
           <p:cNvPr id="149" name="Shape 149"/>
-          <p:cNvSpPr/>
+          <p:cNvSpPr>
+            <a:spLocks noGrp="1"/>
+          </p:cNvSpPr>
           <p:nvPr>
             <p:ph type="sldNum" sz="quarter" idx="2"/>
           </p:nvPr>
@@ -4039,7 +4338,7 @@
           </a:prstGeom>
           <a:extLst>
             <a:ext uri="{C572A759-6A51-4108-AA02-DFA0A04FC94B}">
-              <ma14:wrappingTextBoxFlag xmlns:ma14="http://schemas.microsoft.com/office/mac/drawingml/2011/main" val="1"/>
+              <ma14:wrappingTextBoxFlag xmlns:ma14="http://schemas.microsoft.com/office/mac/drawingml/2011/main" xmlns="" val="1"/>
             </a:ext>
           </a:extLst>
         </p:spPr>
@@ -4059,8 +4358,10 @@
             </a:lvl1pPr>
           </a:lstStyle>
           <a:p>
-            <a:pPr/>
-            <a:fld id="{86CB4B4D-7CA3-9044-876B-883B54F8677D}" type="slidenum"/>
+            <a:fld id="{86CB4B4D-7CA3-9044-876B-883B54F8677D}" type="slidenum">
+              <a:t>3</a:t>
+            </a:fld>
+            <a:endParaRPr/>
           </a:p>
         </p:txBody>
       </p:sp>
@@ -4076,7 +4377,7 @@
           <a:blip r:embed="rId3">
             <a:extLst/>
           </a:blip>
-          <a:srcRect l="0" t="22224" r="0" b="21966"/>
+          <a:srcRect t="22224" b="21966"/>
           <a:stretch>
             <a:fillRect/>
           </a:stretch>
@@ -4102,8 +4403,8 @@
         </p:nvSpPr>
         <p:spPr>
           <a:xfrm>
-            <a:off x="661407" y="842226"/>
-            <a:ext cx="22411244" cy="1275081"/>
+            <a:off x="1262778" y="841831"/>
+            <a:ext cx="22411244" cy="1292660"/>
           </a:xfrm>
           <a:prstGeom prst="rect">
             <a:avLst/>
@@ -4113,7 +4414,7 @@
           </a:ln>
           <a:extLst>
             <a:ext uri="{C572A759-6A51-4108-AA02-DFA0A04FC94B}">
-              <ma14:wrappingTextBoxFlag xmlns:ma14="http://schemas.microsoft.com/office/mac/drawingml/2011/main" val="1"/>
+              <ma14:wrappingTextBoxFlag xmlns:ma14="http://schemas.microsoft.com/office/mac/drawingml/2011/main" xmlns="" val="1"/>
             </a:ext>
           </a:extLst>
         </p:spPr>
@@ -4123,7 +4424,7 @@
           </a:bodyPr>
           <a:lstStyle>
             <a:lvl1pPr algn="l" defTabSz="1828800">
-              <a:defRPr b="1" sz="7200">
+              <a:defRPr sz="7200" b="1">
                 <a:solidFill>
                   <a:srgbClr val="595959"/>
                 </a:solidFill>
@@ -4135,10 +4436,11 @@
             </a:lvl1pPr>
           </a:lstStyle>
           <a:p>
-            <a:pPr/>
             <a:r>
-              <a:t>Gradient Boosting</a:t>
+              <a:rPr lang="en-US" dirty="0" smtClean="0"/>
+              <a:t>Decision Tree</a:t>
             </a:r>
+            <a:endParaRPr dirty="0"/>
           </a:p>
         </p:txBody>
       </p:sp>
@@ -4150,7 +4452,7 @@
         </p:nvSpPr>
         <p:spPr>
           <a:xfrm>
-            <a:off x="661410" y="2445155"/>
+            <a:off x="1262778" y="2416745"/>
             <a:ext cx="9300741" cy="792481"/>
           </a:xfrm>
           <a:prstGeom prst="rect">
@@ -4161,7 +4463,7 @@
           </a:ln>
           <a:extLst>
             <a:ext uri="{C572A759-6A51-4108-AA02-DFA0A04FC94B}">
-              <ma14:wrappingTextBoxFlag xmlns:ma14="http://schemas.microsoft.com/office/mac/drawingml/2011/main" val="1"/>
+              <ma14:wrappingTextBoxFlag xmlns:ma14="http://schemas.microsoft.com/office/mac/drawingml/2011/main" xmlns="" val="1"/>
             </a:ext>
           </a:extLst>
         </p:spPr>
@@ -4183,10 +4485,15 @@
             </a:lvl1pPr>
           </a:lstStyle>
           <a:p>
-            <a:pPr/>
             <a:r>
-              <a:t>Input: age, gender, occupation etc</a:t>
+              <a:rPr dirty="0"/>
+              <a:t>Input: age, gender, occupation </a:t>
             </a:r>
+            <a:r>
+              <a:rPr dirty="0" err="1"/>
+              <a:t>etc</a:t>
+            </a:r>
+            <a:endParaRPr dirty="0"/>
           </a:p>
         </p:txBody>
       </p:sp>
@@ -4224,6 +4531,7 @@
                 <a:sym typeface="Calibri"/>
               </a:defRPr>
             </a:pPr>
+            <a:endParaRPr/>
           </a:p>
         </p:txBody>
       </p:sp>
@@ -4246,7 +4554,7 @@
           </a:ln>
           <a:extLst>
             <a:ext uri="{C572A759-6A51-4108-AA02-DFA0A04FC94B}">
-              <ma14:wrappingTextBoxFlag xmlns:ma14="http://schemas.microsoft.com/office/mac/drawingml/2011/main" val="1"/>
+              <ma14:wrappingTextBoxFlag xmlns:ma14="http://schemas.microsoft.com/office/mac/drawingml/2011/main" xmlns="" val="1"/>
             </a:ext>
           </a:extLst>
         </p:spPr>
@@ -4268,7 +4576,6 @@
             </a:lvl1pPr>
           </a:lstStyle>
           <a:p>
-            <a:pPr/>
             <a:r>
               <a:t>Does the person like computer games?</a:t>
             </a:r>
@@ -4314,6 +4621,7 @@
                 <a:sym typeface="Calibri"/>
               </a:defRPr>
             </a:pPr>
+            <a:endParaRPr/>
           </a:p>
         </p:txBody>
       </p:sp>
@@ -4336,7 +4644,7 @@
           </a:ln>
           <a:extLst>
             <a:ext uri="{C572A759-6A51-4108-AA02-DFA0A04FC94B}">
-              <ma14:wrappingTextBoxFlag xmlns:ma14="http://schemas.microsoft.com/office/mac/drawingml/2011/main" val="1"/>
+              <ma14:wrappingTextBoxFlag xmlns:ma14="http://schemas.microsoft.com/office/mac/drawingml/2011/main" xmlns="" val="1"/>
             </a:ext>
           </a:extLst>
         </p:spPr>
@@ -4358,7 +4666,6 @@
             </a:lvl1pPr>
           </a:lstStyle>
           <a:p>
-            <a:pPr/>
             <a:r>
               <a:t>Age &lt; 15</a:t>
             </a:r>
@@ -4399,6 +4706,7 @@
                 <a:sym typeface="Calibri"/>
               </a:defRPr>
             </a:pPr>
+            <a:endParaRPr/>
           </a:p>
         </p:txBody>
       </p:sp>
@@ -4436,6 +4744,7 @@
                 <a:sym typeface="Calibri"/>
               </a:defRPr>
             </a:pPr>
+            <a:endParaRPr/>
           </a:p>
         </p:txBody>
       </p:sp>
@@ -4458,7 +4767,7 @@
           </a:ln>
           <a:extLst>
             <a:ext uri="{C572A759-6A51-4108-AA02-DFA0A04FC94B}">
-              <ma14:wrappingTextBoxFlag xmlns:ma14="http://schemas.microsoft.com/office/mac/drawingml/2011/main" val="1"/>
+              <ma14:wrappingTextBoxFlag xmlns:ma14="http://schemas.microsoft.com/office/mac/drawingml/2011/main" xmlns="" val="1"/>
             </a:ext>
           </a:extLst>
         </p:spPr>
@@ -4468,7 +4777,7 @@
           </a:bodyPr>
           <a:lstStyle>
             <a:lvl1pPr defTabSz="1828800">
-              <a:defRPr b="1" sz="3200">
+              <a:defRPr sz="3200" b="1">
                 <a:solidFill>
                   <a:srgbClr val="595959"/>
                 </a:solidFill>
@@ -4480,7 +4789,6 @@
             </a:lvl1pPr>
           </a:lstStyle>
           <a:p>
-            <a:pPr/>
             <a:r>
               <a:t>Yes</a:t>
             </a:r>
@@ -4506,7 +4814,7 @@
           </a:ln>
           <a:extLst>
             <a:ext uri="{C572A759-6A51-4108-AA02-DFA0A04FC94B}">
-              <ma14:wrappingTextBoxFlag xmlns:ma14="http://schemas.microsoft.com/office/mac/drawingml/2011/main" val="1"/>
+              <ma14:wrappingTextBoxFlag xmlns:ma14="http://schemas.microsoft.com/office/mac/drawingml/2011/main" xmlns="" val="1"/>
             </a:ext>
           </a:extLst>
         </p:spPr>
@@ -4516,7 +4824,7 @@
           </a:bodyPr>
           <a:lstStyle>
             <a:lvl1pPr defTabSz="1828800">
-              <a:defRPr b="1" sz="3200">
+              <a:defRPr sz="3200" b="1">
                 <a:solidFill>
                   <a:srgbClr val="595959"/>
                 </a:solidFill>
@@ -4528,7 +4836,6 @@
             </a:lvl1pPr>
           </a:lstStyle>
           <a:p>
-            <a:pPr/>
             <a:r>
               <a:t>No</a:t>
             </a:r>
@@ -4571,6 +4878,7 @@
                 <a:sym typeface="Calibri"/>
               </a:defRPr>
             </a:pPr>
+            <a:endParaRPr/>
           </a:p>
         </p:txBody>
       </p:sp>
@@ -4610,6 +4918,7 @@
                 <a:sym typeface="Calibri"/>
               </a:defRPr>
             </a:pPr>
+            <a:endParaRPr/>
           </a:p>
         </p:txBody>
       </p:sp>
@@ -4649,6 +4958,7 @@
                 <a:sym typeface="Calibri"/>
               </a:defRPr>
             </a:pPr>
+            <a:endParaRPr/>
           </a:p>
         </p:txBody>
       </p:sp>
@@ -4709,6 +5019,7 @@
                   <a:sym typeface="Calibri"/>
                 </a:defRPr>
               </a:pPr>
+              <a:endParaRPr/>
             </a:p>
           </p:txBody>
         </p:sp>
@@ -4734,7 +5045,7 @@
             <a:effectLst/>
             <a:extLst>
               <a:ext uri="{C572A759-6A51-4108-AA02-DFA0A04FC94B}">
-                <ma14:wrappingTextBoxFlag xmlns:ma14="http://schemas.microsoft.com/office/mac/drawingml/2011/main" val="1"/>
+                <ma14:wrappingTextBoxFlag xmlns:ma14="http://schemas.microsoft.com/office/mac/drawingml/2011/main" xmlns="" val="1"/>
               </a:ext>
             </a:extLst>
           </p:spPr>
@@ -4756,7 +5067,6 @@
               </a:lvl1pPr>
             </a:lstStyle>
             <a:p>
-              <a:pPr/>
               <a:r>
                 <a:t>Is male?</a:t>
               </a:r>
@@ -4798,6 +5108,7 @@
                 <a:sym typeface="Calibri"/>
               </a:defRPr>
             </a:pPr>
+            <a:endParaRPr/>
           </a:p>
         </p:txBody>
       </p:sp>
@@ -4835,6 +5146,7 @@
                 <a:sym typeface="Calibri"/>
               </a:defRPr>
             </a:pPr>
+            <a:endParaRPr/>
           </a:p>
         </p:txBody>
       </p:sp>
@@ -4857,7 +5169,7 @@
           </a:ln>
           <a:extLst>
             <a:ext uri="{C572A759-6A51-4108-AA02-DFA0A04FC94B}">
-              <ma14:wrappingTextBoxFlag xmlns:ma14="http://schemas.microsoft.com/office/mac/drawingml/2011/main" val="1"/>
+              <ma14:wrappingTextBoxFlag xmlns:ma14="http://schemas.microsoft.com/office/mac/drawingml/2011/main" xmlns="" val="1"/>
             </a:ext>
           </a:extLst>
         </p:spPr>
@@ -4867,7 +5179,7 @@
           </a:bodyPr>
           <a:lstStyle>
             <a:lvl1pPr defTabSz="1828800">
-              <a:defRPr b="1" sz="3200">
+              <a:defRPr sz="3200" b="1">
                 <a:solidFill>
                   <a:srgbClr val="595959"/>
                 </a:solidFill>
@@ -4879,7 +5191,6 @@
             </a:lvl1pPr>
           </a:lstStyle>
           <a:p>
-            <a:pPr/>
             <a:r>
               <a:t>Yes</a:t>
             </a:r>
@@ -4905,7 +5216,7 @@
           </a:ln>
           <a:extLst>
             <a:ext uri="{C572A759-6A51-4108-AA02-DFA0A04FC94B}">
-              <ma14:wrappingTextBoxFlag xmlns:ma14="http://schemas.microsoft.com/office/mac/drawingml/2011/main" val="1"/>
+              <ma14:wrappingTextBoxFlag xmlns:ma14="http://schemas.microsoft.com/office/mac/drawingml/2011/main" xmlns="" val="1"/>
             </a:ext>
           </a:extLst>
         </p:spPr>
@@ -4915,7 +5226,7 @@
           </a:bodyPr>
           <a:lstStyle>
             <a:lvl1pPr defTabSz="1828800">
-              <a:defRPr b="1" sz="3200">
+              <a:defRPr sz="3200" b="1">
                 <a:solidFill>
                   <a:srgbClr val="595959"/>
                 </a:solidFill>
@@ -4927,7 +5238,6 @@
             </a:lvl1pPr>
           </a:lstStyle>
           <a:p>
-            <a:pPr/>
             <a:r>
               <a:t>No</a:t>
             </a:r>
@@ -4942,7 +5252,7 @@
         </p:nvSpPr>
         <p:spPr>
           <a:xfrm>
-            <a:off x="661410" y="11052419"/>
+            <a:off x="1262777" y="11014430"/>
             <a:ext cx="9300741" cy="792481"/>
           </a:xfrm>
           <a:prstGeom prst="rect">
@@ -4953,7 +5263,7 @@
           </a:ln>
           <a:extLst>
             <a:ext uri="{C572A759-6A51-4108-AA02-DFA0A04FC94B}">
-              <ma14:wrappingTextBoxFlag xmlns:ma14="http://schemas.microsoft.com/office/mac/drawingml/2011/main" val="1"/>
+              <ma14:wrappingTextBoxFlag xmlns:ma14="http://schemas.microsoft.com/office/mac/drawingml/2011/main" xmlns="" val="1"/>
             </a:ext>
           </a:extLst>
         </p:spPr>
@@ -4975,8 +5285,8 @@
             </a:lvl1pPr>
           </a:lstStyle>
           <a:p>
-            <a:pPr/>
             <a:r>
+              <a:rPr dirty="0"/>
               <a:t>Prediction score in each leaf</a:t>
             </a:r>
           </a:p>
@@ -5016,6 +5326,7 @@
                 <a:sym typeface="Calibri"/>
               </a:defRPr>
             </a:pPr>
+            <a:endParaRPr/>
           </a:p>
         </p:txBody>
       </p:sp>
@@ -5038,7 +5349,7 @@
           </a:ln>
           <a:extLst>
             <a:ext uri="{C572A759-6A51-4108-AA02-DFA0A04FC94B}">
-              <ma14:wrappingTextBoxFlag xmlns:ma14="http://schemas.microsoft.com/office/mac/drawingml/2011/main" val="1"/>
+              <ma14:wrappingTextBoxFlag xmlns:ma14="http://schemas.microsoft.com/office/mac/drawingml/2011/main" xmlns="" val="1"/>
             </a:ext>
           </a:extLst>
         </p:spPr>
@@ -5060,7 +5371,6 @@
             </a:lvl1pPr>
           </a:lstStyle>
           <a:p>
-            <a:pPr/>
             <a:r>
               <a:t>+2</a:t>
             </a:r>
@@ -5086,7 +5396,7 @@
           </a:ln>
           <a:extLst>
             <a:ext uri="{C572A759-6A51-4108-AA02-DFA0A04FC94B}">
-              <ma14:wrappingTextBoxFlag xmlns:ma14="http://schemas.microsoft.com/office/mac/drawingml/2011/main" val="1"/>
+              <ma14:wrappingTextBoxFlag xmlns:ma14="http://schemas.microsoft.com/office/mac/drawingml/2011/main" xmlns="" val="1"/>
             </a:ext>
           </a:extLst>
         </p:spPr>
@@ -5108,7 +5418,6 @@
             </a:lvl1pPr>
           </a:lstStyle>
           <a:p>
-            <a:pPr/>
             <a:r>
               <a:t>+0.1</a:t>
             </a:r>
@@ -5134,7 +5443,7 @@
           </a:ln>
           <a:extLst>
             <a:ext uri="{C572A759-6A51-4108-AA02-DFA0A04FC94B}">
-              <ma14:wrappingTextBoxFlag xmlns:ma14="http://schemas.microsoft.com/office/mac/drawingml/2011/main" val="1"/>
+              <ma14:wrappingTextBoxFlag xmlns:ma14="http://schemas.microsoft.com/office/mac/drawingml/2011/main" xmlns="" val="1"/>
             </a:ext>
           </a:extLst>
         </p:spPr>
@@ -5156,7 +5465,6 @@
             </a:lvl1pPr>
           </a:lstStyle>
           <a:p>
-            <a:pPr/>
             <a:r>
               <a:t>-1</a:t>
             </a:r>
@@ -5168,12 +5476,12 @@
   <p:clrMapOvr>
     <a:masterClrMapping/>
   </p:clrMapOvr>
-  <p:transition xmlns:p14="http://schemas.microsoft.com/office/powerpoint/2010/main" spd="med" advClick="1"/>
+  <p:transition spd="med"/>
 </p:sld>
 </file>
 
-<file path=ppt/slides/slide3.xml><?xml version="1.0" encoding="utf-8"?>
-<p:sld xmlns:a="http://schemas.openxmlformats.org/drawingml/2006/main" xmlns:r="http://schemas.openxmlformats.org/officeDocument/2006/relationships" xmlns:p="http://schemas.openxmlformats.org/presentationml/2006/main" showMasterSp="1" showMasterPhAnim="1">
+<file path=ppt/slides/slide4.xml><?xml version="1.0" encoding="utf-8"?>
+<p:sld xmlns:a="http://schemas.openxmlformats.org/drawingml/2006/main" xmlns:r="http://schemas.openxmlformats.org/officeDocument/2006/relationships" xmlns:p="http://schemas.openxmlformats.org/presentationml/2006/main">
   <p:cSld>
     <p:spTree>
       <p:nvGrpSpPr>
@@ -5245,6 +5553,7 @@
                   <a:sym typeface="Helvetica Light"/>
                 </a:defRPr>
               </a:pPr>
+              <a:endParaRPr/>
             </a:p>
           </p:txBody>
         </p:sp>
@@ -5288,6 +5597,7 @@
                   <a:sym typeface="Helvetica Light"/>
                 </a:defRPr>
               </a:pPr>
+              <a:endParaRPr/>
             </a:p>
           </p:txBody>
         </p:sp>
@@ -5331,6 +5641,7 @@
                   <a:sym typeface="Helvetica Light"/>
                 </a:defRPr>
               </a:pPr>
+              <a:endParaRPr/>
             </a:p>
           </p:txBody>
         </p:sp>
@@ -5369,7 +5680,9 @@
       <p:sp>
         <p:nvSpPr>
           <p:cNvPr id="182" name="Shape 182"/>
-          <p:cNvSpPr/>
+          <p:cNvSpPr>
+            <a:spLocks noGrp="1"/>
+          </p:cNvSpPr>
           <p:nvPr>
             <p:ph type="sldNum" sz="quarter" idx="2"/>
           </p:nvPr>
@@ -5384,7 +5697,7 @@
           </a:prstGeom>
           <a:extLst>
             <a:ext uri="{C572A759-6A51-4108-AA02-DFA0A04FC94B}">
-              <ma14:wrappingTextBoxFlag xmlns:ma14="http://schemas.microsoft.com/office/mac/drawingml/2011/main" val="1"/>
+              <ma14:wrappingTextBoxFlag xmlns:ma14="http://schemas.microsoft.com/office/mac/drawingml/2011/main" xmlns="" val="1"/>
             </a:ext>
           </a:extLst>
         </p:spPr>
@@ -5404,8 +5717,10 @@
             </a:lvl1pPr>
           </a:lstStyle>
           <a:p>
-            <a:pPr/>
-            <a:fld id="{86CB4B4D-7CA3-9044-876B-883B54F8677D}" type="slidenum"/>
+            <a:fld id="{86CB4B4D-7CA3-9044-876B-883B54F8677D}" type="slidenum">
+              <a:t>4</a:t>
+            </a:fld>
+            <a:endParaRPr/>
           </a:p>
         </p:txBody>
       </p:sp>
@@ -5448,6 +5763,7 @@
                 <a:sym typeface="Calibri"/>
               </a:defRPr>
             </a:pPr>
+            <a:endParaRPr/>
           </a:p>
         </p:txBody>
       </p:sp>
@@ -5463,7 +5779,7 @@
           <a:blip r:embed="rId3">
             <a:extLst/>
           </a:blip>
-          <a:srcRect l="0" t="32360" r="0" b="0"/>
+          <a:srcRect t="32360"/>
           <a:stretch>
             <a:fillRect/>
           </a:stretch>
@@ -5515,6 +5831,7 @@
                 <a:sym typeface="Calibri"/>
               </a:defRPr>
             </a:pPr>
+            <a:endParaRPr/>
           </a:p>
         </p:txBody>
       </p:sp>
@@ -5537,7 +5854,7 @@
           </a:ln>
           <a:extLst>
             <a:ext uri="{C572A759-6A51-4108-AA02-DFA0A04FC94B}">
-              <ma14:wrappingTextBoxFlag xmlns:ma14="http://schemas.microsoft.com/office/mac/drawingml/2011/main" val="1"/>
+              <ma14:wrappingTextBoxFlag xmlns:ma14="http://schemas.microsoft.com/office/mac/drawingml/2011/main" xmlns="" val="1"/>
             </a:ext>
           </a:extLst>
         </p:spPr>
@@ -5559,8 +5876,8 @@
             </a:lvl1pPr>
           </a:lstStyle>
           <a:p>
-            <a:pPr/>
             <a:r>
+              <a:rPr dirty="0"/>
               <a:t>Tree 1</a:t>
             </a:r>
           </a:p>
@@ -5585,7 +5902,7 @@
           </a:ln>
           <a:extLst>
             <a:ext uri="{C572A759-6A51-4108-AA02-DFA0A04FC94B}">
-              <ma14:wrappingTextBoxFlag xmlns:ma14="http://schemas.microsoft.com/office/mac/drawingml/2011/main" val="1"/>
+              <ma14:wrappingTextBoxFlag xmlns:ma14="http://schemas.microsoft.com/office/mac/drawingml/2011/main" xmlns="" val="1"/>
             </a:ext>
           </a:extLst>
         </p:spPr>
@@ -5607,7 +5924,6 @@
             </a:lvl1pPr>
           </a:lstStyle>
           <a:p>
-            <a:pPr/>
             <a:r>
               <a:t>Age &lt; 15</a:t>
             </a:r>
@@ -5648,6 +5964,7 @@
                 <a:sym typeface="Calibri"/>
               </a:defRPr>
             </a:pPr>
+            <a:endParaRPr/>
           </a:p>
         </p:txBody>
       </p:sp>
@@ -5685,6 +6002,7 @@
                 <a:sym typeface="Calibri"/>
               </a:defRPr>
             </a:pPr>
+            <a:endParaRPr/>
           </a:p>
         </p:txBody>
       </p:sp>
@@ -5707,7 +6025,7 @@
           </a:ln>
           <a:extLst>
             <a:ext uri="{C572A759-6A51-4108-AA02-DFA0A04FC94B}">
-              <ma14:wrappingTextBoxFlag xmlns:ma14="http://schemas.microsoft.com/office/mac/drawingml/2011/main" val="1"/>
+              <ma14:wrappingTextBoxFlag xmlns:ma14="http://schemas.microsoft.com/office/mac/drawingml/2011/main" xmlns="" val="1"/>
             </a:ext>
           </a:extLst>
         </p:spPr>
@@ -5717,7 +6035,7 @@
           </a:bodyPr>
           <a:lstStyle>
             <a:lvl1pPr defTabSz="1828800">
-              <a:defRPr b="1" sz="3200">
+              <a:defRPr sz="3200" b="1">
                 <a:solidFill>
                   <a:srgbClr val="595959"/>
                 </a:solidFill>
@@ -5729,7 +6047,6 @@
             </a:lvl1pPr>
           </a:lstStyle>
           <a:p>
-            <a:pPr/>
             <a:r>
               <a:t>Yes</a:t>
             </a:r>
@@ -5755,7 +6072,7 @@
           </a:ln>
           <a:extLst>
             <a:ext uri="{C572A759-6A51-4108-AA02-DFA0A04FC94B}">
-              <ma14:wrappingTextBoxFlag xmlns:ma14="http://schemas.microsoft.com/office/mac/drawingml/2011/main" val="1"/>
+              <ma14:wrappingTextBoxFlag xmlns:ma14="http://schemas.microsoft.com/office/mac/drawingml/2011/main" xmlns="" val="1"/>
             </a:ext>
           </a:extLst>
         </p:spPr>
@@ -5765,7 +6082,7 @@
           </a:bodyPr>
           <a:lstStyle>
             <a:lvl1pPr defTabSz="1828800">
-              <a:defRPr b="1" sz="3200">
+              <a:defRPr sz="3200" b="1">
                 <a:solidFill>
                   <a:srgbClr val="595959"/>
                 </a:solidFill>
@@ -5777,7 +6094,6 @@
             </a:lvl1pPr>
           </a:lstStyle>
           <a:p>
-            <a:pPr/>
             <a:r>
               <a:t>No</a:t>
             </a:r>
@@ -5820,6 +6136,7 @@
                 <a:sym typeface="Calibri"/>
               </a:defRPr>
             </a:pPr>
+            <a:endParaRPr/>
           </a:p>
         </p:txBody>
       </p:sp>
@@ -5859,6 +6176,7 @@
                 <a:sym typeface="Calibri"/>
               </a:defRPr>
             </a:pPr>
+            <a:endParaRPr/>
           </a:p>
         </p:txBody>
       </p:sp>
@@ -5898,6 +6216,7 @@
                 <a:sym typeface="Calibri"/>
               </a:defRPr>
             </a:pPr>
+            <a:endParaRPr/>
           </a:p>
         </p:txBody>
       </p:sp>
@@ -5958,6 +6277,7 @@
                   <a:sym typeface="Calibri"/>
                 </a:defRPr>
               </a:pPr>
+              <a:endParaRPr/>
             </a:p>
           </p:txBody>
         </p:sp>
@@ -5983,7 +6303,7 @@
             <a:effectLst/>
             <a:extLst>
               <a:ext uri="{C572A759-6A51-4108-AA02-DFA0A04FC94B}">
-                <ma14:wrappingTextBoxFlag xmlns:ma14="http://schemas.microsoft.com/office/mac/drawingml/2011/main" val="1"/>
+                <ma14:wrappingTextBoxFlag xmlns:ma14="http://schemas.microsoft.com/office/mac/drawingml/2011/main" xmlns="" val="1"/>
               </a:ext>
             </a:extLst>
           </p:spPr>
@@ -6005,7 +6325,6 @@
               </a:lvl1pPr>
             </a:lstStyle>
             <a:p>
-              <a:pPr/>
               <a:r>
                 <a:t>Is male?</a:t>
               </a:r>
@@ -6047,6 +6366,7 @@
                 <a:sym typeface="Calibri"/>
               </a:defRPr>
             </a:pPr>
+            <a:endParaRPr/>
           </a:p>
         </p:txBody>
       </p:sp>
@@ -6084,6 +6404,7 @@
                 <a:sym typeface="Calibri"/>
               </a:defRPr>
             </a:pPr>
+            <a:endParaRPr/>
           </a:p>
         </p:txBody>
       </p:sp>
@@ -6106,7 +6427,7 @@
           </a:ln>
           <a:extLst>
             <a:ext uri="{C572A759-6A51-4108-AA02-DFA0A04FC94B}">
-              <ma14:wrappingTextBoxFlag xmlns:ma14="http://schemas.microsoft.com/office/mac/drawingml/2011/main" val="1"/>
+              <ma14:wrappingTextBoxFlag xmlns:ma14="http://schemas.microsoft.com/office/mac/drawingml/2011/main" xmlns="" val="1"/>
             </a:ext>
           </a:extLst>
         </p:spPr>
@@ -6116,7 +6437,7 @@
           </a:bodyPr>
           <a:lstStyle>
             <a:lvl1pPr defTabSz="1828800">
-              <a:defRPr b="1" sz="3200">
+              <a:defRPr sz="3200" b="1">
                 <a:solidFill>
                   <a:srgbClr val="595959"/>
                 </a:solidFill>
@@ -6128,7 +6449,6 @@
             </a:lvl1pPr>
           </a:lstStyle>
           <a:p>
-            <a:pPr/>
             <a:r>
               <a:t>Yes</a:t>
             </a:r>
@@ -6154,7 +6474,7 @@
           </a:ln>
           <a:extLst>
             <a:ext uri="{C572A759-6A51-4108-AA02-DFA0A04FC94B}">
-              <ma14:wrappingTextBoxFlag xmlns:ma14="http://schemas.microsoft.com/office/mac/drawingml/2011/main" val="1"/>
+              <ma14:wrappingTextBoxFlag xmlns:ma14="http://schemas.microsoft.com/office/mac/drawingml/2011/main" xmlns="" val="1"/>
             </a:ext>
           </a:extLst>
         </p:spPr>
@@ -6164,7 +6484,7 @@
           </a:bodyPr>
           <a:lstStyle>
             <a:lvl1pPr defTabSz="1828800">
-              <a:defRPr b="1" sz="3200">
+              <a:defRPr sz="3200" b="1">
                 <a:solidFill>
                   <a:srgbClr val="595959"/>
                 </a:solidFill>
@@ -6176,7 +6496,6 @@
             </a:lvl1pPr>
           </a:lstStyle>
           <a:p>
-            <a:pPr/>
             <a:r>
               <a:t>No</a:t>
             </a:r>
@@ -6202,7 +6521,7 @@
           </a:ln>
           <a:extLst>
             <a:ext uri="{C572A759-6A51-4108-AA02-DFA0A04FC94B}">
-              <ma14:wrappingTextBoxFlag xmlns:ma14="http://schemas.microsoft.com/office/mac/drawingml/2011/main" val="1"/>
+              <ma14:wrappingTextBoxFlag xmlns:ma14="http://schemas.microsoft.com/office/mac/drawingml/2011/main" xmlns="" val="1"/>
             </a:ext>
           </a:extLst>
         </p:spPr>
@@ -6224,7 +6543,6 @@
             </a:lvl1pPr>
           </a:lstStyle>
           <a:p>
-            <a:pPr/>
             <a:r>
               <a:t>+2</a:t>
             </a:r>
@@ -6250,7 +6568,7 @@
           </a:ln>
           <a:extLst>
             <a:ext uri="{C572A759-6A51-4108-AA02-DFA0A04FC94B}">
-              <ma14:wrappingTextBoxFlag xmlns:ma14="http://schemas.microsoft.com/office/mac/drawingml/2011/main" val="1"/>
+              <ma14:wrappingTextBoxFlag xmlns:ma14="http://schemas.microsoft.com/office/mac/drawingml/2011/main" xmlns="" val="1"/>
             </a:ext>
           </a:extLst>
         </p:spPr>
@@ -6272,7 +6590,6 @@
             </a:lvl1pPr>
           </a:lstStyle>
           <a:p>
-            <a:pPr/>
             <a:r>
               <a:t>+0.1</a:t>
             </a:r>
@@ -6298,7 +6615,7 @@
           </a:ln>
           <a:extLst>
             <a:ext uri="{C572A759-6A51-4108-AA02-DFA0A04FC94B}">
-              <ma14:wrappingTextBoxFlag xmlns:ma14="http://schemas.microsoft.com/office/mac/drawingml/2011/main" val="1"/>
+              <ma14:wrappingTextBoxFlag xmlns:ma14="http://schemas.microsoft.com/office/mac/drawingml/2011/main" xmlns="" val="1"/>
             </a:ext>
           </a:extLst>
         </p:spPr>
@@ -6320,7 +6637,6 @@
             </a:lvl1pPr>
           </a:lstStyle>
           <a:p>
-            <a:pPr/>
             <a:r>
               <a:t>-1</a:t>
             </a:r>
@@ -6361,6 +6677,7 @@
                 <a:sym typeface="Calibri"/>
               </a:defRPr>
             </a:pPr>
+            <a:endParaRPr/>
           </a:p>
         </p:txBody>
       </p:sp>
@@ -6383,7 +6700,7 @@
           </a:ln>
           <a:extLst>
             <a:ext uri="{C572A759-6A51-4108-AA02-DFA0A04FC94B}">
-              <ma14:wrappingTextBoxFlag xmlns:ma14="http://schemas.microsoft.com/office/mac/drawingml/2011/main" val="1"/>
+              <ma14:wrappingTextBoxFlag xmlns:ma14="http://schemas.microsoft.com/office/mac/drawingml/2011/main" xmlns="" val="1"/>
             </a:ext>
           </a:extLst>
         </p:spPr>
@@ -6405,7 +6722,6 @@
             </a:lvl1pPr>
           </a:lstStyle>
           <a:p>
-            <a:pPr/>
             <a:r>
               <a:t>Tree 2</a:t>
             </a:r>
@@ -6451,6 +6767,7 @@
                 <a:sym typeface="Calibri"/>
               </a:defRPr>
             </a:pPr>
+            <a:endParaRPr/>
           </a:p>
         </p:txBody>
       </p:sp>
@@ -6473,7 +6790,7 @@
           </a:ln>
           <a:extLst>
             <a:ext uri="{C572A759-6A51-4108-AA02-DFA0A04FC94B}">
-              <ma14:wrappingTextBoxFlag xmlns:ma14="http://schemas.microsoft.com/office/mac/drawingml/2011/main" val="1"/>
+              <ma14:wrappingTextBoxFlag xmlns:ma14="http://schemas.microsoft.com/office/mac/drawingml/2011/main" xmlns="" val="1"/>
             </a:ext>
           </a:extLst>
         </p:spPr>
@@ -6495,7 +6812,6 @@
             </a:lvl1pPr>
           </a:lstStyle>
           <a:p>
-            <a:pPr/>
             <a:r>
               <a:t>Use computer daily?</a:t>
             </a:r>
@@ -6536,6 +6852,7 @@
                 <a:sym typeface="Calibri"/>
               </a:defRPr>
             </a:pPr>
+            <a:endParaRPr/>
           </a:p>
         </p:txBody>
       </p:sp>
@@ -6573,6 +6890,7 @@
                 <a:sym typeface="Calibri"/>
               </a:defRPr>
             </a:pPr>
+            <a:endParaRPr/>
           </a:p>
         </p:txBody>
       </p:sp>
@@ -6595,7 +6913,7 @@
           </a:ln>
           <a:extLst>
             <a:ext uri="{C572A759-6A51-4108-AA02-DFA0A04FC94B}">
-              <ma14:wrappingTextBoxFlag xmlns:ma14="http://schemas.microsoft.com/office/mac/drawingml/2011/main" val="1"/>
+              <ma14:wrappingTextBoxFlag xmlns:ma14="http://schemas.microsoft.com/office/mac/drawingml/2011/main" xmlns="" val="1"/>
             </a:ext>
           </a:extLst>
         </p:spPr>
@@ -6605,7 +6923,7 @@
           </a:bodyPr>
           <a:lstStyle>
             <a:lvl1pPr defTabSz="1828800">
-              <a:defRPr b="1" sz="3200">
+              <a:defRPr sz="3200" b="1">
                 <a:solidFill>
                   <a:srgbClr val="595959"/>
                 </a:solidFill>
@@ -6617,7 +6935,6 @@
             </a:lvl1pPr>
           </a:lstStyle>
           <a:p>
-            <a:pPr/>
             <a:r>
               <a:t>Yes</a:t>
             </a:r>
@@ -6643,7 +6960,7 @@
           </a:ln>
           <a:extLst>
             <a:ext uri="{C572A759-6A51-4108-AA02-DFA0A04FC94B}">
-              <ma14:wrappingTextBoxFlag xmlns:ma14="http://schemas.microsoft.com/office/mac/drawingml/2011/main" val="1"/>
+              <ma14:wrappingTextBoxFlag xmlns:ma14="http://schemas.microsoft.com/office/mac/drawingml/2011/main" xmlns="" val="1"/>
             </a:ext>
           </a:extLst>
         </p:spPr>
@@ -6653,7 +6970,7 @@
           </a:bodyPr>
           <a:lstStyle>
             <a:lvl1pPr defTabSz="1828800">
-              <a:defRPr b="1" sz="3200">
+              <a:defRPr sz="3200" b="1">
                 <a:solidFill>
                   <a:srgbClr val="595959"/>
                 </a:solidFill>
@@ -6665,7 +6982,6 @@
             </a:lvl1pPr>
           </a:lstStyle>
           <a:p>
-            <a:pPr/>
             <a:r>
               <a:t>No</a:t>
             </a:r>
@@ -6708,6 +7024,7 @@
                 <a:sym typeface="Calibri"/>
               </a:defRPr>
             </a:pPr>
+            <a:endParaRPr/>
           </a:p>
         </p:txBody>
       </p:sp>
@@ -6747,6 +7064,7 @@
                 <a:sym typeface="Calibri"/>
               </a:defRPr>
             </a:pPr>
+            <a:endParaRPr/>
           </a:p>
         </p:txBody>
       </p:sp>
@@ -6769,7 +7087,7 @@
           </a:ln>
           <a:extLst>
             <a:ext uri="{C572A759-6A51-4108-AA02-DFA0A04FC94B}">
-              <ma14:wrappingTextBoxFlag xmlns:ma14="http://schemas.microsoft.com/office/mac/drawingml/2011/main" val="1"/>
+              <ma14:wrappingTextBoxFlag xmlns:ma14="http://schemas.microsoft.com/office/mac/drawingml/2011/main" xmlns="" val="1"/>
             </a:ext>
           </a:extLst>
         </p:spPr>
@@ -6791,7 +7109,6 @@
             </a:lvl1pPr>
           </a:lstStyle>
           <a:p>
-            <a:pPr/>
             <a:r>
               <a:t>+0.9</a:t>
             </a:r>
@@ -6817,7 +7134,7 @@
           </a:ln>
           <a:extLst>
             <a:ext uri="{C572A759-6A51-4108-AA02-DFA0A04FC94B}">
-              <ma14:wrappingTextBoxFlag xmlns:ma14="http://schemas.microsoft.com/office/mac/drawingml/2011/main" val="1"/>
+              <ma14:wrappingTextBoxFlag xmlns:ma14="http://schemas.microsoft.com/office/mac/drawingml/2011/main" xmlns="" val="1"/>
             </a:ext>
           </a:extLst>
         </p:spPr>
@@ -6839,7 +7156,6 @@
             </a:lvl1pPr>
           </a:lstStyle>
           <a:p>
-            <a:pPr/>
             <a:r>
               <a:t>-0.9</a:t>
             </a:r>
@@ -6865,7 +7181,7 @@
           </a:ln>
           <a:extLst>
             <a:ext uri="{C572A759-6A51-4108-AA02-DFA0A04FC94B}">
-              <ma14:wrappingTextBoxFlag xmlns:ma14="http://schemas.microsoft.com/office/mac/drawingml/2011/main" val="1"/>
+              <ma14:wrappingTextBoxFlag xmlns:ma14="http://schemas.microsoft.com/office/mac/drawingml/2011/main" xmlns="" val="1"/>
             </a:ext>
           </a:extLst>
         </p:spPr>
@@ -6887,7 +7203,6 @@
             </a:lvl1pPr>
           </a:lstStyle>
           <a:p>
-            <a:pPr/>
             <a:r>
               <a:t>f (	 )=2+0.9=2.9</a:t>
             </a:r>
@@ -6913,7 +7228,7 @@
           </a:ln>
           <a:extLst>
             <a:ext uri="{C572A759-6A51-4108-AA02-DFA0A04FC94B}">
-              <ma14:wrappingTextBoxFlag xmlns:ma14="http://schemas.microsoft.com/office/mac/drawingml/2011/main" val="1"/>
+              <ma14:wrappingTextBoxFlag xmlns:ma14="http://schemas.microsoft.com/office/mac/drawingml/2011/main" xmlns="" val="1"/>
             </a:ext>
           </a:extLst>
         </p:spPr>
@@ -6935,7 +7250,6 @@
             </a:lvl1pPr>
           </a:lstStyle>
           <a:p>
-            <a:pPr/>
             <a:r>
               <a:t>f (	 )=-1+0.9=-0.1</a:t>
             </a:r>
@@ -6947,12 +7261,12 @@
   <p:clrMapOvr>
     <a:masterClrMapping/>
   </p:clrMapOvr>
-  <p:transition xmlns:p14="http://schemas.microsoft.com/office/powerpoint/2010/main" spd="med" advClick="1"/>
+  <p:transition spd="med"/>
 </p:sld>
 </file>
 
-<file path=ppt/slides/slide4.xml><?xml version="1.0" encoding="utf-8"?>
-<p:sld xmlns:a="http://schemas.openxmlformats.org/drawingml/2006/main" xmlns:r="http://schemas.openxmlformats.org/officeDocument/2006/relationships" xmlns:p="http://schemas.openxmlformats.org/presentationml/2006/main" showMasterSp="1" showMasterPhAnim="1">
+<file path=ppt/slides/slide5.xml><?xml version="1.0" encoding="utf-8"?>
+<p:sld xmlns:a="http://schemas.openxmlformats.org/drawingml/2006/main" xmlns:r="http://schemas.openxmlformats.org/officeDocument/2006/relationships" xmlns:p="http://schemas.openxmlformats.org/presentationml/2006/main">
   <p:cSld>
     <p:spTree>
       <p:nvGrpSpPr>
@@ -6968,9 +7282,867 @@
           <a:chExt cx="0" cy="0"/>
         </a:xfrm>
       </p:grpSpPr>
+      <p:sp>
+        <p:nvSpPr>
+          <p:cNvPr id="5" name="Текст 4"/>
+          <p:cNvSpPr>
+            <a:spLocks noGrp="1"/>
+          </p:cNvSpPr>
+          <p:nvPr>
+            <p:ph type="body" sz="half" idx="1"/>
+          </p:nvPr>
+        </p:nvSpPr>
+        <p:spPr>
+          <a:xfrm>
+            <a:off x="1194807" y="3287081"/>
+            <a:ext cx="10007600" cy="9207500"/>
+          </a:xfrm>
+        </p:spPr>
+        <p:txBody>
+          <a:bodyPr anchor="t"/>
+          <a:lstStyle/>
+          <a:p>
+            <a:pPr marL="0" indent="0">
+              <a:buNone/>
+            </a:pPr>
+            <a:r>
+              <a:rPr lang="en-US" b="1" dirty="0" smtClean="0">
+                <a:solidFill>
+                  <a:schemeClr val="tx1">
+                    <a:lumMod val="65000"/>
+                    <a:lumOff val="35000"/>
+                  </a:schemeClr>
+                </a:solidFill>
+              </a:rPr>
+              <a:t>Advantages:</a:t>
+            </a:r>
+          </a:p>
+          <a:p>
+            <a:r>
+              <a:rPr lang="en-US" dirty="0" smtClean="0">
+                <a:solidFill>
+                  <a:schemeClr val="tx1">
+                    <a:lumMod val="65000"/>
+                    <a:lumOff val="35000"/>
+                  </a:schemeClr>
+                </a:solidFill>
+              </a:rPr>
+              <a:t>Easy to interpret</a:t>
+            </a:r>
+          </a:p>
+          <a:p>
+            <a:r>
+              <a:rPr lang="en-US" dirty="0" smtClean="0">
+                <a:solidFill>
+                  <a:schemeClr val="tx1">
+                    <a:lumMod val="65000"/>
+                    <a:lumOff val="35000"/>
+                  </a:schemeClr>
+                </a:solidFill>
+              </a:rPr>
+              <a:t>Applicable for continuous and categorical input</a:t>
+            </a:r>
+          </a:p>
+          <a:p>
+            <a:r>
+              <a:rPr lang="en-US" dirty="0">
+                <a:solidFill>
+                  <a:schemeClr val="tx1">
+                    <a:lumMod val="65000"/>
+                    <a:lumOff val="35000"/>
+                  </a:schemeClr>
+                </a:solidFill>
+              </a:rPr>
+              <a:t>Implicitly perform feature </a:t>
+            </a:r>
+            <a:r>
+              <a:rPr lang="en-US" dirty="0" smtClean="0">
+                <a:solidFill>
+                  <a:schemeClr val="tx1">
+                    <a:lumMod val="65000"/>
+                    <a:lumOff val="35000"/>
+                  </a:schemeClr>
+                </a:solidFill>
+              </a:rPr>
+              <a:t>selection</a:t>
+            </a:r>
+          </a:p>
+          <a:p>
+            <a:r>
+              <a:rPr lang="en-US" dirty="0">
+                <a:solidFill>
+                  <a:schemeClr val="tx1">
+                    <a:lumMod val="65000"/>
+                    <a:lumOff val="35000"/>
+                  </a:schemeClr>
+                </a:solidFill>
+              </a:rPr>
+              <a:t>Require relatively little effort from users for data preparation</a:t>
+            </a:r>
+            <a:endParaRPr lang="en-US" dirty="0" smtClean="0">
+              <a:solidFill>
+                <a:schemeClr val="tx1">
+                  <a:lumMod val="65000"/>
+                  <a:lumOff val="35000"/>
+                </a:schemeClr>
+              </a:solidFill>
+            </a:endParaRPr>
+          </a:p>
+          <a:p>
+            <a:endParaRPr lang="uk-UA" dirty="0">
+              <a:solidFill>
+                <a:schemeClr val="tx1">
+                  <a:lumMod val="65000"/>
+                  <a:lumOff val="35000"/>
+                </a:schemeClr>
+              </a:solidFill>
+            </a:endParaRPr>
+          </a:p>
+        </p:txBody>
+      </p:sp>
+      <p:sp>
+        <p:nvSpPr>
+          <p:cNvPr id="9" name="Shape 151"/>
+          <p:cNvSpPr/>
+          <p:nvPr/>
+        </p:nvSpPr>
+        <p:spPr>
+          <a:xfrm>
+            <a:off x="1194807" y="842226"/>
+            <a:ext cx="22411244" cy="1292660"/>
+          </a:xfrm>
+          <a:prstGeom prst="rect">
+            <a:avLst/>
+          </a:prstGeom>
+          <a:ln w="12700">
+            <a:miter lim="400000"/>
+          </a:ln>
+          <a:extLst>
+            <a:ext uri="{C572A759-6A51-4108-AA02-DFA0A04FC94B}">
+              <ma14:wrappingTextBoxFlag xmlns:ma14="http://schemas.microsoft.com/office/mac/drawingml/2011/main" xmlns="" val="1"/>
+            </a:ext>
+          </a:extLst>
+        </p:spPr>
+        <p:txBody>
+          <a:bodyPr tIns="91439" bIns="91439">
+            <a:spAutoFit/>
+          </a:bodyPr>
+          <a:lstStyle>
+            <a:lvl1pPr algn="l" defTabSz="1828800">
+              <a:defRPr sz="7200" b="1">
+                <a:solidFill>
+                  <a:srgbClr val="595959"/>
+                </a:solidFill>
+                <a:latin typeface="Gotham Pro"/>
+                <a:ea typeface="Gotham Pro"/>
+                <a:cs typeface="Gotham Pro"/>
+                <a:sym typeface="Gotham Pro"/>
+              </a:defRPr>
+            </a:lvl1pPr>
+          </a:lstStyle>
+          <a:p>
+            <a:r>
+              <a:rPr lang="en-US" dirty="0" smtClean="0"/>
+              <a:t>Decision Trees pros and cons</a:t>
+            </a:r>
+            <a:endParaRPr dirty="0"/>
+          </a:p>
+        </p:txBody>
+      </p:sp>
+      <p:sp>
+        <p:nvSpPr>
+          <p:cNvPr id="10" name="Текст 4"/>
+          <p:cNvSpPr txBox="1">
+            <a:spLocks/>
+          </p:cNvSpPr>
+          <p:nvPr/>
+        </p:nvSpPr>
+        <p:spPr>
+          <a:xfrm>
+            <a:off x="698500" y="3262745"/>
+            <a:ext cx="10007600" cy="9207500"/>
+          </a:xfrm>
+          <a:prstGeom prst="rect">
+            <a:avLst/>
+          </a:prstGeom>
+          <a:ln w="12700">
+            <a:miter lim="400000"/>
+          </a:ln>
+          <a:extLst>
+            <a:ext uri="{C572A759-6A51-4108-AA02-DFA0A04FC94B}">
+              <ma14:wrappingTextBoxFlag xmlns:ma14="http://schemas.microsoft.com/office/mac/drawingml/2011/main" xmlns="" val="1"/>
+            </a:ext>
+          </a:extLst>
+        </p:spPr>
+        <p:txBody>
+          <a:bodyPr lIns="50800" tIns="50800" rIns="50800" bIns="50800" anchor="ctr">
+            <a:normAutofit/>
+          </a:bodyPr>
+          <a:lstStyle>
+            <a:lvl1pPr marL="558800" marR="0" indent="-558800" algn="l" defTabSz="825500" rtl="0" latinLnBrk="0">
+              <a:lnSpc>
+                <a:spcPct val="100000"/>
+              </a:lnSpc>
+              <a:spcBef>
+                <a:spcPts val="4500"/>
+              </a:spcBef>
+              <a:spcAft>
+                <a:spcPts val="0"/>
+              </a:spcAft>
+              <a:buClrTx/>
+              <a:buSzPct val="75000"/>
+              <a:buFontTx/>
+              <a:buChar char="•"/>
+              <a:tabLst/>
+              <a:defRPr sz="4500" b="0" i="0" u="none" strike="noStrike" cap="none" spc="0" baseline="0">
+                <a:ln>
+                  <a:noFill/>
+                </a:ln>
+                <a:solidFill>
+                  <a:srgbClr val="000000"/>
+                </a:solidFill>
+                <a:uFillTx/>
+                <a:latin typeface="+mn-lt"/>
+                <a:ea typeface="+mn-ea"/>
+                <a:cs typeface="+mn-cs"/>
+                <a:sym typeface="Helvetica Light"/>
+              </a:defRPr>
+            </a:lvl1pPr>
+            <a:lvl2pPr marL="1117600" marR="0" indent="-558800" algn="l" defTabSz="825500" rtl="0" latinLnBrk="0">
+              <a:lnSpc>
+                <a:spcPct val="100000"/>
+              </a:lnSpc>
+              <a:spcBef>
+                <a:spcPts val="4500"/>
+              </a:spcBef>
+              <a:spcAft>
+                <a:spcPts val="0"/>
+              </a:spcAft>
+              <a:buClrTx/>
+              <a:buSzPct val="75000"/>
+              <a:buFontTx/>
+              <a:buChar char="•"/>
+              <a:tabLst/>
+              <a:defRPr sz="4500" b="0" i="0" u="none" strike="noStrike" cap="none" spc="0" baseline="0">
+                <a:ln>
+                  <a:noFill/>
+                </a:ln>
+                <a:solidFill>
+                  <a:srgbClr val="000000"/>
+                </a:solidFill>
+                <a:uFillTx/>
+                <a:latin typeface="+mn-lt"/>
+                <a:ea typeface="+mn-ea"/>
+                <a:cs typeface="+mn-cs"/>
+                <a:sym typeface="Helvetica Light"/>
+              </a:defRPr>
+            </a:lvl2pPr>
+            <a:lvl3pPr marL="1676400" marR="0" indent="-558800" algn="l" defTabSz="825500" rtl="0" latinLnBrk="0">
+              <a:lnSpc>
+                <a:spcPct val="100000"/>
+              </a:lnSpc>
+              <a:spcBef>
+                <a:spcPts val="4500"/>
+              </a:spcBef>
+              <a:spcAft>
+                <a:spcPts val="0"/>
+              </a:spcAft>
+              <a:buClrTx/>
+              <a:buSzPct val="75000"/>
+              <a:buFontTx/>
+              <a:buChar char="•"/>
+              <a:tabLst/>
+              <a:defRPr sz="4500" b="0" i="0" u="none" strike="noStrike" cap="none" spc="0" baseline="0">
+                <a:ln>
+                  <a:noFill/>
+                </a:ln>
+                <a:solidFill>
+                  <a:srgbClr val="000000"/>
+                </a:solidFill>
+                <a:uFillTx/>
+                <a:latin typeface="+mn-lt"/>
+                <a:ea typeface="+mn-ea"/>
+                <a:cs typeface="+mn-cs"/>
+                <a:sym typeface="Helvetica Light"/>
+              </a:defRPr>
+            </a:lvl3pPr>
+            <a:lvl4pPr marL="2235200" marR="0" indent="-558800" algn="l" defTabSz="825500" rtl="0" latinLnBrk="0">
+              <a:lnSpc>
+                <a:spcPct val="100000"/>
+              </a:lnSpc>
+              <a:spcBef>
+                <a:spcPts val="4500"/>
+              </a:spcBef>
+              <a:spcAft>
+                <a:spcPts val="0"/>
+              </a:spcAft>
+              <a:buClrTx/>
+              <a:buSzPct val="75000"/>
+              <a:buFontTx/>
+              <a:buChar char="•"/>
+              <a:tabLst/>
+              <a:defRPr sz="4500" b="0" i="0" u="none" strike="noStrike" cap="none" spc="0" baseline="0">
+                <a:ln>
+                  <a:noFill/>
+                </a:ln>
+                <a:solidFill>
+                  <a:srgbClr val="000000"/>
+                </a:solidFill>
+                <a:uFillTx/>
+                <a:latin typeface="+mn-lt"/>
+                <a:ea typeface="+mn-ea"/>
+                <a:cs typeface="+mn-cs"/>
+                <a:sym typeface="Helvetica Light"/>
+              </a:defRPr>
+            </a:lvl4pPr>
+            <a:lvl5pPr marL="2794000" marR="0" indent="-558800" algn="l" defTabSz="825500" rtl="0" latinLnBrk="0">
+              <a:lnSpc>
+                <a:spcPct val="100000"/>
+              </a:lnSpc>
+              <a:spcBef>
+                <a:spcPts val="4500"/>
+              </a:spcBef>
+              <a:spcAft>
+                <a:spcPts val="0"/>
+              </a:spcAft>
+              <a:buClrTx/>
+              <a:buSzPct val="75000"/>
+              <a:buFontTx/>
+              <a:buChar char="•"/>
+              <a:tabLst/>
+              <a:defRPr sz="4500" b="0" i="0" u="none" strike="noStrike" cap="none" spc="0" baseline="0">
+                <a:ln>
+                  <a:noFill/>
+                </a:ln>
+                <a:solidFill>
+                  <a:srgbClr val="000000"/>
+                </a:solidFill>
+                <a:uFillTx/>
+                <a:latin typeface="+mn-lt"/>
+                <a:ea typeface="+mn-ea"/>
+                <a:cs typeface="+mn-cs"/>
+                <a:sym typeface="Helvetica Light"/>
+              </a:defRPr>
+            </a:lvl5pPr>
+            <a:lvl6pPr marL="3810000" marR="0" indent="-635000" algn="l" defTabSz="825500" rtl="0" latinLnBrk="0">
+              <a:lnSpc>
+                <a:spcPct val="100000"/>
+              </a:lnSpc>
+              <a:spcBef>
+                <a:spcPts val="5900"/>
+              </a:spcBef>
+              <a:spcAft>
+                <a:spcPts val="0"/>
+              </a:spcAft>
+              <a:buClrTx/>
+              <a:buSzPct val="75000"/>
+              <a:buFontTx/>
+              <a:buChar char="•"/>
+              <a:tabLst/>
+              <a:defRPr sz="5200" b="0" i="0" u="none" strike="noStrike" cap="none" spc="0" baseline="0">
+                <a:ln>
+                  <a:noFill/>
+                </a:ln>
+                <a:solidFill>
+                  <a:srgbClr val="000000"/>
+                </a:solidFill>
+                <a:uFillTx/>
+                <a:latin typeface="+mn-lt"/>
+                <a:ea typeface="+mn-ea"/>
+                <a:cs typeface="+mn-cs"/>
+                <a:sym typeface="Helvetica Light"/>
+              </a:defRPr>
+            </a:lvl6pPr>
+            <a:lvl7pPr marL="4445000" marR="0" indent="-635000" algn="l" defTabSz="825500" rtl="0" latinLnBrk="0">
+              <a:lnSpc>
+                <a:spcPct val="100000"/>
+              </a:lnSpc>
+              <a:spcBef>
+                <a:spcPts val="5900"/>
+              </a:spcBef>
+              <a:spcAft>
+                <a:spcPts val="0"/>
+              </a:spcAft>
+              <a:buClrTx/>
+              <a:buSzPct val="75000"/>
+              <a:buFontTx/>
+              <a:buChar char="•"/>
+              <a:tabLst/>
+              <a:defRPr sz="5200" b="0" i="0" u="none" strike="noStrike" cap="none" spc="0" baseline="0">
+                <a:ln>
+                  <a:noFill/>
+                </a:ln>
+                <a:solidFill>
+                  <a:srgbClr val="000000"/>
+                </a:solidFill>
+                <a:uFillTx/>
+                <a:latin typeface="+mn-lt"/>
+                <a:ea typeface="+mn-ea"/>
+                <a:cs typeface="+mn-cs"/>
+                <a:sym typeface="Helvetica Light"/>
+              </a:defRPr>
+            </a:lvl7pPr>
+            <a:lvl8pPr marL="5080000" marR="0" indent="-635000" algn="l" defTabSz="825500" rtl="0" latinLnBrk="0">
+              <a:lnSpc>
+                <a:spcPct val="100000"/>
+              </a:lnSpc>
+              <a:spcBef>
+                <a:spcPts val="5900"/>
+              </a:spcBef>
+              <a:spcAft>
+                <a:spcPts val="0"/>
+              </a:spcAft>
+              <a:buClrTx/>
+              <a:buSzPct val="75000"/>
+              <a:buFontTx/>
+              <a:buChar char="•"/>
+              <a:tabLst/>
+              <a:defRPr sz="5200" b="0" i="0" u="none" strike="noStrike" cap="none" spc="0" baseline="0">
+                <a:ln>
+                  <a:noFill/>
+                </a:ln>
+                <a:solidFill>
+                  <a:srgbClr val="000000"/>
+                </a:solidFill>
+                <a:uFillTx/>
+                <a:latin typeface="+mn-lt"/>
+                <a:ea typeface="+mn-ea"/>
+                <a:cs typeface="+mn-cs"/>
+                <a:sym typeface="Helvetica Light"/>
+              </a:defRPr>
+            </a:lvl8pPr>
+            <a:lvl9pPr marL="5715000" marR="0" indent="-635000" algn="l" defTabSz="825500" rtl="0" latinLnBrk="0">
+              <a:lnSpc>
+                <a:spcPct val="100000"/>
+              </a:lnSpc>
+              <a:spcBef>
+                <a:spcPts val="5900"/>
+              </a:spcBef>
+              <a:spcAft>
+                <a:spcPts val="0"/>
+              </a:spcAft>
+              <a:buClrTx/>
+              <a:buSzPct val="75000"/>
+              <a:buFontTx/>
+              <a:buChar char="•"/>
+              <a:tabLst/>
+              <a:defRPr sz="5200" b="0" i="0" u="none" strike="noStrike" cap="none" spc="0" baseline="0">
+                <a:ln>
+                  <a:noFill/>
+                </a:ln>
+                <a:solidFill>
+                  <a:srgbClr val="000000"/>
+                </a:solidFill>
+                <a:uFillTx/>
+                <a:latin typeface="+mn-lt"/>
+                <a:ea typeface="+mn-ea"/>
+                <a:cs typeface="+mn-cs"/>
+                <a:sym typeface="Helvetica Light"/>
+              </a:defRPr>
+            </a:lvl9pPr>
+          </a:lstStyle>
+          <a:p>
+            <a:pPr hangingPunct="1"/>
+            <a:endParaRPr lang="uk-UA" dirty="0"/>
+          </a:p>
+        </p:txBody>
+      </p:sp>
+      <p:sp>
+        <p:nvSpPr>
+          <p:cNvPr id="11" name="Текст 4"/>
+          <p:cNvSpPr txBox="1">
+            <a:spLocks/>
+          </p:cNvSpPr>
+          <p:nvPr/>
+        </p:nvSpPr>
+        <p:spPr>
+          <a:xfrm>
+            <a:off x="12839700" y="3390900"/>
+            <a:ext cx="10007600" cy="9207500"/>
+          </a:xfrm>
+          <a:prstGeom prst="rect">
+            <a:avLst/>
+          </a:prstGeom>
+          <a:ln w="12700">
+            <a:miter lim="400000"/>
+          </a:ln>
+          <a:extLst>
+            <a:ext uri="{C572A759-6A51-4108-AA02-DFA0A04FC94B}">
+              <ma14:wrappingTextBoxFlag xmlns:ma14="http://schemas.microsoft.com/office/mac/drawingml/2011/main" xmlns="" val="1"/>
+            </a:ext>
+          </a:extLst>
+        </p:spPr>
+        <p:txBody>
+          <a:bodyPr lIns="50800" tIns="50800" rIns="50800" bIns="50800" anchor="t">
+            <a:normAutofit/>
+          </a:bodyPr>
+          <a:lstStyle>
+            <a:lvl1pPr marL="558800" marR="0" indent="-558800" algn="l" defTabSz="825500" rtl="0" latinLnBrk="0">
+              <a:lnSpc>
+                <a:spcPct val="100000"/>
+              </a:lnSpc>
+              <a:spcBef>
+                <a:spcPts val="4500"/>
+              </a:spcBef>
+              <a:spcAft>
+                <a:spcPts val="0"/>
+              </a:spcAft>
+              <a:buClrTx/>
+              <a:buSzPct val="75000"/>
+              <a:buFontTx/>
+              <a:buChar char="•"/>
+              <a:tabLst/>
+              <a:defRPr sz="4500" b="0" i="0" u="none" strike="noStrike" cap="none" spc="0" baseline="0">
+                <a:ln>
+                  <a:noFill/>
+                </a:ln>
+                <a:solidFill>
+                  <a:srgbClr val="000000"/>
+                </a:solidFill>
+                <a:uFillTx/>
+                <a:latin typeface="+mn-lt"/>
+                <a:ea typeface="+mn-ea"/>
+                <a:cs typeface="+mn-cs"/>
+                <a:sym typeface="Helvetica Light"/>
+              </a:defRPr>
+            </a:lvl1pPr>
+            <a:lvl2pPr marL="1117600" marR="0" indent="-558800" algn="l" defTabSz="825500" rtl="0" latinLnBrk="0">
+              <a:lnSpc>
+                <a:spcPct val="100000"/>
+              </a:lnSpc>
+              <a:spcBef>
+                <a:spcPts val="4500"/>
+              </a:spcBef>
+              <a:spcAft>
+                <a:spcPts val="0"/>
+              </a:spcAft>
+              <a:buClrTx/>
+              <a:buSzPct val="75000"/>
+              <a:buFontTx/>
+              <a:buChar char="•"/>
+              <a:tabLst/>
+              <a:defRPr sz="4500" b="0" i="0" u="none" strike="noStrike" cap="none" spc="0" baseline="0">
+                <a:ln>
+                  <a:noFill/>
+                </a:ln>
+                <a:solidFill>
+                  <a:srgbClr val="000000"/>
+                </a:solidFill>
+                <a:uFillTx/>
+                <a:latin typeface="+mn-lt"/>
+                <a:ea typeface="+mn-ea"/>
+                <a:cs typeface="+mn-cs"/>
+                <a:sym typeface="Helvetica Light"/>
+              </a:defRPr>
+            </a:lvl2pPr>
+            <a:lvl3pPr marL="1676400" marR="0" indent="-558800" algn="l" defTabSz="825500" rtl="0" latinLnBrk="0">
+              <a:lnSpc>
+                <a:spcPct val="100000"/>
+              </a:lnSpc>
+              <a:spcBef>
+                <a:spcPts val="4500"/>
+              </a:spcBef>
+              <a:spcAft>
+                <a:spcPts val="0"/>
+              </a:spcAft>
+              <a:buClrTx/>
+              <a:buSzPct val="75000"/>
+              <a:buFontTx/>
+              <a:buChar char="•"/>
+              <a:tabLst/>
+              <a:defRPr sz="4500" b="0" i="0" u="none" strike="noStrike" cap="none" spc="0" baseline="0">
+                <a:ln>
+                  <a:noFill/>
+                </a:ln>
+                <a:solidFill>
+                  <a:srgbClr val="000000"/>
+                </a:solidFill>
+                <a:uFillTx/>
+                <a:latin typeface="+mn-lt"/>
+                <a:ea typeface="+mn-ea"/>
+                <a:cs typeface="+mn-cs"/>
+                <a:sym typeface="Helvetica Light"/>
+              </a:defRPr>
+            </a:lvl3pPr>
+            <a:lvl4pPr marL="2235200" marR="0" indent="-558800" algn="l" defTabSz="825500" rtl="0" latinLnBrk="0">
+              <a:lnSpc>
+                <a:spcPct val="100000"/>
+              </a:lnSpc>
+              <a:spcBef>
+                <a:spcPts val="4500"/>
+              </a:spcBef>
+              <a:spcAft>
+                <a:spcPts val="0"/>
+              </a:spcAft>
+              <a:buClrTx/>
+              <a:buSzPct val="75000"/>
+              <a:buFontTx/>
+              <a:buChar char="•"/>
+              <a:tabLst/>
+              <a:defRPr sz="4500" b="0" i="0" u="none" strike="noStrike" cap="none" spc="0" baseline="0">
+                <a:ln>
+                  <a:noFill/>
+                </a:ln>
+                <a:solidFill>
+                  <a:srgbClr val="000000"/>
+                </a:solidFill>
+                <a:uFillTx/>
+                <a:latin typeface="+mn-lt"/>
+                <a:ea typeface="+mn-ea"/>
+                <a:cs typeface="+mn-cs"/>
+                <a:sym typeface="Helvetica Light"/>
+              </a:defRPr>
+            </a:lvl4pPr>
+            <a:lvl5pPr marL="2794000" marR="0" indent="-558800" algn="l" defTabSz="825500" rtl="0" latinLnBrk="0">
+              <a:lnSpc>
+                <a:spcPct val="100000"/>
+              </a:lnSpc>
+              <a:spcBef>
+                <a:spcPts val="4500"/>
+              </a:spcBef>
+              <a:spcAft>
+                <a:spcPts val="0"/>
+              </a:spcAft>
+              <a:buClrTx/>
+              <a:buSzPct val="75000"/>
+              <a:buFontTx/>
+              <a:buChar char="•"/>
+              <a:tabLst/>
+              <a:defRPr sz="4500" b="0" i="0" u="none" strike="noStrike" cap="none" spc="0" baseline="0">
+                <a:ln>
+                  <a:noFill/>
+                </a:ln>
+                <a:solidFill>
+                  <a:srgbClr val="000000"/>
+                </a:solidFill>
+                <a:uFillTx/>
+                <a:latin typeface="+mn-lt"/>
+                <a:ea typeface="+mn-ea"/>
+                <a:cs typeface="+mn-cs"/>
+                <a:sym typeface="Helvetica Light"/>
+              </a:defRPr>
+            </a:lvl5pPr>
+            <a:lvl6pPr marL="3810000" marR="0" indent="-635000" algn="l" defTabSz="825500" rtl="0" latinLnBrk="0">
+              <a:lnSpc>
+                <a:spcPct val="100000"/>
+              </a:lnSpc>
+              <a:spcBef>
+                <a:spcPts val="5900"/>
+              </a:spcBef>
+              <a:spcAft>
+                <a:spcPts val="0"/>
+              </a:spcAft>
+              <a:buClrTx/>
+              <a:buSzPct val="75000"/>
+              <a:buFontTx/>
+              <a:buChar char="•"/>
+              <a:tabLst/>
+              <a:defRPr sz="5200" b="0" i="0" u="none" strike="noStrike" cap="none" spc="0" baseline="0">
+                <a:ln>
+                  <a:noFill/>
+                </a:ln>
+                <a:solidFill>
+                  <a:srgbClr val="000000"/>
+                </a:solidFill>
+                <a:uFillTx/>
+                <a:latin typeface="+mn-lt"/>
+                <a:ea typeface="+mn-ea"/>
+                <a:cs typeface="+mn-cs"/>
+                <a:sym typeface="Helvetica Light"/>
+              </a:defRPr>
+            </a:lvl6pPr>
+            <a:lvl7pPr marL="4445000" marR="0" indent="-635000" algn="l" defTabSz="825500" rtl="0" latinLnBrk="0">
+              <a:lnSpc>
+                <a:spcPct val="100000"/>
+              </a:lnSpc>
+              <a:spcBef>
+                <a:spcPts val="5900"/>
+              </a:spcBef>
+              <a:spcAft>
+                <a:spcPts val="0"/>
+              </a:spcAft>
+              <a:buClrTx/>
+              <a:buSzPct val="75000"/>
+              <a:buFontTx/>
+              <a:buChar char="•"/>
+              <a:tabLst/>
+              <a:defRPr sz="5200" b="0" i="0" u="none" strike="noStrike" cap="none" spc="0" baseline="0">
+                <a:ln>
+                  <a:noFill/>
+                </a:ln>
+                <a:solidFill>
+                  <a:srgbClr val="000000"/>
+                </a:solidFill>
+                <a:uFillTx/>
+                <a:latin typeface="+mn-lt"/>
+                <a:ea typeface="+mn-ea"/>
+                <a:cs typeface="+mn-cs"/>
+                <a:sym typeface="Helvetica Light"/>
+              </a:defRPr>
+            </a:lvl7pPr>
+            <a:lvl8pPr marL="5080000" marR="0" indent="-635000" algn="l" defTabSz="825500" rtl="0" latinLnBrk="0">
+              <a:lnSpc>
+                <a:spcPct val="100000"/>
+              </a:lnSpc>
+              <a:spcBef>
+                <a:spcPts val="5900"/>
+              </a:spcBef>
+              <a:spcAft>
+                <a:spcPts val="0"/>
+              </a:spcAft>
+              <a:buClrTx/>
+              <a:buSzPct val="75000"/>
+              <a:buFontTx/>
+              <a:buChar char="•"/>
+              <a:tabLst/>
+              <a:defRPr sz="5200" b="0" i="0" u="none" strike="noStrike" cap="none" spc="0" baseline="0">
+                <a:ln>
+                  <a:noFill/>
+                </a:ln>
+                <a:solidFill>
+                  <a:srgbClr val="000000"/>
+                </a:solidFill>
+                <a:uFillTx/>
+                <a:latin typeface="+mn-lt"/>
+                <a:ea typeface="+mn-ea"/>
+                <a:cs typeface="+mn-cs"/>
+                <a:sym typeface="Helvetica Light"/>
+              </a:defRPr>
+            </a:lvl8pPr>
+            <a:lvl9pPr marL="5715000" marR="0" indent="-635000" algn="l" defTabSz="825500" rtl="0" latinLnBrk="0">
+              <a:lnSpc>
+                <a:spcPct val="100000"/>
+              </a:lnSpc>
+              <a:spcBef>
+                <a:spcPts val="5900"/>
+              </a:spcBef>
+              <a:spcAft>
+                <a:spcPts val="0"/>
+              </a:spcAft>
+              <a:buClrTx/>
+              <a:buSzPct val="75000"/>
+              <a:buFontTx/>
+              <a:buChar char="•"/>
+              <a:tabLst/>
+              <a:defRPr sz="5200" b="0" i="0" u="none" strike="noStrike" cap="none" spc="0" baseline="0">
+                <a:ln>
+                  <a:noFill/>
+                </a:ln>
+                <a:solidFill>
+                  <a:srgbClr val="000000"/>
+                </a:solidFill>
+                <a:uFillTx/>
+                <a:latin typeface="+mn-lt"/>
+                <a:ea typeface="+mn-ea"/>
+                <a:cs typeface="+mn-cs"/>
+                <a:sym typeface="Helvetica Light"/>
+              </a:defRPr>
+            </a:lvl9pPr>
+          </a:lstStyle>
+          <a:p>
+            <a:pPr marL="0" indent="0" hangingPunct="1">
+              <a:buNone/>
+            </a:pPr>
+            <a:r>
+              <a:rPr lang="en-US" b="1" dirty="0" smtClean="0">
+                <a:solidFill>
+                  <a:schemeClr val="tx1">
+                    <a:lumMod val="65000"/>
+                    <a:lumOff val="35000"/>
+                  </a:schemeClr>
+                </a:solidFill>
+              </a:rPr>
+              <a:t>Disadvantages:</a:t>
+            </a:r>
+          </a:p>
+          <a:p>
+            <a:pPr hangingPunct="1"/>
+            <a:r>
+              <a:rPr lang="en-US" dirty="0">
+                <a:solidFill>
+                  <a:schemeClr val="tx1">
+                    <a:lumMod val="65000"/>
+                    <a:lumOff val="35000"/>
+                  </a:schemeClr>
+                </a:solidFill>
+              </a:rPr>
+              <a:t>Exponential calculation </a:t>
+            </a:r>
+            <a:r>
+              <a:rPr lang="en-US" dirty="0" smtClean="0">
+                <a:solidFill>
+                  <a:schemeClr val="tx1">
+                    <a:lumMod val="65000"/>
+                    <a:lumOff val="35000"/>
+                  </a:schemeClr>
+                </a:solidFill>
+              </a:rPr>
+              <a:t>growth with data getting bigger</a:t>
+            </a:r>
+          </a:p>
+          <a:p>
+            <a:pPr hangingPunct="1"/>
+            <a:r>
+              <a:rPr lang="en-US" dirty="0" smtClean="0">
+                <a:solidFill>
+                  <a:schemeClr val="tx1">
+                    <a:lumMod val="65000"/>
+                    <a:lumOff val="35000"/>
+                  </a:schemeClr>
+                </a:solidFill>
+              </a:rPr>
+              <a:t>The </a:t>
+            </a:r>
+            <a:r>
+              <a:rPr lang="en-US" dirty="0">
+                <a:solidFill>
+                  <a:schemeClr val="tx1">
+                    <a:lumMod val="65000"/>
+                    <a:lumOff val="35000"/>
+                  </a:schemeClr>
+                </a:solidFill>
+              </a:rPr>
+              <a:t>high classification error rate </a:t>
+            </a:r>
+            <a:r>
+              <a:rPr lang="en-US" dirty="0" smtClean="0">
+                <a:solidFill>
+                  <a:schemeClr val="tx1">
+                    <a:lumMod val="65000"/>
+                    <a:lumOff val="35000"/>
+                  </a:schemeClr>
+                </a:solidFill>
+              </a:rPr>
+              <a:t>for small training set</a:t>
+            </a:r>
+          </a:p>
+          <a:p>
+            <a:pPr hangingPunct="1"/>
+            <a:r>
+              <a:rPr lang="en-US" dirty="0" smtClean="0">
+                <a:solidFill>
+                  <a:schemeClr val="tx1">
+                    <a:lumMod val="65000"/>
+                    <a:lumOff val="35000"/>
+                  </a:schemeClr>
+                </a:solidFill>
+              </a:rPr>
+              <a:t>High variance</a:t>
+            </a:r>
+            <a:endParaRPr lang="uk-UA" dirty="0">
+              <a:solidFill>
+                <a:schemeClr val="tx1">
+                  <a:lumMod val="65000"/>
+                  <a:lumOff val="35000"/>
+                </a:schemeClr>
+              </a:solidFill>
+            </a:endParaRPr>
+          </a:p>
+        </p:txBody>
+      </p:sp>
       <p:grpSp>
         <p:nvGrpSpPr>
-          <p:cNvPr id="224" name="Group 224"/>
+          <p:cNvPr id="13" name="Group 181"/>
           <p:cNvGrpSpPr/>
           <p:nvPr/>
         </p:nvGrpSpPr>
@@ -6984,7 +8156,7 @@
         </p:grpSpPr>
         <p:sp>
           <p:nvSpPr>
-            <p:cNvPr id="220" name="Shape 220"/>
+            <p:cNvPr id="14" name="Shape 177"/>
             <p:cNvSpPr/>
             <p:nvPr/>
           </p:nvSpPr>
@@ -7024,12 +8196,13 @@
                   <a:sym typeface="Helvetica Light"/>
                 </a:defRPr>
               </a:pPr>
+              <a:endParaRPr/>
             </a:p>
           </p:txBody>
         </p:sp>
         <p:sp>
           <p:nvSpPr>
-            <p:cNvPr id="221" name="Shape 221"/>
+            <p:cNvPr id="15" name="Shape 178"/>
             <p:cNvSpPr/>
             <p:nvPr/>
           </p:nvSpPr>
@@ -7067,12 +8240,13 @@
                   <a:sym typeface="Helvetica Light"/>
                 </a:defRPr>
               </a:pPr>
+              <a:endParaRPr/>
             </a:p>
           </p:txBody>
         </p:sp>
         <p:sp>
           <p:nvSpPr>
-            <p:cNvPr id="222" name="Shape 222"/>
+            <p:cNvPr id="16" name="Shape 179"/>
             <p:cNvSpPr/>
             <p:nvPr/>
           </p:nvSpPr>
@@ -7110,12 +8284,13 @@
                   <a:sym typeface="Helvetica Light"/>
                 </a:defRPr>
               </a:pPr>
+              <a:endParaRPr/>
             </a:p>
           </p:txBody>
         </p:sp>
         <p:pic>
           <p:nvPicPr>
-            <p:cNvPr id="223" name="pasted-image.tiff"/>
+            <p:cNvPr id="17" name="pasted-image.tiff"/>
             <p:cNvPicPr>
               <a:picLocks noChangeAspect="1"/>
             </p:cNvPicPr>
@@ -7145,69 +8320,174 @@
           </p:spPr>
         </p:pic>
       </p:grpSp>
-      <p:sp>
-        <p:nvSpPr>
-          <p:cNvPr id="225" name="Shape 225"/>
-          <p:cNvSpPr/>
-          <p:nvPr>
-            <p:ph type="title"/>
-          </p:nvPr>
-        </p:nvSpPr>
+    </p:spTree>
+    <p:extLst>
+      <p:ext uri="{BB962C8B-B14F-4D97-AF65-F5344CB8AC3E}">
+        <p14:creationId xmlns:p14="http://schemas.microsoft.com/office/powerpoint/2010/main" val="743762662"/>
+      </p:ext>
+    </p:extLst>
+  </p:cSld>
+  <p:clrMapOvr>
+    <a:masterClrMapping/>
+  </p:clrMapOvr>
+  <p:transition spd="med"/>
+</p:sld>
+</file>
+
+<file path=ppt/slides/slide6.xml><?xml version="1.0" encoding="utf-8"?>
+<p:sld xmlns:a="http://schemas.openxmlformats.org/drawingml/2006/main" xmlns:r="http://schemas.openxmlformats.org/officeDocument/2006/relationships" xmlns:p="http://schemas.openxmlformats.org/presentationml/2006/main">
+  <p:cSld>
+    <p:spTree>
+      <p:nvGrpSpPr>
+        <p:cNvPr id="1" name=""/>
+        <p:cNvGrpSpPr/>
+        <p:nvPr/>
+      </p:nvGrpSpPr>
+      <p:grpSpPr>
+        <a:xfrm>
+          <a:off x="0" y="0"/>
+          <a:ext cx="0" cy="0"/>
+          <a:chOff x="0" y="0"/>
+          <a:chExt cx="0" cy="0"/>
+        </a:xfrm>
+      </p:grpSpPr>
+      <p:pic>
+        <p:nvPicPr>
+          <p:cNvPr id="153" name="image1.jpeg"/>
+          <p:cNvPicPr>
+            <a:picLocks noChangeAspect="1"/>
+          </p:cNvPicPr>
+          <p:nvPr/>
+        </p:nvPicPr>
+        <p:blipFill>
+          <a:blip r:embed="rId2">
+            <a:extLst/>
+          </a:blip>
+          <a:srcRect b="9506"/>
+          <a:stretch>
+            <a:fillRect/>
+          </a:stretch>
+        </p:blipFill>
         <p:spPr>
+          <a:xfrm>
+            <a:off x="0" y="-1"/>
+            <a:ext cx="24384000" cy="14651667"/>
+          </a:xfrm>
           <a:prstGeom prst="rect">
             <a:avLst/>
           </a:prstGeom>
+          <a:ln w="12700">
+            <a:miter lim="400000"/>
+          </a:ln>
+        </p:spPr>
+      </p:pic>
+      <p:sp>
+        <p:nvSpPr>
+          <p:cNvPr id="154" name="Shape 154"/>
+          <p:cNvSpPr/>
+          <p:nvPr/>
+        </p:nvSpPr>
+        <p:spPr>
+          <a:xfrm>
+            <a:off x="-4" y="2"/>
+            <a:ext cx="24374906" cy="14651664"/>
+          </a:xfrm>
+          <a:prstGeom prst="rect">
+            <a:avLst/>
+          </a:prstGeom>
+          <a:solidFill>
+            <a:srgbClr val="000000">
+              <a:alpha val="64999"/>
+            </a:srgbClr>
+          </a:solidFill>
+          <a:ln w="12700">
+            <a:miter lim="400000"/>
+          </a:ln>
         </p:spPr>
         <p:txBody>
-          <a:bodyPr/>
+          <a:bodyPr lIns="50800" tIns="50800" rIns="50800" bIns="50800" anchor="ctr"/>
           <a:lstStyle/>
           <a:p>
-            <a:pPr/>
+            <a:pPr defTabSz="1828800">
+              <a:defRPr sz="3600">
+                <a:solidFill>
+                  <a:srgbClr val="FFFFFF"/>
+                </a:solidFill>
+                <a:latin typeface="Calibri"/>
+                <a:ea typeface="Calibri"/>
+                <a:cs typeface="Calibri"/>
+                <a:sym typeface="Calibri"/>
+              </a:defRPr>
+            </a:pPr>
+            <a:endParaRPr/>
           </a:p>
         </p:txBody>
       </p:sp>
       <p:sp>
         <p:nvSpPr>
-          <p:cNvPr id="226" name="Shape 226"/>
+          <p:cNvPr id="155" name="Shape 155"/>
           <p:cNvSpPr/>
-          <p:nvPr>
-            <p:ph type="sldNum" sz="quarter" idx="2"/>
-          </p:nvPr>
+          <p:nvPr/>
         </p:nvSpPr>
         <p:spPr>
           <a:xfrm>
-            <a:off x="23931168" y="13011354"/>
-            <a:ext cx="283770" cy="461367"/>
+            <a:off x="1146415" y="6155328"/>
+            <a:ext cx="17280130" cy="4247313"/>
           </a:xfrm>
           <a:prstGeom prst="rect">
             <a:avLst/>
           </a:prstGeom>
+          <a:ln w="12700">
+            <a:miter lim="400000"/>
+          </a:ln>
           <a:extLst>
             <a:ext uri="{C572A759-6A51-4108-AA02-DFA0A04FC94B}">
-              <ma14:wrappingTextBoxFlag xmlns:ma14="http://schemas.microsoft.com/office/mac/drawingml/2011/main" val="1"/>
+              <ma14:wrappingTextBoxFlag xmlns:ma14="http://schemas.microsoft.com/office/mac/drawingml/2011/main" xmlns="" val="1"/>
             </a:ext>
           </a:extLst>
         </p:spPr>
         <p:txBody>
-          <a:bodyPr/>
-          <a:lstStyle/>
-          <a:p>
-            <a:pPr/>
-            <a:fld id="{86CB4B4D-7CA3-9044-876B-883B54F8677D}" type="slidenum"/>
+          <a:bodyPr wrap="square" lIns="91438" tIns="91438" rIns="91438" bIns="91438">
+            <a:spAutoFit/>
+          </a:bodyPr>
+          <a:lstStyle>
+            <a:lvl1pPr algn="l" defTabSz="1828800">
+              <a:defRPr sz="13200">
+                <a:solidFill>
+                  <a:srgbClr val="FFFFFF"/>
+                </a:solidFill>
+                <a:latin typeface="Gotham"/>
+                <a:ea typeface="Gotham"/>
+                <a:cs typeface="Gotham"/>
+                <a:sym typeface="Gotham"/>
+              </a:defRPr>
+            </a:lvl1pPr>
+          </a:lstStyle>
+          <a:p>
+            <a:r>
+              <a:rPr lang="en-US" dirty="0" smtClean="0"/>
+              <a:t>Can it be done better?</a:t>
+            </a:r>
+            <a:endParaRPr dirty="0"/>
           </a:p>
         </p:txBody>
       </p:sp>
     </p:spTree>
+    <p:extLst>
+      <p:ext uri="{BB962C8B-B14F-4D97-AF65-F5344CB8AC3E}">
+        <p14:creationId xmlns:p14="http://schemas.microsoft.com/office/powerpoint/2010/main" val="1727442804"/>
+      </p:ext>
+    </p:extLst>
   </p:cSld>
   <p:clrMapOvr>
     <a:masterClrMapping/>
   </p:clrMapOvr>
-  <p:transition xmlns:p14="http://schemas.microsoft.com/office/powerpoint/2010/main" spd="med" advClick="1"/>
+  <p:transition spd="med"/>
 </p:sld>
 </file>
 
-<file path=ppt/slides/slide5.xml><?xml version="1.0" encoding="utf-8"?>
-<p:sld xmlns:a="http://schemas.openxmlformats.org/drawingml/2006/main" xmlns:r="http://schemas.openxmlformats.org/officeDocument/2006/relationships" xmlns:p="http://schemas.openxmlformats.org/presentationml/2006/main" showMasterSp="1" showMasterPhAnim="1">
+<file path=ppt/slides/slide7.xml><?xml version="1.0" encoding="utf-8"?>
+<p:sld xmlns:a="http://schemas.openxmlformats.org/drawingml/2006/main" xmlns:r="http://schemas.openxmlformats.org/officeDocument/2006/relationships" xmlns:p="http://schemas.openxmlformats.org/presentationml/2006/main">
   <p:cSld>
     <p:spTree>
       <p:nvGrpSpPr>
@@ -7225,7 +8505,7 @@
       </p:grpSpPr>
       <p:grpSp>
         <p:nvGrpSpPr>
-          <p:cNvPr id="232" name="Group 232"/>
+          <p:cNvPr id="148" name="Group 148"/>
           <p:cNvGrpSpPr/>
           <p:nvPr/>
         </p:nvGrpSpPr>
@@ -7239,7 +8519,7 @@
         </p:grpSpPr>
         <p:sp>
           <p:nvSpPr>
-            <p:cNvPr id="228" name="Shape 228"/>
+            <p:cNvPr id="144" name="Shape 144"/>
             <p:cNvSpPr/>
             <p:nvPr/>
           </p:nvSpPr>
@@ -7279,12 +8559,13 @@
                   <a:sym typeface="Helvetica Light"/>
                 </a:defRPr>
               </a:pPr>
+              <a:endParaRPr/>
             </a:p>
           </p:txBody>
         </p:sp>
         <p:sp>
           <p:nvSpPr>
-            <p:cNvPr id="229" name="Shape 229"/>
+            <p:cNvPr id="145" name="Shape 145"/>
             <p:cNvSpPr/>
             <p:nvPr/>
           </p:nvSpPr>
@@ -7322,12 +8603,13 @@
                   <a:sym typeface="Helvetica Light"/>
                 </a:defRPr>
               </a:pPr>
+              <a:endParaRPr/>
             </a:p>
           </p:txBody>
         </p:sp>
         <p:sp>
           <p:nvSpPr>
-            <p:cNvPr id="230" name="Shape 230"/>
+            <p:cNvPr id="146" name="Shape 146"/>
             <p:cNvSpPr/>
             <p:nvPr/>
           </p:nvSpPr>
@@ -7365,12 +8647,13 @@
                   <a:sym typeface="Helvetica Light"/>
                 </a:defRPr>
               </a:pPr>
+              <a:endParaRPr/>
             </a:p>
           </p:txBody>
         </p:sp>
         <p:pic>
           <p:nvPicPr>
-            <p:cNvPr id="231" name="pasted-image.tiff"/>
+            <p:cNvPr id="147" name="pasted-image.tiff"/>
             <p:cNvPicPr>
               <a:picLocks noChangeAspect="1"/>
             </p:cNvPicPr>
@@ -7402,67 +8685,195 @@
       </p:grpSp>
       <p:sp>
         <p:nvSpPr>
-          <p:cNvPr id="233" name="Shape 233"/>
-          <p:cNvSpPr/>
-          <p:nvPr>
-            <p:ph type="title"/>
-          </p:nvPr>
-        </p:nvSpPr>
-        <p:spPr>
-          <a:prstGeom prst="rect">
-            <a:avLst/>
-          </a:prstGeom>
-        </p:spPr>
-        <p:txBody>
-          <a:bodyPr/>
-          <a:lstStyle/>
-          <a:p>
-            <a:pPr/>
-          </a:p>
-        </p:txBody>
-      </p:sp>
-      <p:sp>
-        <p:nvSpPr>
-          <p:cNvPr id="234" name="Shape 234"/>
-          <p:cNvSpPr/>
+          <p:cNvPr id="149" name="Shape 149"/>
+          <p:cNvSpPr>
+            <a:spLocks noGrp="1"/>
+          </p:cNvSpPr>
           <p:nvPr>
             <p:ph type="sldNum" sz="quarter" idx="2"/>
           </p:nvPr>
         </p:nvSpPr>
         <p:spPr>
           <a:xfrm>
-            <a:off x="23931168" y="13011354"/>
-            <a:ext cx="283770" cy="461367"/>
+            <a:off x="23859516" y="12742114"/>
+            <a:ext cx="355422" cy="538481"/>
           </a:xfrm>
           <a:prstGeom prst="rect">
             <a:avLst/>
           </a:prstGeom>
           <a:extLst>
             <a:ext uri="{C572A759-6A51-4108-AA02-DFA0A04FC94B}">
-              <ma14:wrappingTextBoxFlag xmlns:ma14="http://schemas.microsoft.com/office/mac/drawingml/2011/main" val="1"/>
+              <ma14:wrappingTextBoxFlag xmlns:ma14="http://schemas.microsoft.com/office/mac/drawingml/2011/main" xmlns="" val="1"/>
             </a:ext>
           </a:extLst>
         </p:spPr>
         <p:txBody>
-          <a:bodyPr/>
-          <a:lstStyle/>
-          <a:p>
-            <a:pPr/>
-            <a:fld id="{86CB4B4D-7CA3-9044-876B-883B54F8677D}" type="slidenum"/>
+          <a:bodyPr lIns="91439" tIns="91439" rIns="91439" bIns="91439" anchor="ctr"/>
+          <a:lstStyle>
+            <a:lvl1pPr defTabSz="1828800">
+              <a:defRPr>
+                <a:solidFill>
+                  <a:srgbClr val="888888"/>
+                </a:solidFill>
+                <a:latin typeface="Calibri"/>
+                <a:ea typeface="Calibri"/>
+                <a:cs typeface="Calibri"/>
+                <a:sym typeface="Calibri"/>
+              </a:defRPr>
+            </a:lvl1pPr>
+          </a:lstStyle>
+          <a:p>
+            <a:fld id="{86CB4B4D-7CA3-9044-876B-883B54F8677D}" type="slidenum">
+              <a:t>7</a:t>
+            </a:fld>
+            <a:endParaRPr/>
           </a:p>
         </p:txBody>
       </p:sp>
+      <p:sp>
+        <p:nvSpPr>
+          <p:cNvPr id="151" name="Shape 151"/>
+          <p:cNvSpPr/>
+          <p:nvPr/>
+        </p:nvSpPr>
+        <p:spPr>
+          <a:xfrm>
+            <a:off x="1448272" y="700817"/>
+            <a:ext cx="22411244" cy="1292660"/>
+          </a:xfrm>
+          <a:prstGeom prst="rect">
+            <a:avLst/>
+          </a:prstGeom>
+          <a:ln w="12700">
+            <a:miter lim="400000"/>
+          </a:ln>
+          <a:extLst>
+            <a:ext uri="{C572A759-6A51-4108-AA02-DFA0A04FC94B}">
+              <ma14:wrappingTextBoxFlag xmlns:ma14="http://schemas.microsoft.com/office/mac/drawingml/2011/main" xmlns="" val="1"/>
+            </a:ext>
+          </a:extLst>
+        </p:spPr>
+        <p:txBody>
+          <a:bodyPr tIns="91439" bIns="91439">
+            <a:spAutoFit/>
+          </a:bodyPr>
+          <a:lstStyle>
+            <a:lvl1pPr algn="l" defTabSz="1828800">
+              <a:defRPr sz="7200" b="1">
+                <a:solidFill>
+                  <a:srgbClr val="595959"/>
+                </a:solidFill>
+                <a:latin typeface="Gotham Pro"/>
+                <a:ea typeface="Gotham Pro"/>
+                <a:cs typeface="Gotham Pro"/>
+                <a:sym typeface="Gotham Pro"/>
+              </a:defRPr>
+            </a:lvl1pPr>
+          </a:lstStyle>
+          <a:p>
+            <a:r>
+              <a:rPr lang="en-US" dirty="0" smtClean="0"/>
+              <a:t>Gradient boosting</a:t>
+            </a:r>
+            <a:endParaRPr dirty="0"/>
+          </a:p>
+        </p:txBody>
+      </p:sp>
+      <p:sp>
+        <p:nvSpPr>
+          <p:cNvPr id="34" name="Shape 152"/>
+          <p:cNvSpPr/>
+          <p:nvPr/>
+        </p:nvSpPr>
+        <p:spPr>
+          <a:xfrm>
+            <a:off x="1448272" y="2752872"/>
+            <a:ext cx="20687828" cy="923328"/>
+          </a:xfrm>
+          <a:prstGeom prst="rect">
+            <a:avLst/>
+          </a:prstGeom>
+          <a:ln w="12700">
+            <a:miter lim="400000"/>
+          </a:ln>
+          <a:extLst>
+            <a:ext uri="{C572A759-6A51-4108-AA02-DFA0A04FC94B}">
+              <ma14:wrappingTextBoxFlag xmlns:ma14="http://schemas.microsoft.com/office/mac/drawingml/2011/main" xmlns="" val="1"/>
+            </a:ext>
+          </a:extLst>
+        </p:spPr>
+        <p:txBody>
+          <a:bodyPr wrap="square" tIns="91439" bIns="91439">
+            <a:spAutoFit/>
+          </a:bodyPr>
+          <a:lstStyle>
+            <a:lvl1pPr algn="l" defTabSz="1828800">
+              <a:defRPr sz="4000">
+                <a:solidFill>
+                  <a:srgbClr val="595959"/>
+                </a:solidFill>
+                <a:latin typeface="Gotham Pro"/>
+                <a:ea typeface="Gotham Pro"/>
+                <a:cs typeface="Gotham Pro"/>
+                <a:sym typeface="Gotham Pro"/>
+              </a:defRPr>
+            </a:lvl1pPr>
+          </a:lstStyle>
+          <a:p>
+            <a:r>
+              <a:rPr lang="en-US" sz="4800" dirty="0" smtClean="0"/>
+              <a:t>Ensemble of weak learners to get strong result. </a:t>
+            </a:r>
+            <a:endParaRPr sz="4800" dirty="0"/>
+          </a:p>
+        </p:txBody>
+      </p:sp>
+      <p:pic>
+        <p:nvPicPr>
+          <p:cNvPr id="37" name="Рисунок 36"/>
+          <p:cNvPicPr>
+            <a:picLocks noChangeAspect="1"/>
+          </p:cNvPicPr>
+          <p:nvPr/>
+        </p:nvPicPr>
+        <p:blipFill>
+          <a:blip r:embed="rId3">
+            <a:extLst>
+              <a:ext uri="{28A0092B-C50C-407E-A947-70E740481C1C}">
+                <a14:useLocalDpi xmlns:a14="http://schemas.microsoft.com/office/drawing/2010/main" val="0"/>
+              </a:ext>
+            </a:extLst>
+          </a:blip>
+          <a:stretch>
+            <a:fillRect/>
+          </a:stretch>
+        </p:blipFill>
+        <p:spPr>
+          <a:xfrm>
+            <a:off x="1448272" y="4358811"/>
+            <a:ext cx="21411728" cy="7083497"/>
+          </a:xfrm>
+          <a:prstGeom prst="rect">
+            <a:avLst/>
+          </a:prstGeom>
+        </p:spPr>
+      </p:pic>
     </p:spTree>
+    <p:extLst>
+      <p:ext uri="{BB962C8B-B14F-4D97-AF65-F5344CB8AC3E}">
+        <p14:creationId xmlns:p14="http://schemas.microsoft.com/office/powerpoint/2010/main" val="3683038496"/>
+      </p:ext>
+    </p:extLst>
   </p:cSld>
   <p:clrMapOvr>
     <a:masterClrMapping/>
   </p:clrMapOvr>
-  <p:transition xmlns:p14="http://schemas.microsoft.com/office/powerpoint/2010/main" spd="med" advClick="1"/>
+  <p:transition spd="med"/>
 </p:sld>
 </file>
 
-<file path=ppt/slides/slide6.xml><?xml version="1.0" encoding="utf-8"?>
-<p:sld xmlns:a="http://schemas.openxmlformats.org/drawingml/2006/main" xmlns:r="http://schemas.openxmlformats.org/officeDocument/2006/relationships" xmlns:p="http://schemas.openxmlformats.org/presentationml/2006/main" showMasterSp="1" showMasterPhAnim="1">
+<file path=ppt/slides/slide8.xml><?xml version="1.0" encoding="utf-8"?>
+<p:sld xmlns:a="http://schemas.openxmlformats.org/drawingml/2006/main" xmlns:r="http://schemas.openxmlformats.org/officeDocument/2006/relationships" xmlns:p="http://schemas.openxmlformats.org/presentationml/2006/main">
   <p:cSld>
     <p:spTree>
       <p:nvGrpSpPr>
@@ -7480,7 +8891,7 @@
       </p:grpSpPr>
       <p:grpSp>
         <p:nvGrpSpPr>
-          <p:cNvPr id="240" name="Group 240"/>
+          <p:cNvPr id="148" name="Group 148"/>
           <p:cNvGrpSpPr/>
           <p:nvPr/>
         </p:nvGrpSpPr>
@@ -7494,7 +8905,7 @@
         </p:grpSpPr>
         <p:sp>
           <p:nvSpPr>
-            <p:cNvPr id="236" name="Shape 236"/>
+            <p:cNvPr id="144" name="Shape 144"/>
             <p:cNvSpPr/>
             <p:nvPr/>
           </p:nvSpPr>
@@ -7534,12 +8945,13 @@
                   <a:sym typeface="Helvetica Light"/>
                 </a:defRPr>
               </a:pPr>
+              <a:endParaRPr/>
             </a:p>
           </p:txBody>
         </p:sp>
         <p:sp>
           <p:nvSpPr>
-            <p:cNvPr id="237" name="Shape 237"/>
+            <p:cNvPr id="145" name="Shape 145"/>
             <p:cNvSpPr/>
             <p:nvPr/>
           </p:nvSpPr>
@@ -7577,12 +8989,13 @@
                   <a:sym typeface="Helvetica Light"/>
                 </a:defRPr>
               </a:pPr>
+              <a:endParaRPr/>
             </a:p>
           </p:txBody>
         </p:sp>
         <p:sp>
           <p:nvSpPr>
-            <p:cNvPr id="238" name="Shape 238"/>
+            <p:cNvPr id="146" name="Shape 146"/>
             <p:cNvSpPr/>
             <p:nvPr/>
           </p:nvSpPr>
@@ -7620,12 +9033,13 @@
                   <a:sym typeface="Helvetica Light"/>
                 </a:defRPr>
               </a:pPr>
+              <a:endParaRPr/>
             </a:p>
           </p:txBody>
         </p:sp>
         <p:pic>
           <p:nvPicPr>
-            <p:cNvPr id="239" name="pasted-image.tiff"/>
+            <p:cNvPr id="147" name="pasted-image.tiff"/>
             <p:cNvPicPr>
               <a:picLocks noChangeAspect="1"/>
             </p:cNvPicPr>
@@ -7657,67 +9071,516 @@
       </p:grpSp>
       <p:sp>
         <p:nvSpPr>
-          <p:cNvPr id="241" name="Shape 241"/>
-          <p:cNvSpPr/>
-          <p:nvPr>
-            <p:ph type="title"/>
-          </p:nvPr>
-        </p:nvSpPr>
-        <p:spPr>
-          <a:prstGeom prst="rect">
-            <a:avLst/>
-          </a:prstGeom>
-        </p:spPr>
-        <p:txBody>
-          <a:bodyPr/>
-          <a:lstStyle/>
-          <a:p>
-            <a:pPr/>
-          </a:p>
-        </p:txBody>
-      </p:sp>
-      <p:sp>
-        <p:nvSpPr>
-          <p:cNvPr id="242" name="Shape 242"/>
-          <p:cNvSpPr/>
+          <p:cNvPr id="149" name="Shape 149"/>
+          <p:cNvSpPr>
+            <a:spLocks noGrp="1"/>
+          </p:cNvSpPr>
           <p:nvPr>
             <p:ph type="sldNum" sz="quarter" idx="2"/>
           </p:nvPr>
         </p:nvSpPr>
         <p:spPr>
           <a:xfrm>
-            <a:off x="23931168" y="13011354"/>
-            <a:ext cx="283770" cy="461367"/>
+            <a:off x="23859516" y="12742114"/>
+            <a:ext cx="355422" cy="538481"/>
           </a:xfrm>
           <a:prstGeom prst="rect">
             <a:avLst/>
           </a:prstGeom>
           <a:extLst>
             <a:ext uri="{C572A759-6A51-4108-AA02-DFA0A04FC94B}">
-              <ma14:wrappingTextBoxFlag xmlns:ma14="http://schemas.microsoft.com/office/mac/drawingml/2011/main" val="1"/>
+              <ma14:wrappingTextBoxFlag xmlns:ma14="http://schemas.microsoft.com/office/mac/drawingml/2011/main" xmlns="" val="1"/>
             </a:ext>
           </a:extLst>
         </p:spPr>
         <p:txBody>
-          <a:bodyPr/>
-          <a:lstStyle/>
-          <a:p>
-            <a:pPr/>
-            <a:fld id="{86CB4B4D-7CA3-9044-876B-883B54F8677D}" type="slidenum"/>
+          <a:bodyPr lIns="91439" tIns="91439" rIns="91439" bIns="91439" anchor="ctr"/>
+          <a:lstStyle>
+            <a:lvl1pPr defTabSz="1828800">
+              <a:defRPr>
+                <a:solidFill>
+                  <a:srgbClr val="888888"/>
+                </a:solidFill>
+                <a:latin typeface="Calibri"/>
+                <a:ea typeface="Calibri"/>
+                <a:cs typeface="Calibri"/>
+                <a:sym typeface="Calibri"/>
+              </a:defRPr>
+            </a:lvl1pPr>
+          </a:lstStyle>
+          <a:p>
+            <a:fld id="{86CB4B4D-7CA3-9044-876B-883B54F8677D}" type="slidenum">
+              <a:t>8</a:t>
+            </a:fld>
+            <a:endParaRPr/>
           </a:p>
         </p:txBody>
       </p:sp>
+      <p:sp>
+        <p:nvSpPr>
+          <p:cNvPr id="151" name="Shape 151"/>
+          <p:cNvSpPr/>
+          <p:nvPr/>
+        </p:nvSpPr>
+        <p:spPr>
+          <a:xfrm>
+            <a:off x="1448272" y="700817"/>
+            <a:ext cx="22411244" cy="1292660"/>
+          </a:xfrm>
+          <a:prstGeom prst="rect">
+            <a:avLst/>
+          </a:prstGeom>
+          <a:ln w="12700">
+            <a:miter lim="400000"/>
+          </a:ln>
+          <a:extLst>
+            <a:ext uri="{C572A759-6A51-4108-AA02-DFA0A04FC94B}">
+              <ma14:wrappingTextBoxFlag xmlns:ma14="http://schemas.microsoft.com/office/mac/drawingml/2011/main" xmlns="" val="1"/>
+            </a:ext>
+          </a:extLst>
+        </p:spPr>
+        <p:txBody>
+          <a:bodyPr tIns="91439" bIns="91439">
+            <a:spAutoFit/>
+          </a:bodyPr>
+          <a:lstStyle>
+            <a:lvl1pPr algn="l" defTabSz="1828800">
+              <a:defRPr sz="7200" b="1">
+                <a:solidFill>
+                  <a:srgbClr val="595959"/>
+                </a:solidFill>
+                <a:latin typeface="Gotham Pro"/>
+                <a:ea typeface="Gotham Pro"/>
+                <a:cs typeface="Gotham Pro"/>
+                <a:sym typeface="Gotham Pro"/>
+              </a:defRPr>
+            </a:lvl1pPr>
+          </a:lstStyle>
+          <a:p>
+            <a:r>
+              <a:rPr lang="en-US" dirty="0" smtClean="0"/>
+              <a:t>Gradient boosting components</a:t>
+            </a:r>
+            <a:endParaRPr dirty="0"/>
+          </a:p>
+        </p:txBody>
+      </p:sp>
+      <p:sp>
+        <p:nvSpPr>
+          <p:cNvPr id="12" name="Текст 4"/>
+          <p:cNvSpPr txBox="1">
+            <a:spLocks/>
+          </p:cNvSpPr>
+          <p:nvPr/>
+        </p:nvSpPr>
+        <p:spPr>
+          <a:xfrm>
+            <a:off x="1448272" y="3488496"/>
+            <a:ext cx="9867428" cy="7658100"/>
+          </a:xfrm>
+          <a:prstGeom prst="rect">
+            <a:avLst/>
+          </a:prstGeom>
+        </p:spPr>
+        <p:txBody>
+          <a:bodyPr anchor="t"/>
+          <a:lstStyle>
+            <a:lvl1pPr marL="635000" marR="0" indent="-635000" algn="l" defTabSz="825500" rtl="0" latinLnBrk="0">
+              <a:lnSpc>
+                <a:spcPct val="100000"/>
+              </a:lnSpc>
+              <a:spcBef>
+                <a:spcPts val="5900"/>
+              </a:spcBef>
+              <a:spcAft>
+                <a:spcPts val="0"/>
+              </a:spcAft>
+              <a:buClrTx/>
+              <a:buSzPct val="75000"/>
+              <a:buFontTx/>
+              <a:buChar char="•"/>
+              <a:tabLst/>
+              <a:defRPr sz="5200" b="0" i="0" u="none" strike="noStrike" cap="none" spc="0" baseline="0">
+                <a:ln>
+                  <a:noFill/>
+                </a:ln>
+                <a:solidFill>
+                  <a:srgbClr val="000000"/>
+                </a:solidFill>
+                <a:uFillTx/>
+                <a:latin typeface="+mn-lt"/>
+                <a:ea typeface="+mn-ea"/>
+                <a:cs typeface="+mn-cs"/>
+                <a:sym typeface="Helvetica Light"/>
+              </a:defRPr>
+            </a:lvl1pPr>
+            <a:lvl2pPr marL="1270000" marR="0" indent="-635000" algn="l" defTabSz="825500" rtl="0" latinLnBrk="0">
+              <a:lnSpc>
+                <a:spcPct val="100000"/>
+              </a:lnSpc>
+              <a:spcBef>
+                <a:spcPts val="5900"/>
+              </a:spcBef>
+              <a:spcAft>
+                <a:spcPts val="0"/>
+              </a:spcAft>
+              <a:buClrTx/>
+              <a:buSzPct val="75000"/>
+              <a:buFontTx/>
+              <a:buChar char="•"/>
+              <a:tabLst/>
+              <a:defRPr sz="5200" b="0" i="0" u="none" strike="noStrike" cap="none" spc="0" baseline="0">
+                <a:ln>
+                  <a:noFill/>
+                </a:ln>
+                <a:solidFill>
+                  <a:srgbClr val="000000"/>
+                </a:solidFill>
+                <a:uFillTx/>
+                <a:latin typeface="+mn-lt"/>
+                <a:ea typeface="+mn-ea"/>
+                <a:cs typeface="+mn-cs"/>
+                <a:sym typeface="Helvetica Light"/>
+              </a:defRPr>
+            </a:lvl2pPr>
+            <a:lvl3pPr marL="1905000" marR="0" indent="-635000" algn="l" defTabSz="825500" rtl="0" latinLnBrk="0">
+              <a:lnSpc>
+                <a:spcPct val="100000"/>
+              </a:lnSpc>
+              <a:spcBef>
+                <a:spcPts val="5900"/>
+              </a:spcBef>
+              <a:spcAft>
+                <a:spcPts val="0"/>
+              </a:spcAft>
+              <a:buClrTx/>
+              <a:buSzPct val="75000"/>
+              <a:buFontTx/>
+              <a:buChar char="•"/>
+              <a:tabLst/>
+              <a:defRPr sz="5200" b="0" i="0" u="none" strike="noStrike" cap="none" spc="0" baseline="0">
+                <a:ln>
+                  <a:noFill/>
+                </a:ln>
+                <a:solidFill>
+                  <a:srgbClr val="000000"/>
+                </a:solidFill>
+                <a:uFillTx/>
+                <a:latin typeface="+mn-lt"/>
+                <a:ea typeface="+mn-ea"/>
+                <a:cs typeface="+mn-cs"/>
+                <a:sym typeface="Helvetica Light"/>
+              </a:defRPr>
+            </a:lvl3pPr>
+            <a:lvl4pPr marL="2540000" marR="0" indent="-635000" algn="l" defTabSz="825500" rtl="0" latinLnBrk="0">
+              <a:lnSpc>
+                <a:spcPct val="100000"/>
+              </a:lnSpc>
+              <a:spcBef>
+                <a:spcPts val="5900"/>
+              </a:spcBef>
+              <a:spcAft>
+                <a:spcPts val="0"/>
+              </a:spcAft>
+              <a:buClrTx/>
+              <a:buSzPct val="75000"/>
+              <a:buFontTx/>
+              <a:buChar char="•"/>
+              <a:tabLst/>
+              <a:defRPr sz="5200" b="0" i="0" u="none" strike="noStrike" cap="none" spc="0" baseline="0">
+                <a:ln>
+                  <a:noFill/>
+                </a:ln>
+                <a:solidFill>
+                  <a:srgbClr val="000000"/>
+                </a:solidFill>
+                <a:uFillTx/>
+                <a:latin typeface="+mn-lt"/>
+                <a:ea typeface="+mn-ea"/>
+                <a:cs typeface="+mn-cs"/>
+                <a:sym typeface="Helvetica Light"/>
+              </a:defRPr>
+            </a:lvl4pPr>
+            <a:lvl5pPr marL="3175000" marR="0" indent="-635000" algn="l" defTabSz="825500" rtl="0" latinLnBrk="0">
+              <a:lnSpc>
+                <a:spcPct val="100000"/>
+              </a:lnSpc>
+              <a:spcBef>
+                <a:spcPts val="5900"/>
+              </a:spcBef>
+              <a:spcAft>
+                <a:spcPts val="0"/>
+              </a:spcAft>
+              <a:buClrTx/>
+              <a:buSzPct val="75000"/>
+              <a:buFontTx/>
+              <a:buChar char="•"/>
+              <a:tabLst/>
+              <a:defRPr sz="5200" b="0" i="0" u="none" strike="noStrike" cap="none" spc="0" baseline="0">
+                <a:ln>
+                  <a:noFill/>
+                </a:ln>
+                <a:solidFill>
+                  <a:srgbClr val="000000"/>
+                </a:solidFill>
+                <a:uFillTx/>
+                <a:latin typeface="+mn-lt"/>
+                <a:ea typeface="+mn-ea"/>
+                <a:cs typeface="+mn-cs"/>
+                <a:sym typeface="Helvetica Light"/>
+              </a:defRPr>
+            </a:lvl5pPr>
+            <a:lvl6pPr marL="3810000" marR="0" indent="-635000" algn="l" defTabSz="825500" rtl="0" latinLnBrk="0">
+              <a:lnSpc>
+                <a:spcPct val="100000"/>
+              </a:lnSpc>
+              <a:spcBef>
+                <a:spcPts val="5900"/>
+              </a:spcBef>
+              <a:spcAft>
+                <a:spcPts val="0"/>
+              </a:spcAft>
+              <a:buClrTx/>
+              <a:buSzPct val="75000"/>
+              <a:buFontTx/>
+              <a:buChar char="•"/>
+              <a:tabLst/>
+              <a:defRPr sz="5200" b="0" i="0" u="none" strike="noStrike" cap="none" spc="0" baseline="0">
+                <a:ln>
+                  <a:noFill/>
+                </a:ln>
+                <a:solidFill>
+                  <a:srgbClr val="000000"/>
+                </a:solidFill>
+                <a:uFillTx/>
+                <a:latin typeface="+mn-lt"/>
+                <a:ea typeface="+mn-ea"/>
+                <a:cs typeface="+mn-cs"/>
+                <a:sym typeface="Helvetica Light"/>
+              </a:defRPr>
+            </a:lvl6pPr>
+            <a:lvl7pPr marL="4445000" marR="0" indent="-635000" algn="l" defTabSz="825500" rtl="0" latinLnBrk="0">
+              <a:lnSpc>
+                <a:spcPct val="100000"/>
+              </a:lnSpc>
+              <a:spcBef>
+                <a:spcPts val="5900"/>
+              </a:spcBef>
+              <a:spcAft>
+                <a:spcPts val="0"/>
+              </a:spcAft>
+              <a:buClrTx/>
+              <a:buSzPct val="75000"/>
+              <a:buFontTx/>
+              <a:buChar char="•"/>
+              <a:tabLst/>
+              <a:defRPr sz="5200" b="0" i="0" u="none" strike="noStrike" cap="none" spc="0" baseline="0">
+                <a:ln>
+                  <a:noFill/>
+                </a:ln>
+                <a:solidFill>
+                  <a:srgbClr val="000000"/>
+                </a:solidFill>
+                <a:uFillTx/>
+                <a:latin typeface="+mn-lt"/>
+                <a:ea typeface="+mn-ea"/>
+                <a:cs typeface="+mn-cs"/>
+                <a:sym typeface="Helvetica Light"/>
+              </a:defRPr>
+            </a:lvl7pPr>
+            <a:lvl8pPr marL="5080000" marR="0" indent="-635000" algn="l" defTabSz="825500" rtl="0" latinLnBrk="0">
+              <a:lnSpc>
+                <a:spcPct val="100000"/>
+              </a:lnSpc>
+              <a:spcBef>
+                <a:spcPts val="5900"/>
+              </a:spcBef>
+              <a:spcAft>
+                <a:spcPts val="0"/>
+              </a:spcAft>
+              <a:buClrTx/>
+              <a:buSzPct val="75000"/>
+              <a:buFontTx/>
+              <a:buChar char="•"/>
+              <a:tabLst/>
+              <a:defRPr sz="5200" b="0" i="0" u="none" strike="noStrike" cap="none" spc="0" baseline="0">
+                <a:ln>
+                  <a:noFill/>
+                </a:ln>
+                <a:solidFill>
+                  <a:srgbClr val="000000"/>
+                </a:solidFill>
+                <a:uFillTx/>
+                <a:latin typeface="+mn-lt"/>
+                <a:ea typeface="+mn-ea"/>
+                <a:cs typeface="+mn-cs"/>
+                <a:sym typeface="Helvetica Light"/>
+              </a:defRPr>
+            </a:lvl8pPr>
+            <a:lvl9pPr marL="5715000" marR="0" indent="-635000" algn="l" defTabSz="825500" rtl="0" latinLnBrk="0">
+              <a:lnSpc>
+                <a:spcPct val="100000"/>
+              </a:lnSpc>
+              <a:spcBef>
+                <a:spcPts val="5900"/>
+              </a:spcBef>
+              <a:spcAft>
+                <a:spcPts val="0"/>
+              </a:spcAft>
+              <a:buClrTx/>
+              <a:buSzPct val="75000"/>
+              <a:buFontTx/>
+              <a:buChar char="•"/>
+              <a:tabLst/>
+              <a:defRPr sz="5200" b="0" i="0" u="none" strike="noStrike" cap="none" spc="0" baseline="0">
+                <a:ln>
+                  <a:noFill/>
+                </a:ln>
+                <a:solidFill>
+                  <a:srgbClr val="000000"/>
+                </a:solidFill>
+                <a:uFillTx/>
+                <a:latin typeface="+mn-lt"/>
+                <a:ea typeface="+mn-ea"/>
+                <a:cs typeface="+mn-cs"/>
+                <a:sym typeface="Helvetica Light"/>
+              </a:defRPr>
+            </a:lvl9pPr>
+          </a:lstStyle>
+          <a:p>
+            <a:pPr hangingPunct="1"/>
+            <a:r>
+              <a:rPr lang="en-US" sz="6000" dirty="0" smtClean="0">
+                <a:solidFill>
+                  <a:schemeClr val="tx1">
+                    <a:lumMod val="65000"/>
+                    <a:lumOff val="35000"/>
+                  </a:schemeClr>
+                </a:solidFill>
+              </a:rPr>
+              <a:t>Shallow decision trees with</a:t>
+            </a:r>
+            <a:r>
+              <a:rPr lang="ru-RU" sz="6000" dirty="0" smtClean="0">
+                <a:solidFill>
+                  <a:schemeClr val="tx1">
+                    <a:lumMod val="65000"/>
+                    <a:lumOff val="35000"/>
+                  </a:schemeClr>
+                </a:solidFill>
+              </a:rPr>
+              <a:t> </a:t>
+            </a:r>
+            <a:r>
+              <a:rPr lang="en-US" sz="6000" dirty="0" smtClean="0">
+                <a:solidFill>
+                  <a:schemeClr val="tx1">
+                    <a:lumMod val="65000"/>
+                    <a:lumOff val="35000"/>
+                  </a:schemeClr>
+                </a:solidFill>
+              </a:rPr>
+              <a:t>few nodes</a:t>
+            </a:r>
+          </a:p>
+          <a:p>
+            <a:pPr hangingPunct="1"/>
+            <a:r>
+              <a:rPr lang="en-US" sz="6000" dirty="0" smtClean="0">
+                <a:solidFill>
+                  <a:schemeClr val="tx1">
+                    <a:lumMod val="65000"/>
+                    <a:lumOff val="35000"/>
+                  </a:schemeClr>
+                </a:solidFill>
+              </a:rPr>
+              <a:t>High bias &amp; low variance</a:t>
+            </a:r>
+          </a:p>
+          <a:p>
+            <a:pPr hangingPunct="1"/>
+            <a:r>
+              <a:rPr lang="en-US" sz="6000" dirty="0" smtClean="0">
+                <a:solidFill>
+                  <a:schemeClr val="tx1">
+                    <a:lumMod val="65000"/>
+                    <a:lumOff val="35000"/>
+                  </a:schemeClr>
+                </a:solidFill>
+              </a:rPr>
+              <a:t>“Decision stumps”: tree with one split</a:t>
+            </a:r>
+          </a:p>
+          <a:p>
+            <a:pPr hangingPunct="1"/>
+            <a:endParaRPr lang="en-US" dirty="0" smtClean="0">
+              <a:solidFill>
+                <a:schemeClr val="tx1">
+                  <a:lumMod val="65000"/>
+                  <a:lumOff val="35000"/>
+                </a:schemeClr>
+              </a:solidFill>
+            </a:endParaRPr>
+          </a:p>
+          <a:p>
+            <a:pPr hangingPunct="1"/>
+            <a:endParaRPr lang="en-US" dirty="0" smtClean="0">
+              <a:solidFill>
+                <a:schemeClr val="tx1">
+                  <a:lumMod val="65000"/>
+                  <a:lumOff val="35000"/>
+                </a:schemeClr>
+              </a:solidFill>
+            </a:endParaRPr>
+          </a:p>
+        </p:txBody>
+      </p:sp>
+      <p:pic>
+        <p:nvPicPr>
+          <p:cNvPr id="14" name="Рисунок 13"/>
+          <p:cNvPicPr>
+            <a:picLocks noChangeAspect="1"/>
+          </p:cNvPicPr>
+          <p:nvPr/>
+        </p:nvPicPr>
+        <p:blipFill>
+          <a:blip r:embed="rId3">
+            <a:extLst>
+              <a:ext uri="{28A0092B-C50C-407E-A947-70E740481C1C}">
+                <a14:useLocalDpi xmlns:a14="http://schemas.microsoft.com/office/drawing/2010/main" val="0"/>
+              </a:ext>
+            </a:extLst>
+          </a:blip>
+          <a:stretch>
+            <a:fillRect/>
+          </a:stretch>
+        </p:blipFill>
+        <p:spPr>
+          <a:xfrm>
+            <a:off x="11795127" y="3488496"/>
+            <a:ext cx="10950574" cy="7432702"/>
+          </a:xfrm>
+          <a:prstGeom prst="rect">
+            <a:avLst/>
+          </a:prstGeom>
+        </p:spPr>
+      </p:pic>
     </p:spTree>
+    <p:extLst>
+      <p:ext uri="{BB962C8B-B14F-4D97-AF65-F5344CB8AC3E}">
+        <p14:creationId xmlns:p14="http://schemas.microsoft.com/office/powerpoint/2010/main" val="3098964096"/>
+      </p:ext>
+    </p:extLst>
   </p:cSld>
   <p:clrMapOvr>
     <a:masterClrMapping/>
   </p:clrMapOvr>
-  <p:transition xmlns:p14="http://schemas.microsoft.com/office/powerpoint/2010/main" spd="med" advClick="1"/>
+  <p:transition spd="med"/>
 </p:sld>
 </file>
 
-<file path=ppt/slides/slide7.xml><?xml version="1.0" encoding="utf-8"?>
-<p:sld xmlns:a="http://schemas.openxmlformats.org/drawingml/2006/main" xmlns:r="http://schemas.openxmlformats.org/officeDocument/2006/relationships" xmlns:p="http://schemas.openxmlformats.org/presentationml/2006/main" showMasterSp="1" showMasterPhAnim="1">
+<file path=ppt/slides/slide9.xml><?xml version="1.0" encoding="utf-8"?>
+<p:sld xmlns:a="http://schemas.openxmlformats.org/drawingml/2006/main" xmlns:r="http://schemas.openxmlformats.org/officeDocument/2006/relationships" xmlns:p="http://schemas.openxmlformats.org/presentationml/2006/main">
   <p:cSld>
     <p:spTree>
       <p:nvGrpSpPr>
@@ -7735,7 +9598,7 @@
       </p:grpSpPr>
       <p:grpSp>
         <p:nvGrpSpPr>
-          <p:cNvPr id="248" name="Group 248"/>
+          <p:cNvPr id="148" name="Group 148"/>
           <p:cNvGrpSpPr/>
           <p:nvPr/>
         </p:nvGrpSpPr>
@@ -7749,7 +9612,7 @@
         </p:grpSpPr>
         <p:sp>
           <p:nvSpPr>
-            <p:cNvPr id="244" name="Shape 244"/>
+            <p:cNvPr id="144" name="Shape 144"/>
             <p:cNvSpPr/>
             <p:nvPr/>
           </p:nvSpPr>
@@ -7789,12 +9652,13 @@
                   <a:sym typeface="Helvetica Light"/>
                 </a:defRPr>
               </a:pPr>
+              <a:endParaRPr/>
             </a:p>
           </p:txBody>
         </p:sp>
         <p:sp>
           <p:nvSpPr>
-            <p:cNvPr id="245" name="Shape 245"/>
+            <p:cNvPr id="145" name="Shape 145"/>
             <p:cNvSpPr/>
             <p:nvPr/>
           </p:nvSpPr>
@@ -7832,12 +9696,13 @@
                   <a:sym typeface="Helvetica Light"/>
                 </a:defRPr>
               </a:pPr>
+              <a:endParaRPr/>
             </a:p>
           </p:txBody>
         </p:sp>
         <p:sp>
           <p:nvSpPr>
-            <p:cNvPr id="246" name="Shape 246"/>
+            <p:cNvPr id="146" name="Shape 146"/>
             <p:cNvSpPr/>
             <p:nvPr/>
           </p:nvSpPr>
@@ -7875,12 +9740,13 @@
                   <a:sym typeface="Helvetica Light"/>
                 </a:defRPr>
               </a:pPr>
+              <a:endParaRPr/>
             </a:p>
           </p:txBody>
         </p:sp>
         <p:pic>
           <p:nvPicPr>
-            <p:cNvPr id="247" name="pasted-image.tiff"/>
+            <p:cNvPr id="147" name="pasted-image.tiff"/>
             <p:cNvPicPr>
               <a:picLocks noChangeAspect="1"/>
             </p:cNvPicPr>
@@ -7912,322 +9778,852 @@
       </p:grpSp>
       <p:sp>
         <p:nvSpPr>
-          <p:cNvPr id="249" name="Shape 249"/>
-          <p:cNvSpPr/>
-          <p:nvPr>
-            <p:ph type="title"/>
-          </p:nvPr>
-        </p:nvSpPr>
-        <p:spPr>
-          <a:prstGeom prst="rect">
-            <a:avLst/>
-          </a:prstGeom>
-        </p:spPr>
-        <p:txBody>
-          <a:bodyPr/>
-          <a:lstStyle/>
-          <a:p>
-            <a:pPr/>
-          </a:p>
-        </p:txBody>
-      </p:sp>
-      <p:sp>
-        <p:nvSpPr>
-          <p:cNvPr id="250" name="Shape 250"/>
-          <p:cNvSpPr/>
+          <p:cNvPr id="149" name="Shape 149"/>
+          <p:cNvSpPr>
+            <a:spLocks noGrp="1"/>
+          </p:cNvSpPr>
           <p:nvPr>
             <p:ph type="sldNum" sz="quarter" idx="2"/>
           </p:nvPr>
         </p:nvSpPr>
         <p:spPr>
           <a:xfrm>
-            <a:off x="23931168" y="13011354"/>
-            <a:ext cx="283770" cy="461367"/>
+            <a:off x="23859516" y="12742114"/>
+            <a:ext cx="355422" cy="538481"/>
           </a:xfrm>
           <a:prstGeom prst="rect">
             <a:avLst/>
           </a:prstGeom>
           <a:extLst>
             <a:ext uri="{C572A759-6A51-4108-AA02-DFA0A04FC94B}">
-              <ma14:wrappingTextBoxFlag xmlns:ma14="http://schemas.microsoft.com/office/mac/drawingml/2011/main" val="1"/>
+              <ma14:wrappingTextBoxFlag xmlns:ma14="http://schemas.microsoft.com/office/mac/drawingml/2011/main" xmlns="" val="1"/>
             </a:ext>
           </a:extLst>
         </p:spPr>
         <p:txBody>
-          <a:bodyPr/>
-          <a:lstStyle/>
-          <a:p>
-            <a:pPr/>
-            <a:fld id="{86CB4B4D-7CA3-9044-876B-883B54F8677D}" type="slidenum"/>
+          <a:bodyPr lIns="91439" tIns="91439" rIns="91439" bIns="91439" anchor="ctr"/>
+          <a:lstStyle>
+            <a:lvl1pPr defTabSz="1828800">
+              <a:defRPr>
+                <a:solidFill>
+                  <a:srgbClr val="888888"/>
+                </a:solidFill>
+                <a:latin typeface="Calibri"/>
+                <a:ea typeface="Calibri"/>
+                <a:cs typeface="Calibri"/>
+                <a:sym typeface="Calibri"/>
+              </a:defRPr>
+            </a:lvl1pPr>
+          </a:lstStyle>
+          <a:p>
+            <a:fld id="{86CB4B4D-7CA3-9044-876B-883B54F8677D}" type="slidenum">
+              <a:t>9</a:t>
+            </a:fld>
+            <a:endParaRPr/>
           </a:p>
         </p:txBody>
       </p:sp>
+      <p:sp>
+        <p:nvSpPr>
+          <p:cNvPr id="151" name="Shape 151"/>
+          <p:cNvSpPr/>
+          <p:nvPr/>
+        </p:nvSpPr>
+        <p:spPr>
+          <a:xfrm>
+            <a:off x="1448272" y="700817"/>
+            <a:ext cx="22411244" cy="1292660"/>
+          </a:xfrm>
+          <a:prstGeom prst="rect">
+            <a:avLst/>
+          </a:prstGeom>
+          <a:ln w="12700">
+            <a:miter lim="400000"/>
+          </a:ln>
+          <a:extLst>
+            <a:ext uri="{C572A759-6A51-4108-AA02-DFA0A04FC94B}">
+              <ma14:wrappingTextBoxFlag xmlns:ma14="http://schemas.microsoft.com/office/mac/drawingml/2011/main" xmlns="" val="1"/>
+            </a:ext>
+          </a:extLst>
+        </p:spPr>
+        <p:txBody>
+          <a:bodyPr tIns="91439" bIns="91439">
+            <a:spAutoFit/>
+          </a:bodyPr>
+          <a:lstStyle>
+            <a:lvl1pPr algn="l" defTabSz="1828800">
+              <a:defRPr sz="7200" b="1">
+                <a:solidFill>
+                  <a:srgbClr val="595959"/>
+                </a:solidFill>
+                <a:latin typeface="Gotham Pro"/>
+                <a:ea typeface="Gotham Pro"/>
+                <a:cs typeface="Gotham Pro"/>
+                <a:sym typeface="Gotham Pro"/>
+              </a:defRPr>
+            </a:lvl1pPr>
+          </a:lstStyle>
+          <a:p>
+            <a:r>
+              <a:rPr lang="en-US" dirty="0" smtClean="0"/>
+              <a:t>Gradient boosting process</a:t>
+            </a:r>
+            <a:endParaRPr dirty="0"/>
+          </a:p>
+        </p:txBody>
+      </p:sp>
+      <mc:AlternateContent xmlns:mc="http://schemas.openxmlformats.org/markup-compatibility/2006">
+        <mc:Choice xmlns:a14="http://schemas.microsoft.com/office/drawing/2010/main" Requires="a14">
+          <p:sp>
+            <p:nvSpPr>
+              <p:cNvPr id="11" name="Текст 4"/>
+              <p:cNvSpPr txBox="1">
+                <a:spLocks/>
+              </p:cNvSpPr>
+              <p:nvPr/>
+            </p:nvSpPr>
+            <p:spPr>
+              <a:xfrm>
+                <a:off x="1448272" y="3488496"/>
+                <a:ext cx="10896128" cy="7658100"/>
+              </a:xfrm>
+              <a:prstGeom prst="rect">
+                <a:avLst/>
+              </a:prstGeom>
+            </p:spPr>
+            <p:txBody>
+              <a:bodyPr anchor="t"/>
+              <a:lstStyle>
+                <a:lvl1pPr marL="635000" marR="0" indent="-635000" algn="l" defTabSz="825500" rtl="0" latinLnBrk="0">
+                  <a:lnSpc>
+                    <a:spcPct val="100000"/>
+                  </a:lnSpc>
+                  <a:spcBef>
+                    <a:spcPts val="5900"/>
+                  </a:spcBef>
+                  <a:spcAft>
+                    <a:spcPts val="0"/>
+                  </a:spcAft>
+                  <a:buClrTx/>
+                  <a:buSzPct val="75000"/>
+                  <a:buFontTx/>
+                  <a:buChar char="•"/>
+                  <a:tabLst/>
+                  <a:defRPr sz="5200" b="0" i="0" u="none" strike="noStrike" cap="none" spc="0" baseline="0">
+                    <a:ln>
+                      <a:noFill/>
+                    </a:ln>
+                    <a:solidFill>
+                      <a:srgbClr val="000000"/>
+                    </a:solidFill>
+                    <a:uFillTx/>
+                    <a:latin typeface="+mn-lt"/>
+                    <a:ea typeface="+mn-ea"/>
+                    <a:cs typeface="+mn-cs"/>
+                    <a:sym typeface="Helvetica Light"/>
+                  </a:defRPr>
+                </a:lvl1pPr>
+                <a:lvl2pPr marL="1270000" marR="0" indent="-635000" algn="l" defTabSz="825500" rtl="0" latinLnBrk="0">
+                  <a:lnSpc>
+                    <a:spcPct val="100000"/>
+                  </a:lnSpc>
+                  <a:spcBef>
+                    <a:spcPts val="5900"/>
+                  </a:spcBef>
+                  <a:spcAft>
+                    <a:spcPts val="0"/>
+                  </a:spcAft>
+                  <a:buClrTx/>
+                  <a:buSzPct val="75000"/>
+                  <a:buFontTx/>
+                  <a:buChar char="•"/>
+                  <a:tabLst/>
+                  <a:defRPr sz="5200" b="0" i="0" u="none" strike="noStrike" cap="none" spc="0" baseline="0">
+                    <a:ln>
+                      <a:noFill/>
+                    </a:ln>
+                    <a:solidFill>
+                      <a:srgbClr val="000000"/>
+                    </a:solidFill>
+                    <a:uFillTx/>
+                    <a:latin typeface="+mn-lt"/>
+                    <a:ea typeface="+mn-ea"/>
+                    <a:cs typeface="+mn-cs"/>
+                    <a:sym typeface="Helvetica Light"/>
+                  </a:defRPr>
+                </a:lvl2pPr>
+                <a:lvl3pPr marL="1905000" marR="0" indent="-635000" algn="l" defTabSz="825500" rtl="0" latinLnBrk="0">
+                  <a:lnSpc>
+                    <a:spcPct val="100000"/>
+                  </a:lnSpc>
+                  <a:spcBef>
+                    <a:spcPts val="5900"/>
+                  </a:spcBef>
+                  <a:spcAft>
+                    <a:spcPts val="0"/>
+                  </a:spcAft>
+                  <a:buClrTx/>
+                  <a:buSzPct val="75000"/>
+                  <a:buFontTx/>
+                  <a:buChar char="•"/>
+                  <a:tabLst/>
+                  <a:defRPr sz="5200" b="0" i="0" u="none" strike="noStrike" cap="none" spc="0" baseline="0">
+                    <a:ln>
+                      <a:noFill/>
+                    </a:ln>
+                    <a:solidFill>
+                      <a:srgbClr val="000000"/>
+                    </a:solidFill>
+                    <a:uFillTx/>
+                    <a:latin typeface="+mn-lt"/>
+                    <a:ea typeface="+mn-ea"/>
+                    <a:cs typeface="+mn-cs"/>
+                    <a:sym typeface="Helvetica Light"/>
+                  </a:defRPr>
+                </a:lvl3pPr>
+                <a:lvl4pPr marL="2540000" marR="0" indent="-635000" algn="l" defTabSz="825500" rtl="0" latinLnBrk="0">
+                  <a:lnSpc>
+                    <a:spcPct val="100000"/>
+                  </a:lnSpc>
+                  <a:spcBef>
+                    <a:spcPts val="5900"/>
+                  </a:spcBef>
+                  <a:spcAft>
+                    <a:spcPts val="0"/>
+                  </a:spcAft>
+                  <a:buClrTx/>
+                  <a:buSzPct val="75000"/>
+                  <a:buFontTx/>
+                  <a:buChar char="•"/>
+                  <a:tabLst/>
+                  <a:defRPr sz="5200" b="0" i="0" u="none" strike="noStrike" cap="none" spc="0" baseline="0">
+                    <a:ln>
+                      <a:noFill/>
+                    </a:ln>
+                    <a:solidFill>
+                      <a:srgbClr val="000000"/>
+                    </a:solidFill>
+                    <a:uFillTx/>
+                    <a:latin typeface="+mn-lt"/>
+                    <a:ea typeface="+mn-ea"/>
+                    <a:cs typeface="+mn-cs"/>
+                    <a:sym typeface="Helvetica Light"/>
+                  </a:defRPr>
+                </a:lvl4pPr>
+                <a:lvl5pPr marL="3175000" marR="0" indent="-635000" algn="l" defTabSz="825500" rtl="0" latinLnBrk="0">
+                  <a:lnSpc>
+                    <a:spcPct val="100000"/>
+                  </a:lnSpc>
+                  <a:spcBef>
+                    <a:spcPts val="5900"/>
+                  </a:spcBef>
+                  <a:spcAft>
+                    <a:spcPts val="0"/>
+                  </a:spcAft>
+                  <a:buClrTx/>
+                  <a:buSzPct val="75000"/>
+                  <a:buFontTx/>
+                  <a:buChar char="•"/>
+                  <a:tabLst/>
+                  <a:defRPr sz="5200" b="0" i="0" u="none" strike="noStrike" cap="none" spc="0" baseline="0">
+                    <a:ln>
+                      <a:noFill/>
+                    </a:ln>
+                    <a:solidFill>
+                      <a:srgbClr val="000000"/>
+                    </a:solidFill>
+                    <a:uFillTx/>
+                    <a:latin typeface="+mn-lt"/>
+                    <a:ea typeface="+mn-ea"/>
+                    <a:cs typeface="+mn-cs"/>
+                    <a:sym typeface="Helvetica Light"/>
+                  </a:defRPr>
+                </a:lvl5pPr>
+                <a:lvl6pPr marL="3810000" marR="0" indent="-635000" algn="l" defTabSz="825500" rtl="0" latinLnBrk="0">
+                  <a:lnSpc>
+                    <a:spcPct val="100000"/>
+                  </a:lnSpc>
+                  <a:spcBef>
+                    <a:spcPts val="5900"/>
+                  </a:spcBef>
+                  <a:spcAft>
+                    <a:spcPts val="0"/>
+                  </a:spcAft>
+                  <a:buClrTx/>
+                  <a:buSzPct val="75000"/>
+                  <a:buFontTx/>
+                  <a:buChar char="•"/>
+                  <a:tabLst/>
+                  <a:defRPr sz="5200" b="0" i="0" u="none" strike="noStrike" cap="none" spc="0" baseline="0">
+                    <a:ln>
+                      <a:noFill/>
+                    </a:ln>
+                    <a:solidFill>
+                      <a:srgbClr val="000000"/>
+                    </a:solidFill>
+                    <a:uFillTx/>
+                    <a:latin typeface="+mn-lt"/>
+                    <a:ea typeface="+mn-ea"/>
+                    <a:cs typeface="+mn-cs"/>
+                    <a:sym typeface="Helvetica Light"/>
+                  </a:defRPr>
+                </a:lvl6pPr>
+                <a:lvl7pPr marL="4445000" marR="0" indent="-635000" algn="l" defTabSz="825500" rtl="0" latinLnBrk="0">
+                  <a:lnSpc>
+                    <a:spcPct val="100000"/>
+                  </a:lnSpc>
+                  <a:spcBef>
+                    <a:spcPts val="5900"/>
+                  </a:spcBef>
+                  <a:spcAft>
+                    <a:spcPts val="0"/>
+                  </a:spcAft>
+                  <a:buClrTx/>
+                  <a:buSzPct val="75000"/>
+                  <a:buFontTx/>
+                  <a:buChar char="•"/>
+                  <a:tabLst/>
+                  <a:defRPr sz="5200" b="0" i="0" u="none" strike="noStrike" cap="none" spc="0" baseline="0">
+                    <a:ln>
+                      <a:noFill/>
+                    </a:ln>
+                    <a:solidFill>
+                      <a:srgbClr val="000000"/>
+                    </a:solidFill>
+                    <a:uFillTx/>
+                    <a:latin typeface="+mn-lt"/>
+                    <a:ea typeface="+mn-ea"/>
+                    <a:cs typeface="+mn-cs"/>
+                    <a:sym typeface="Helvetica Light"/>
+                  </a:defRPr>
+                </a:lvl7pPr>
+                <a:lvl8pPr marL="5080000" marR="0" indent="-635000" algn="l" defTabSz="825500" rtl="0" latinLnBrk="0">
+                  <a:lnSpc>
+                    <a:spcPct val="100000"/>
+                  </a:lnSpc>
+                  <a:spcBef>
+                    <a:spcPts val="5900"/>
+                  </a:spcBef>
+                  <a:spcAft>
+                    <a:spcPts val="0"/>
+                  </a:spcAft>
+                  <a:buClrTx/>
+                  <a:buSzPct val="75000"/>
+                  <a:buFontTx/>
+                  <a:buChar char="•"/>
+                  <a:tabLst/>
+                  <a:defRPr sz="5200" b="0" i="0" u="none" strike="noStrike" cap="none" spc="0" baseline="0">
+                    <a:ln>
+                      <a:noFill/>
+                    </a:ln>
+                    <a:solidFill>
+                      <a:srgbClr val="000000"/>
+                    </a:solidFill>
+                    <a:uFillTx/>
+                    <a:latin typeface="+mn-lt"/>
+                    <a:ea typeface="+mn-ea"/>
+                    <a:cs typeface="+mn-cs"/>
+                    <a:sym typeface="Helvetica Light"/>
+                  </a:defRPr>
+                </a:lvl8pPr>
+                <a:lvl9pPr marL="5715000" marR="0" indent="-635000" algn="l" defTabSz="825500" rtl="0" latinLnBrk="0">
+                  <a:lnSpc>
+                    <a:spcPct val="100000"/>
+                  </a:lnSpc>
+                  <a:spcBef>
+                    <a:spcPts val="5900"/>
+                  </a:spcBef>
+                  <a:spcAft>
+                    <a:spcPts val="0"/>
+                  </a:spcAft>
+                  <a:buClrTx/>
+                  <a:buSzPct val="75000"/>
+                  <a:buFontTx/>
+                  <a:buChar char="•"/>
+                  <a:tabLst/>
+                  <a:defRPr sz="5200" b="0" i="0" u="none" strike="noStrike" cap="none" spc="0" baseline="0">
+                    <a:ln>
+                      <a:noFill/>
+                    </a:ln>
+                    <a:solidFill>
+                      <a:srgbClr val="000000"/>
+                    </a:solidFill>
+                    <a:uFillTx/>
+                    <a:latin typeface="+mn-lt"/>
+                    <a:ea typeface="+mn-ea"/>
+                    <a:cs typeface="+mn-cs"/>
+                    <a:sym typeface="Helvetica Light"/>
+                  </a:defRPr>
+                </a:lvl9pPr>
+              </a:lstStyle>
+              <a:p>
+                <a:pPr hangingPunct="1"/>
+                <a:r>
+                  <a:rPr lang="en-US" dirty="0" smtClean="0">
+                    <a:solidFill>
+                      <a:schemeClr val="tx1">
+                        <a:lumMod val="65000"/>
+                        <a:lumOff val="35000"/>
+                      </a:schemeClr>
+                    </a:solidFill>
+                  </a:rPr>
+                  <a:t>Comlex model is a linear combination of “weak” models.</a:t>
+                </a:r>
+                <a:endParaRPr lang="en-US" dirty="0">
+                  <a:solidFill>
+                    <a:schemeClr val="tx1">
+                      <a:lumMod val="65000"/>
+                      <a:lumOff val="35000"/>
+                    </a:schemeClr>
+                  </a:solidFill>
+                </a:endParaRPr>
+              </a:p>
+              <a:p>
+                <a:pPr lvl="1" hangingPunct="1">
+                  <a:buFontTx/>
+                  <a:buChar char="-"/>
+                </a:pPr>
+                <a14:m>
+                  <m:oMath xmlns:m="http://schemas.openxmlformats.org/officeDocument/2006/math">
+                    <m:r>
+                      <a:rPr lang="en-US" b="0" i="1" smtClean="0">
+                        <a:solidFill>
+                          <a:schemeClr val="tx1">
+                            <a:lumMod val="65000"/>
+                            <a:lumOff val="35000"/>
+                          </a:schemeClr>
+                        </a:solidFill>
+                        <a:latin typeface="Cambria Math" panose="02040503050406030204" pitchFamily="18" charset="0"/>
+                      </a:rPr>
+                      <m:t>h</m:t>
+                    </m:r>
+                    <m:r>
+                      <a:rPr lang="en-US" b="0" i="1" smtClean="0">
+                        <a:solidFill>
+                          <a:schemeClr val="tx1">
+                            <a:lumMod val="65000"/>
+                            <a:lumOff val="35000"/>
+                          </a:schemeClr>
+                        </a:solidFill>
+                        <a:latin typeface="Cambria Math" panose="02040503050406030204" pitchFamily="18" charset="0"/>
+                      </a:rPr>
+                      <m:t>=</m:t>
+                    </m:r>
+                    <m:sSub>
+                      <m:sSubPr>
+                        <m:ctrlPr>
+                          <a:rPr lang="en-US" b="0" i="1" smtClean="0">
+                            <a:solidFill>
+                              <a:schemeClr val="tx1">
+                                <a:lumMod val="65000"/>
+                                <a:lumOff val="35000"/>
+                              </a:schemeClr>
+                            </a:solidFill>
+                            <a:latin typeface="Cambria Math" panose="02040503050406030204" pitchFamily="18" charset="0"/>
+                          </a:rPr>
+                        </m:ctrlPr>
+                      </m:sSubPr>
+                      <m:e>
+                        <m:r>
+                          <a:rPr lang="en-US" b="0" i="1" smtClean="0">
+                            <a:solidFill>
+                              <a:schemeClr val="tx1">
+                                <a:lumMod val="65000"/>
+                                <a:lumOff val="35000"/>
+                              </a:schemeClr>
+                            </a:solidFill>
+                            <a:latin typeface="Cambria Math" panose="02040503050406030204" pitchFamily="18" charset="0"/>
+                          </a:rPr>
+                          <m:t>𝑤</m:t>
+                        </m:r>
+                      </m:e>
+                      <m:sub>
+                        <m:r>
+                          <a:rPr lang="en-US" b="0" i="1" smtClean="0">
+                            <a:solidFill>
+                              <a:schemeClr val="tx1">
+                                <a:lumMod val="65000"/>
+                                <a:lumOff val="35000"/>
+                              </a:schemeClr>
+                            </a:solidFill>
+                            <a:latin typeface="Cambria Math" panose="02040503050406030204" pitchFamily="18" charset="0"/>
+                          </a:rPr>
+                          <m:t>1</m:t>
+                        </m:r>
+                      </m:sub>
+                    </m:sSub>
+                    <m:sSub>
+                      <m:sSubPr>
+                        <m:ctrlPr>
+                          <a:rPr lang="en-US" b="0" i="1" smtClean="0">
+                            <a:solidFill>
+                              <a:schemeClr val="tx1">
+                                <a:lumMod val="65000"/>
+                                <a:lumOff val="35000"/>
+                              </a:schemeClr>
+                            </a:solidFill>
+                            <a:latin typeface="Cambria Math" panose="02040503050406030204" pitchFamily="18" charset="0"/>
+                          </a:rPr>
+                        </m:ctrlPr>
+                      </m:sSubPr>
+                      <m:e>
+                        <m:r>
+                          <a:rPr lang="en-US" b="0" i="1" smtClean="0">
+                            <a:solidFill>
+                              <a:schemeClr val="tx1">
+                                <a:lumMod val="65000"/>
+                                <a:lumOff val="35000"/>
+                              </a:schemeClr>
+                            </a:solidFill>
+                            <a:latin typeface="Cambria Math" panose="02040503050406030204" pitchFamily="18" charset="0"/>
+                          </a:rPr>
+                          <m:t>h</m:t>
+                        </m:r>
+                      </m:e>
+                      <m:sub>
+                        <m:r>
+                          <a:rPr lang="en-US" b="0" i="1" smtClean="0">
+                            <a:solidFill>
+                              <a:schemeClr val="tx1">
+                                <a:lumMod val="65000"/>
+                                <a:lumOff val="35000"/>
+                              </a:schemeClr>
+                            </a:solidFill>
+                            <a:latin typeface="Cambria Math" panose="02040503050406030204" pitchFamily="18" charset="0"/>
+                          </a:rPr>
+                          <m:t>1</m:t>
+                        </m:r>
+                      </m:sub>
+                    </m:sSub>
+                    <m:r>
+                      <a:rPr lang="en-US" b="0" i="1" smtClean="0">
+                        <a:solidFill>
+                          <a:schemeClr val="tx1">
+                            <a:lumMod val="65000"/>
+                            <a:lumOff val="35000"/>
+                          </a:schemeClr>
+                        </a:solidFill>
+                        <a:latin typeface="Cambria Math" panose="02040503050406030204" pitchFamily="18" charset="0"/>
+                      </a:rPr>
+                      <m:t>+</m:t>
+                    </m:r>
+                    <m:sSub>
+                      <m:sSubPr>
+                        <m:ctrlPr>
+                          <a:rPr lang="en-US" b="0" i="1" smtClean="0">
+                            <a:solidFill>
+                              <a:schemeClr val="tx1">
+                                <a:lumMod val="65000"/>
+                                <a:lumOff val="35000"/>
+                              </a:schemeClr>
+                            </a:solidFill>
+                            <a:latin typeface="Cambria Math" panose="02040503050406030204" pitchFamily="18" charset="0"/>
+                          </a:rPr>
+                        </m:ctrlPr>
+                      </m:sSubPr>
+                      <m:e>
+                        <m:r>
+                          <a:rPr lang="en-US" b="0" i="1" smtClean="0">
+                            <a:solidFill>
+                              <a:schemeClr val="tx1">
+                                <a:lumMod val="65000"/>
+                                <a:lumOff val="35000"/>
+                              </a:schemeClr>
+                            </a:solidFill>
+                            <a:latin typeface="Cambria Math" panose="02040503050406030204" pitchFamily="18" charset="0"/>
+                          </a:rPr>
+                          <m:t>𝑤</m:t>
+                        </m:r>
+                      </m:e>
+                      <m:sub>
+                        <m:r>
+                          <a:rPr lang="en-US" b="0" i="1" smtClean="0">
+                            <a:solidFill>
+                              <a:schemeClr val="tx1">
+                                <a:lumMod val="65000"/>
+                                <a:lumOff val="35000"/>
+                              </a:schemeClr>
+                            </a:solidFill>
+                            <a:latin typeface="Cambria Math" panose="02040503050406030204" pitchFamily="18" charset="0"/>
+                          </a:rPr>
+                          <m:t>2</m:t>
+                        </m:r>
+                      </m:sub>
+                    </m:sSub>
+                    <m:sSub>
+                      <m:sSubPr>
+                        <m:ctrlPr>
+                          <a:rPr lang="en-US" b="0" i="1" smtClean="0">
+                            <a:solidFill>
+                              <a:schemeClr val="tx1">
+                                <a:lumMod val="65000"/>
+                                <a:lumOff val="35000"/>
+                              </a:schemeClr>
+                            </a:solidFill>
+                            <a:latin typeface="Cambria Math" panose="02040503050406030204" pitchFamily="18" charset="0"/>
+                          </a:rPr>
+                        </m:ctrlPr>
+                      </m:sSubPr>
+                      <m:e>
+                        <m:r>
+                          <a:rPr lang="en-US" b="0" i="1" smtClean="0">
+                            <a:solidFill>
+                              <a:schemeClr val="tx1">
+                                <a:lumMod val="65000"/>
+                                <a:lumOff val="35000"/>
+                              </a:schemeClr>
+                            </a:solidFill>
+                            <a:latin typeface="Cambria Math" panose="02040503050406030204" pitchFamily="18" charset="0"/>
+                          </a:rPr>
+                          <m:t>h</m:t>
+                        </m:r>
+                      </m:e>
+                      <m:sub>
+                        <m:r>
+                          <a:rPr lang="en-US" b="0" i="1" smtClean="0">
+                            <a:solidFill>
+                              <a:schemeClr val="tx1">
+                                <a:lumMod val="65000"/>
+                                <a:lumOff val="35000"/>
+                              </a:schemeClr>
+                            </a:solidFill>
+                            <a:latin typeface="Cambria Math" panose="02040503050406030204" pitchFamily="18" charset="0"/>
+                          </a:rPr>
+                          <m:t>2</m:t>
+                        </m:r>
+                      </m:sub>
+                    </m:sSub>
+                    <m:r>
+                      <a:rPr lang="en-US" b="0" i="1" smtClean="0">
+                        <a:solidFill>
+                          <a:schemeClr val="tx1">
+                            <a:lumMod val="65000"/>
+                            <a:lumOff val="35000"/>
+                          </a:schemeClr>
+                        </a:solidFill>
+                        <a:latin typeface="Cambria Math" panose="02040503050406030204" pitchFamily="18" charset="0"/>
+                      </a:rPr>
+                      <m:t>+…+</m:t>
+                    </m:r>
+                    <m:sSub>
+                      <m:sSubPr>
+                        <m:ctrlPr>
+                          <a:rPr lang="en-US" b="0" i="1" smtClean="0">
+                            <a:solidFill>
+                              <a:schemeClr val="tx1">
+                                <a:lumMod val="65000"/>
+                                <a:lumOff val="35000"/>
+                              </a:schemeClr>
+                            </a:solidFill>
+                            <a:latin typeface="Cambria Math" panose="02040503050406030204" pitchFamily="18" charset="0"/>
+                          </a:rPr>
+                        </m:ctrlPr>
+                      </m:sSubPr>
+                      <m:e>
+                        <m:r>
+                          <a:rPr lang="en-US" b="0" i="1" smtClean="0">
+                            <a:solidFill>
+                              <a:schemeClr val="tx1">
+                                <a:lumMod val="65000"/>
+                                <a:lumOff val="35000"/>
+                              </a:schemeClr>
+                            </a:solidFill>
+                            <a:latin typeface="Cambria Math" panose="02040503050406030204" pitchFamily="18" charset="0"/>
+                          </a:rPr>
+                          <m:t>𝑤</m:t>
+                        </m:r>
+                      </m:e>
+                      <m:sub>
+                        <m:r>
+                          <a:rPr lang="en-US" b="0" i="1" smtClean="0">
+                            <a:solidFill>
+                              <a:schemeClr val="tx1">
+                                <a:lumMod val="65000"/>
+                                <a:lumOff val="35000"/>
+                              </a:schemeClr>
+                            </a:solidFill>
+                            <a:latin typeface="Cambria Math" panose="02040503050406030204" pitchFamily="18" charset="0"/>
+                          </a:rPr>
+                          <m:t>𝑛</m:t>
+                        </m:r>
+                      </m:sub>
+                    </m:sSub>
+                    <m:sSub>
+                      <m:sSubPr>
+                        <m:ctrlPr>
+                          <a:rPr lang="en-US" b="0" i="1" smtClean="0">
+                            <a:solidFill>
+                              <a:schemeClr val="tx1">
+                                <a:lumMod val="65000"/>
+                                <a:lumOff val="35000"/>
+                              </a:schemeClr>
+                            </a:solidFill>
+                            <a:latin typeface="Cambria Math" panose="02040503050406030204" pitchFamily="18" charset="0"/>
+                          </a:rPr>
+                        </m:ctrlPr>
+                      </m:sSubPr>
+                      <m:e>
+                        <m:r>
+                          <a:rPr lang="en-US" b="0" i="1" smtClean="0">
+                            <a:solidFill>
+                              <a:schemeClr val="tx1">
+                                <a:lumMod val="65000"/>
+                                <a:lumOff val="35000"/>
+                              </a:schemeClr>
+                            </a:solidFill>
+                            <a:latin typeface="Cambria Math" panose="02040503050406030204" pitchFamily="18" charset="0"/>
+                          </a:rPr>
+                          <m:t>h</m:t>
+                        </m:r>
+                      </m:e>
+                      <m:sub>
+                        <m:r>
+                          <a:rPr lang="en-US" b="0" i="1" smtClean="0">
+                            <a:solidFill>
+                              <a:schemeClr val="tx1">
+                                <a:lumMod val="65000"/>
+                                <a:lumOff val="35000"/>
+                              </a:schemeClr>
+                            </a:solidFill>
+                            <a:latin typeface="Cambria Math" panose="02040503050406030204" pitchFamily="18" charset="0"/>
+                          </a:rPr>
+                          <m:t>𝑛</m:t>
+                        </m:r>
+                      </m:sub>
+                    </m:sSub>
+                  </m:oMath>
+                </a14:m>
+                <a:endParaRPr lang="en-US" b="0" dirty="0" smtClean="0">
+                  <a:solidFill>
+                    <a:schemeClr val="tx1">
+                      <a:lumMod val="65000"/>
+                      <a:lumOff val="35000"/>
+                    </a:schemeClr>
+                  </a:solidFill>
+                </a:endParaRPr>
+              </a:p>
+              <a:p>
+                <a:pPr lvl="1" hangingPunct="1">
+                  <a:buFontTx/>
+                  <a:buChar char="-"/>
+                </a:pPr>
+                <a:r>
+                  <a:rPr lang="en-US" dirty="0" smtClean="0">
+                    <a:solidFill>
+                      <a:schemeClr val="tx1">
+                        <a:lumMod val="65000"/>
+                        <a:lumOff val="35000"/>
+                      </a:schemeClr>
+                    </a:solidFill>
+                  </a:rPr>
+                  <a:t>Equivalent to point in functional space </a:t>
+                </a:r>
+              </a:p>
+              <a:p>
+                <a:pPr lvl="1" hangingPunct="1">
+                  <a:buFontTx/>
+                  <a:buChar char="-"/>
+                </a:pPr>
+                <a:r>
+                  <a:rPr lang="en-US" dirty="0" smtClean="0">
+                    <a:solidFill>
+                      <a:schemeClr val="tx1">
+                        <a:lumMod val="65000"/>
+                        <a:lumOff val="35000"/>
+                      </a:schemeClr>
+                    </a:solidFill>
+                  </a:rPr>
+                  <a:t>Can be optimized with Axis Aligned Gradient Descent</a:t>
+                </a:r>
+              </a:p>
+            </p:txBody>
+          </p:sp>
+        </mc:Choice>
+        <mc:Fallback>
+          <p:sp>
+            <p:nvSpPr>
+              <p:cNvPr id="11" name="Текст 4"/>
+              <p:cNvSpPr txBox="1">
+                <a:spLocks noRot="1" noChangeAspect="1" noMove="1" noResize="1" noEditPoints="1" noAdjustHandles="1" noChangeArrowheads="1" noChangeShapeType="1" noTextEdit="1"/>
+              </p:cNvSpPr>
+              <p:nvPr/>
+            </p:nvSpPr>
+            <p:spPr>
+              <a:xfrm>
+                <a:off x="1448272" y="3488496"/>
+                <a:ext cx="10896128" cy="7658100"/>
+              </a:xfrm>
+              <a:prstGeom prst="rect">
+                <a:avLst/>
+              </a:prstGeom>
+              <a:blipFill rotWithShape="0">
+                <a:blip r:embed="rId3"/>
+                <a:stretch>
+                  <a:fillRect l="-1735" t="-1989" r="-1679" b="-7558"/>
+                </a:stretch>
+              </a:blipFill>
+            </p:spPr>
+            <p:txBody>
+              <a:bodyPr/>
+              <a:lstStyle/>
+              <a:p>
+                <a:r>
+                  <a:rPr lang="uk-UA">
+                    <a:noFill/>
+                  </a:rPr>
+                  <a:t> </a:t>
+                </a:r>
+              </a:p>
+            </p:txBody>
+          </p:sp>
+        </mc:Fallback>
+      </mc:AlternateContent>
+      <p:pic>
+        <p:nvPicPr>
+          <p:cNvPr id="2" name="Рисунок 1"/>
+          <p:cNvPicPr>
+            <a:picLocks noChangeAspect="1"/>
+          </p:cNvPicPr>
+          <p:nvPr/>
+        </p:nvPicPr>
+        <p:blipFill>
+          <a:blip r:embed="rId4">
+            <a:extLst>
+              <a:ext uri="{28A0092B-C50C-407E-A947-70E740481C1C}">
+                <a14:useLocalDpi xmlns:a14="http://schemas.microsoft.com/office/drawing/2010/main" val="0"/>
+              </a:ext>
+            </a:extLst>
+          </a:blip>
+          <a:stretch>
+            <a:fillRect/>
+          </a:stretch>
+        </p:blipFill>
+        <p:spPr>
+          <a:xfrm>
+            <a:off x="12192000" y="2952483"/>
+            <a:ext cx="11353799" cy="8830733"/>
+          </a:xfrm>
+          <a:prstGeom prst="rect">
+            <a:avLst/>
+          </a:prstGeom>
+        </p:spPr>
+      </p:pic>
     </p:spTree>
+    <p:extLst>
+      <p:ext uri="{BB962C8B-B14F-4D97-AF65-F5344CB8AC3E}">
+        <p14:creationId xmlns:p14="http://schemas.microsoft.com/office/powerpoint/2010/main" val="1951927061"/>
+      </p:ext>
+    </p:extLst>
   </p:cSld>
   <p:clrMapOvr>
     <a:masterClrMapping/>
   </p:clrMapOvr>
-  <p:transition xmlns:p14="http://schemas.microsoft.com/office/powerpoint/2010/main" spd="med" advClick="1"/>
-</p:sld>
-</file>
-
-<file path=ppt/slides/slide8.xml><?xml version="1.0" encoding="utf-8"?>
-<p:sld xmlns:a="http://schemas.openxmlformats.org/drawingml/2006/main" xmlns:r="http://schemas.openxmlformats.org/officeDocument/2006/relationships" xmlns:p="http://schemas.openxmlformats.org/presentationml/2006/main" showMasterSp="1" showMasterPhAnim="1">
-  <p:cSld>
-    <p:spTree>
-      <p:nvGrpSpPr>
-        <p:cNvPr id="1" name=""/>
-        <p:cNvGrpSpPr/>
-        <p:nvPr/>
-      </p:nvGrpSpPr>
-      <p:grpSpPr>
-        <a:xfrm>
-          <a:off x="0" y="0"/>
-          <a:ext cx="0" cy="0"/>
-          <a:chOff x="0" y="0"/>
-          <a:chExt cx="0" cy="0"/>
-        </a:xfrm>
-      </p:grpSpPr>
-      <p:grpSp>
-        <p:nvGrpSpPr>
-          <p:cNvPr id="256" name="Group 256"/>
-          <p:cNvGrpSpPr/>
-          <p:nvPr/>
-        </p:nvGrpSpPr>
-        <p:grpSpPr>
-          <a:xfrm>
-            <a:off x="-192857" y="12499340"/>
-            <a:ext cx="24769715" cy="1655517"/>
-            <a:chOff x="0" y="0"/>
-            <a:chExt cx="24769714" cy="1655516"/>
-          </a:xfrm>
-        </p:grpSpPr>
-        <p:sp>
-          <p:nvSpPr>
-            <p:cNvPr id="252" name="Shape 252"/>
-            <p:cNvSpPr/>
-            <p:nvPr/>
-          </p:nvSpPr>
-          <p:spPr>
-            <a:xfrm>
-              <a:off x="373053" y="0"/>
-              <a:ext cx="2735983" cy="1070833"/>
-            </a:xfrm>
-            <a:prstGeom prst="roundRect">
-              <a:avLst>
-                <a:gd name="adj" fmla="val 15566"/>
-              </a:avLst>
-            </a:prstGeom>
-            <a:solidFill>
-              <a:srgbClr val="5E0A7C"/>
-            </a:solidFill>
-            <a:ln w="12700" cap="flat">
-              <a:noFill/>
-              <a:miter lim="400000"/>
-            </a:ln>
-            <a:effectLst/>
-          </p:spPr>
-          <p:txBody>
-            <a:bodyPr wrap="square" lIns="50800" tIns="50800" rIns="50800" bIns="50800" numCol="1" anchor="ctr">
-              <a:noAutofit/>
-            </a:bodyPr>
-            <a:lstStyle/>
-            <a:p>
-              <a:pPr>
-                <a:defRPr sz="3200">
-                  <a:solidFill>
-                    <a:srgbClr val="FFFFFF"/>
-                  </a:solidFill>
-                  <a:latin typeface="+mn-lt"/>
-                  <a:ea typeface="+mn-ea"/>
-                  <a:cs typeface="+mn-cs"/>
-                  <a:sym typeface="Helvetica Light"/>
-                </a:defRPr>
-              </a:pPr>
-            </a:p>
-          </p:txBody>
-        </p:sp>
-        <p:sp>
-          <p:nvSpPr>
-            <p:cNvPr id="253" name="Shape 253"/>
-            <p:cNvSpPr/>
-            <p:nvPr/>
-          </p:nvSpPr>
-          <p:spPr>
-            <a:xfrm>
-              <a:off x="0" y="385516"/>
-              <a:ext cx="24769715" cy="1270001"/>
-            </a:xfrm>
-            <a:prstGeom prst="rect">
-              <a:avLst/>
-            </a:prstGeom>
-            <a:solidFill>
-              <a:srgbClr val="8CC118"/>
-            </a:solidFill>
-            <a:ln w="12700" cap="flat">
-              <a:noFill/>
-              <a:miter lim="400000"/>
-            </a:ln>
-            <a:effectLst/>
-          </p:spPr>
-          <p:txBody>
-            <a:bodyPr wrap="square" lIns="50800" tIns="50800" rIns="50800" bIns="50800" numCol="1" anchor="ctr">
-              <a:noAutofit/>
-            </a:bodyPr>
-            <a:lstStyle/>
-            <a:p>
-              <a:pPr>
-                <a:defRPr sz="3200">
-                  <a:solidFill>
-                    <a:srgbClr val="FFFFFF"/>
-                  </a:solidFill>
-                  <a:latin typeface="+mn-lt"/>
-                  <a:ea typeface="+mn-ea"/>
-                  <a:cs typeface="+mn-cs"/>
-                  <a:sym typeface="Helvetica Light"/>
-                </a:defRPr>
-              </a:pPr>
-            </a:p>
-          </p:txBody>
-        </p:sp>
-        <p:sp>
-          <p:nvSpPr>
-            <p:cNvPr id="254" name="Shape 254"/>
-            <p:cNvSpPr/>
-            <p:nvPr/>
-          </p:nvSpPr>
-          <p:spPr>
-            <a:xfrm>
-              <a:off x="0" y="374422"/>
-              <a:ext cx="24769715" cy="745084"/>
-            </a:xfrm>
-            <a:prstGeom prst="rect">
-              <a:avLst/>
-            </a:prstGeom>
-            <a:solidFill>
-              <a:srgbClr val="5E0A7C"/>
-            </a:solidFill>
-            <a:ln w="12700" cap="flat">
-              <a:noFill/>
-              <a:miter lim="400000"/>
-            </a:ln>
-            <a:effectLst/>
-          </p:spPr>
-          <p:txBody>
-            <a:bodyPr wrap="square" lIns="50800" tIns="50800" rIns="50800" bIns="50800" numCol="1" anchor="ctr">
-              <a:noAutofit/>
-            </a:bodyPr>
-            <a:lstStyle/>
-            <a:p>
-              <a:pPr>
-                <a:defRPr sz="3200">
-                  <a:solidFill>
-                    <a:srgbClr val="FFFFFF"/>
-                  </a:solidFill>
-                  <a:latin typeface="+mn-lt"/>
-                  <a:ea typeface="+mn-ea"/>
-                  <a:cs typeface="+mn-cs"/>
-                  <a:sym typeface="Helvetica Light"/>
-                </a:defRPr>
-              </a:pPr>
-            </a:p>
-          </p:txBody>
-        </p:sp>
-        <p:pic>
-          <p:nvPicPr>
-            <p:cNvPr id="255" name="pasted-image.tiff"/>
-            <p:cNvPicPr>
-              <a:picLocks noChangeAspect="1"/>
-            </p:cNvPicPr>
-            <p:nvPr/>
-          </p:nvPicPr>
-          <p:blipFill>
-            <a:blip r:embed="rId2">
-              <a:extLst/>
-            </a:blip>
-            <a:stretch>
-              <a:fillRect/>
-            </a:stretch>
-          </p:blipFill>
-          <p:spPr>
-            <a:xfrm>
-              <a:off x="545782" y="164878"/>
-              <a:ext cx="2390525" cy="780580"/>
-            </a:xfrm>
-            <a:prstGeom prst="rect">
-              <a:avLst/>
-            </a:prstGeom>
-            <a:ln w="12700" cap="flat">
-              <a:noFill/>
-              <a:miter lim="400000"/>
-            </a:ln>
-            <a:effectLst/>
-          </p:spPr>
-        </p:pic>
-      </p:grpSp>
-      <p:sp>
-        <p:nvSpPr>
-          <p:cNvPr id="257" name="Shape 257"/>
-          <p:cNvSpPr/>
-          <p:nvPr>
-            <p:ph type="title"/>
-          </p:nvPr>
-        </p:nvSpPr>
-        <p:spPr>
-          <a:prstGeom prst="rect">
-            <a:avLst/>
-          </a:prstGeom>
-        </p:spPr>
-        <p:txBody>
-          <a:bodyPr/>
-          <a:lstStyle/>
-          <a:p>
-            <a:pPr/>
-          </a:p>
-        </p:txBody>
-      </p:sp>
-      <p:sp>
-        <p:nvSpPr>
-          <p:cNvPr id="258" name="Shape 258"/>
-          <p:cNvSpPr/>
-          <p:nvPr>
-            <p:ph type="sldNum" sz="quarter" idx="2"/>
-          </p:nvPr>
-        </p:nvSpPr>
-        <p:spPr>
-          <a:xfrm>
-            <a:off x="23931168" y="13011354"/>
-            <a:ext cx="283770" cy="461367"/>
-          </a:xfrm>
-          <a:prstGeom prst="rect">
-            <a:avLst/>
-          </a:prstGeom>
-          <a:extLst>
-            <a:ext uri="{C572A759-6A51-4108-AA02-DFA0A04FC94B}">
-              <ma14:wrappingTextBoxFlag xmlns:ma14="http://schemas.microsoft.com/office/mac/drawingml/2011/main" val="1"/>
-            </a:ext>
-          </a:extLst>
-        </p:spPr>
-        <p:txBody>
-          <a:bodyPr/>
-          <a:lstStyle/>
-          <a:p>
-            <a:pPr/>
-            <a:fld id="{86CB4B4D-7CA3-9044-876B-883B54F8677D}" type="slidenum"/>
-          </a:p>
-        </p:txBody>
-      </p:sp>
-    </p:spTree>
-  </p:cSld>
-  <p:clrMapOvr>
-    <a:masterClrMapping/>
-  </p:clrMapOvr>
-  <p:transition xmlns:p14="http://schemas.microsoft.com/office/powerpoint/2010/main" spd="med" advClick="1"/>
+  <p:transition spd="med"/>
 </p:sld>
 </file>
 
 <file path=ppt/theme/theme1.xml><?xml version="1.0" encoding="utf-8"?>
-<a:theme xmlns:a="http://schemas.openxmlformats.org/drawingml/2006/main" xmlns:r="http://schemas.openxmlformats.org/officeDocument/2006/relationships" name="White">
+<a:theme xmlns:a="http://schemas.openxmlformats.org/drawingml/2006/main" name="White">
   <a:themeElements>
     <a:clrScheme name="White">
       <a:dk1>
@@ -8353,7 +10749,7 @@
       <a:effectStyleLst>
         <a:effectStyle>
           <a:effectLst>
-            <a:outerShdw sx="100000" sy="100000" kx="0" ky="0" algn="b" rotWithShape="0" blurRad="38100" dist="25400" dir="5400000">
+            <a:outerShdw blurRad="38100" dist="25400" dir="5400000" rotWithShape="0">
               <a:srgbClr val="000000">
                 <a:alpha val="50000"/>
               </a:srgbClr>
@@ -8362,7 +10758,7 @@
         </a:effectStyle>
         <a:effectStyle>
           <a:effectLst>
-            <a:outerShdw sx="100000" sy="100000" kx="0" ky="0" algn="b" rotWithShape="0" blurRad="50800" dist="12700" dir="0">
+            <a:outerShdw blurRad="50800" dist="12700" rotWithShape="0">
               <a:srgbClr val="000000">
                 <a:alpha val="50000"/>
               </a:srgbClr>
@@ -8371,7 +10767,7 @@
         </a:effectStyle>
         <a:effectStyle>
           <a:effectLst>
-            <a:outerShdw sx="100000" sy="100000" kx="0" ky="0" algn="b" rotWithShape="0" blurRad="38100" dist="25400" dir="5400000">
+            <a:outerShdw blurRad="38100" dist="25400" dir="5400000" rotWithShape="0">
               <a:srgbClr val="000000">
                 <a:alpha val="50000"/>
               </a:srgbClr>
@@ -8435,8 +10831,8 @@
     <a:spDef>
       <a:spPr>
         <a:blipFill rotWithShape="1">
-          <a:blip r:embed="rId1"/>
-          <a:srcRect l="0" t="0" r="0" b="0"/>
+          <a:blip xmlns:r="http://schemas.openxmlformats.org/officeDocument/2006/relationships" r:embed="rId1"/>
+          <a:srcRect/>
           <a:tile tx="0" ty="0" sx="100000" sy="100000" flip="none" algn="tl"/>
         </a:blipFill>
         <a:ln w="12700" cap="flat">
@@ -8444,7 +10840,7 @@
           <a:miter lim="400000"/>
         </a:ln>
         <a:effectLst>
-          <a:outerShdw sx="100000" sy="100000" kx="0" ky="0" algn="b" rotWithShape="0" blurRad="38100" dist="25400" dir="5400000">
+          <a:outerShdw blurRad="38100" dist="25400" dir="5400000" rotWithShape="0">
             <a:srgbClr val="000000">
               <a:alpha val="50000"/>
             </a:srgbClr>
@@ -8452,7 +10848,7 @@
         </a:effectLst>
         <a:sp3d/>
       </a:spPr>
-      <a:bodyPr rot="0" spcFirstLastPara="1" vertOverflow="overflow" horzOverflow="overflow" vert="horz" wrap="square" lIns="50800" tIns="50800" rIns="50800" bIns="50800" numCol="1" spcCol="38100" rtlCol="0" anchor="ctr" upright="0">
+      <a:bodyPr rot="0" spcFirstLastPara="1" vertOverflow="overflow" horzOverflow="overflow" vert="horz" wrap="square" lIns="50800" tIns="50800" rIns="50800" bIns="50800" numCol="1" spcCol="38100" rtlCol="0" anchor="ctr">
         <a:spAutoFit/>
       </a:bodyPr>
       <a:lstStyle>
@@ -8471,7 +10867,7 @@
           <a:buFontTx/>
           <a:buNone/>
           <a:tabLst/>
-          <a:defRPr b="0" baseline="0" cap="none" i="0" spc="0" strike="noStrike" sz="3200" u="none" kumimoji="0" normalizeH="0">
+          <a:defRPr kumimoji="0" sz="3200" b="0" i="0" u="none" strike="noStrike" cap="none" spc="0" normalizeH="0" baseline="0">
             <a:ln>
               <a:noFill/>
             </a:ln>
@@ -8501,7 +10897,7 @@
           <a:buFontTx/>
           <a:buNone/>
           <a:tabLst/>
-          <a:defRPr b="0" baseline="0" cap="none" i="0" spc="0" strike="noStrike" sz="1800" u="none" kumimoji="0" normalizeH="0">
+          <a:defRPr kumimoji="0" sz="1800" b="0" i="0" u="none" strike="noStrike" cap="none" spc="0" normalizeH="0" baseline="0">
             <a:ln>
               <a:noFill/>
             </a:ln>
@@ -8527,7 +10923,7 @@
           <a:buFontTx/>
           <a:buNone/>
           <a:tabLst/>
-          <a:defRPr b="0" baseline="0" cap="none" i="0" spc="0" strike="noStrike" sz="1800" u="none" kumimoji="0" normalizeH="0">
+          <a:defRPr kumimoji="0" sz="1800" b="0" i="0" u="none" strike="noStrike" cap="none" spc="0" normalizeH="0" baseline="0">
             <a:ln>
               <a:noFill/>
             </a:ln>
@@ -8553,7 +10949,7 @@
           <a:buFontTx/>
           <a:buNone/>
           <a:tabLst/>
-          <a:defRPr b="0" baseline="0" cap="none" i="0" spc="0" strike="noStrike" sz="1800" u="none" kumimoji="0" normalizeH="0">
+          <a:defRPr kumimoji="0" sz="1800" b="0" i="0" u="none" strike="noStrike" cap="none" spc="0" normalizeH="0" baseline="0">
             <a:ln>
               <a:noFill/>
             </a:ln>
@@ -8579,7 +10975,7 @@
           <a:buFontTx/>
           <a:buNone/>
           <a:tabLst/>
-          <a:defRPr b="0" baseline="0" cap="none" i="0" spc="0" strike="noStrike" sz="1800" u="none" kumimoji="0" normalizeH="0">
+          <a:defRPr kumimoji="0" sz="1800" b="0" i="0" u="none" strike="noStrike" cap="none" spc="0" normalizeH="0" baseline="0">
             <a:ln>
               <a:noFill/>
             </a:ln>
@@ -8605,7 +11001,7 @@
           <a:buFontTx/>
           <a:buNone/>
           <a:tabLst/>
-          <a:defRPr b="0" baseline="0" cap="none" i="0" spc="0" strike="noStrike" sz="1800" u="none" kumimoji="0" normalizeH="0">
+          <a:defRPr kumimoji="0" sz="1800" b="0" i="0" u="none" strike="noStrike" cap="none" spc="0" normalizeH="0" baseline="0">
             <a:ln>
               <a:noFill/>
             </a:ln>
@@ -8631,7 +11027,7 @@
           <a:buFontTx/>
           <a:buNone/>
           <a:tabLst/>
-          <a:defRPr b="0" baseline="0" cap="none" i="0" spc="0" strike="noStrike" sz="1800" u="none" kumimoji="0" normalizeH="0">
+          <a:defRPr kumimoji="0" sz="1800" b="0" i="0" u="none" strike="noStrike" cap="none" spc="0" normalizeH="0" baseline="0">
             <a:ln>
               <a:noFill/>
             </a:ln>
@@ -8657,7 +11053,7 @@
           <a:buFontTx/>
           <a:buNone/>
           <a:tabLst/>
-          <a:defRPr b="0" baseline="0" cap="none" i="0" spc="0" strike="noStrike" sz="1800" u="none" kumimoji="0" normalizeH="0">
+          <a:defRPr kumimoji="0" sz="1800" b="0" i="0" u="none" strike="noStrike" cap="none" spc="0" normalizeH="0" baseline="0">
             <a:ln>
               <a:noFill/>
             </a:ln>
@@ -8683,7 +11079,7 @@
           <a:buFontTx/>
           <a:buNone/>
           <a:tabLst/>
-          <a:defRPr b="0" baseline="0" cap="none" i="0" spc="0" strike="noStrike" sz="1800" u="none" kumimoji="0" normalizeH="0">
+          <a:defRPr kumimoji="0" sz="1800" b="0" i="0" u="none" strike="noStrike" cap="none" spc="0" normalizeH="0" baseline="0">
             <a:ln>
               <a:noFill/>
             </a:ln>
@@ -8709,7 +11105,7 @@
           <a:buFontTx/>
           <a:buNone/>
           <a:tabLst/>
-          <a:defRPr b="0" baseline="0" cap="none" i="0" spc="0" strike="noStrike" sz="1800" u="none" kumimoji="0" normalizeH="0">
+          <a:defRPr kumimoji="0" sz="1800" b="0" i="0" u="none" strike="noStrike" cap="none" spc="0" normalizeH="0" baseline="0">
             <a:ln>
               <a:noFill/>
             </a:ln>
@@ -8722,9 +11118,15 @@
         </a:lvl9pPr>
       </a:lstStyle>
       <a:style>
-        <a:lnRef idx="0"/>
-        <a:fillRef idx="0"/>
-        <a:effectRef idx="0"/>
+        <a:lnRef idx="0">
+          <a:scrgbClr r="0" g="0" b="0"/>
+        </a:lnRef>
+        <a:fillRef idx="0">
+          <a:scrgbClr r="0" g="0" b="0"/>
+        </a:fillRef>
+        <a:effectRef idx="0">
+          <a:scrgbClr r="0" g="0" b="0"/>
+        </a:effectRef>
         <a:fontRef idx="none"/>
       </a:style>
     </a:spDef>
@@ -8741,7 +11143,7 @@
         <a:effectLst/>
         <a:sp3d/>
       </a:spPr>
-      <a:bodyPr rot="0" spcFirstLastPara="1" vertOverflow="overflow" horzOverflow="overflow" vert="horz" wrap="square" lIns="91439" tIns="45719" rIns="91439" bIns="45719" numCol="1" spcCol="38100" rtlCol="0" anchor="t" upright="0">
+      <a:bodyPr rot="0" spcFirstLastPara="1" vertOverflow="overflow" horzOverflow="overflow" vert="horz" wrap="square" lIns="91439" tIns="45719" rIns="91439" bIns="45719" numCol="1" spcCol="38100" rtlCol="0" anchor="t">
         <a:noAutofit/>
       </a:bodyPr>
       <a:lstStyle>
@@ -8760,7 +11162,7 @@
           <a:buFontTx/>
           <a:buNone/>
           <a:tabLst/>
-          <a:defRPr b="0" baseline="0" cap="none" i="0" spc="0" strike="noStrike" sz="1800" u="none" kumimoji="0" normalizeH="0">
+          <a:defRPr kumimoji="0" sz="1800" b="0" i="0" u="none" strike="noStrike" cap="none" spc="0" normalizeH="0" baseline="0">
             <a:ln>
               <a:noFill/>
             </a:ln>
@@ -8786,7 +11188,7 @@
           <a:buFontTx/>
           <a:buNone/>
           <a:tabLst/>
-          <a:defRPr b="0" baseline="0" cap="none" i="0" spc="0" strike="noStrike" sz="1800" u="none" kumimoji="0" normalizeH="0">
+          <a:defRPr kumimoji="0" sz="1800" b="0" i="0" u="none" strike="noStrike" cap="none" spc="0" normalizeH="0" baseline="0">
             <a:ln>
               <a:noFill/>
             </a:ln>
@@ -8812,7 +11214,7 @@
           <a:buFontTx/>
           <a:buNone/>
           <a:tabLst/>
-          <a:defRPr b="0" baseline="0" cap="none" i="0" spc="0" strike="noStrike" sz="1800" u="none" kumimoji="0" normalizeH="0">
+          <a:defRPr kumimoji="0" sz="1800" b="0" i="0" u="none" strike="noStrike" cap="none" spc="0" normalizeH="0" baseline="0">
             <a:ln>
               <a:noFill/>
             </a:ln>
@@ -8838,7 +11240,7 @@
           <a:buFontTx/>
           <a:buNone/>
           <a:tabLst/>
-          <a:defRPr b="0" baseline="0" cap="none" i="0" spc="0" strike="noStrike" sz="1800" u="none" kumimoji="0" normalizeH="0">
+          <a:defRPr kumimoji="0" sz="1800" b="0" i="0" u="none" strike="noStrike" cap="none" spc="0" normalizeH="0" baseline="0">
             <a:ln>
               <a:noFill/>
             </a:ln>
@@ -8864,7 +11266,7 @@
           <a:buFontTx/>
           <a:buNone/>
           <a:tabLst/>
-          <a:defRPr b="0" baseline="0" cap="none" i="0" spc="0" strike="noStrike" sz="1800" u="none" kumimoji="0" normalizeH="0">
+          <a:defRPr kumimoji="0" sz="1800" b="0" i="0" u="none" strike="noStrike" cap="none" spc="0" normalizeH="0" baseline="0">
             <a:ln>
               <a:noFill/>
             </a:ln>
@@ -8890,7 +11292,7 @@
           <a:buFontTx/>
           <a:buNone/>
           <a:tabLst/>
-          <a:defRPr b="0" baseline="0" cap="none" i="0" spc="0" strike="noStrike" sz="1800" u="none" kumimoji="0" normalizeH="0">
+          <a:defRPr kumimoji="0" sz="1800" b="0" i="0" u="none" strike="noStrike" cap="none" spc="0" normalizeH="0" baseline="0">
             <a:ln>
               <a:noFill/>
             </a:ln>
@@ -8916,7 +11318,7 @@
           <a:buFontTx/>
           <a:buNone/>
           <a:tabLst/>
-          <a:defRPr b="0" baseline="0" cap="none" i="0" spc="0" strike="noStrike" sz="1800" u="none" kumimoji="0" normalizeH="0">
+          <a:defRPr kumimoji="0" sz="1800" b="0" i="0" u="none" strike="noStrike" cap="none" spc="0" normalizeH="0" baseline="0">
             <a:ln>
               <a:noFill/>
             </a:ln>
@@ -8942,7 +11344,7 @@
           <a:buFontTx/>
           <a:buNone/>
           <a:tabLst/>
-          <a:defRPr b="0" baseline="0" cap="none" i="0" spc="0" strike="noStrike" sz="1800" u="none" kumimoji="0" normalizeH="0">
+          <a:defRPr kumimoji="0" sz="1800" b="0" i="0" u="none" strike="noStrike" cap="none" spc="0" normalizeH="0" baseline="0">
             <a:ln>
               <a:noFill/>
             </a:ln>
@@ -8968,7 +11370,7 @@
           <a:buFontTx/>
           <a:buNone/>
           <a:tabLst/>
-          <a:defRPr b="0" baseline="0" cap="none" i="0" spc="0" strike="noStrike" sz="1800" u="none" kumimoji="0" normalizeH="0">
+          <a:defRPr kumimoji="0" sz="1800" b="0" i="0" u="none" strike="noStrike" cap="none" spc="0" normalizeH="0" baseline="0">
             <a:ln>
               <a:noFill/>
             </a:ln>
@@ -8994,7 +11396,7 @@
           <a:buFontTx/>
           <a:buNone/>
           <a:tabLst/>
-          <a:defRPr b="0" baseline="0" cap="none" i="0" spc="0" strike="noStrike" sz="1800" u="none" kumimoji="0" normalizeH="0">
+          <a:defRPr kumimoji="0" sz="1800" b="0" i="0" u="none" strike="noStrike" cap="none" spc="0" normalizeH="0" baseline="0">
             <a:ln>
               <a:noFill/>
             </a:ln>
@@ -9007,9 +11409,15 @@
         </a:lvl9pPr>
       </a:lstStyle>
       <a:style>
-        <a:lnRef idx="0"/>
-        <a:fillRef idx="0"/>
-        <a:effectRef idx="0"/>
+        <a:lnRef idx="0">
+          <a:scrgbClr r="0" g="0" b="0"/>
+        </a:lnRef>
+        <a:fillRef idx="0">
+          <a:scrgbClr r="0" g="0" b="0"/>
+        </a:fillRef>
+        <a:effectRef idx="0">
+          <a:scrgbClr r="0" g="0" b="0"/>
+        </a:effectRef>
         <a:fontRef idx="none"/>
       </a:style>
     </a:lnDef>
@@ -9023,7 +11431,7 @@
         <a:effectLst/>
         <a:sp3d/>
       </a:spPr>
-      <a:bodyPr rot="0" spcFirstLastPara="1" vertOverflow="overflow" horzOverflow="overflow" vert="horz" wrap="square" lIns="50800" tIns="50800" rIns="50800" bIns="50800" numCol="1" spcCol="38100" rtlCol="0" anchor="ctr" upright="0">
+      <a:bodyPr rot="0" spcFirstLastPara="1" vertOverflow="overflow" horzOverflow="overflow" vert="horz" wrap="square" lIns="50800" tIns="50800" rIns="50800" bIns="50800" numCol="1" spcCol="38100" rtlCol="0" anchor="ctr">
         <a:spAutoFit/>
       </a:bodyPr>
       <a:lstStyle>
@@ -9042,7 +11450,7 @@
           <a:buFontTx/>
           <a:buNone/>
           <a:tabLst/>
-          <a:defRPr b="0" baseline="0" cap="none" i="0" spc="0" strike="noStrike" sz="5000" u="none" kumimoji="0" normalizeH="0">
+          <a:defRPr kumimoji="0" sz="5000" b="0" i="0" u="none" strike="noStrike" cap="none" spc="0" normalizeH="0" baseline="0">
             <a:ln>
               <a:noFill/>
             </a:ln>
@@ -9072,7 +11480,7 @@
           <a:buFontTx/>
           <a:buNone/>
           <a:tabLst/>
-          <a:defRPr b="0" baseline="0" cap="none" i="0" spc="0" strike="noStrike" sz="1800" u="none" kumimoji="0" normalizeH="0">
+          <a:defRPr kumimoji="0" sz="1800" b="0" i="0" u="none" strike="noStrike" cap="none" spc="0" normalizeH="0" baseline="0">
             <a:ln>
               <a:noFill/>
             </a:ln>
@@ -9098,7 +11506,7 @@
           <a:buFontTx/>
           <a:buNone/>
           <a:tabLst/>
-          <a:defRPr b="0" baseline="0" cap="none" i="0" spc="0" strike="noStrike" sz="1800" u="none" kumimoji="0" normalizeH="0">
+          <a:defRPr kumimoji="0" sz="1800" b="0" i="0" u="none" strike="noStrike" cap="none" spc="0" normalizeH="0" baseline="0">
             <a:ln>
               <a:noFill/>
             </a:ln>
@@ -9124,7 +11532,7 @@
           <a:buFontTx/>
           <a:buNone/>
           <a:tabLst/>
-          <a:defRPr b="0" baseline="0" cap="none" i="0" spc="0" strike="noStrike" sz="1800" u="none" kumimoji="0" normalizeH="0">
+          <a:defRPr kumimoji="0" sz="1800" b="0" i="0" u="none" strike="noStrike" cap="none" spc="0" normalizeH="0" baseline="0">
             <a:ln>
               <a:noFill/>
             </a:ln>
@@ -9150,7 +11558,7 @@
           <a:buFontTx/>
           <a:buNone/>
           <a:tabLst/>
-          <a:defRPr b="0" baseline="0" cap="none" i="0" spc="0" strike="noStrike" sz="1800" u="none" kumimoji="0" normalizeH="0">
+          <a:defRPr kumimoji="0" sz="1800" b="0" i="0" u="none" strike="noStrike" cap="none" spc="0" normalizeH="0" baseline="0">
             <a:ln>
               <a:noFill/>
             </a:ln>
@@ -9176,7 +11584,7 @@
           <a:buFontTx/>
           <a:buNone/>
           <a:tabLst/>
-          <a:defRPr b="0" baseline="0" cap="none" i="0" spc="0" strike="noStrike" sz="1800" u="none" kumimoji="0" normalizeH="0">
+          <a:defRPr kumimoji="0" sz="1800" b="0" i="0" u="none" strike="noStrike" cap="none" spc="0" normalizeH="0" baseline="0">
             <a:ln>
               <a:noFill/>
             </a:ln>
@@ -9202,7 +11610,7 @@
           <a:buFontTx/>
           <a:buNone/>
           <a:tabLst/>
-          <a:defRPr b="0" baseline="0" cap="none" i="0" spc="0" strike="noStrike" sz="1800" u="none" kumimoji="0" normalizeH="0">
+          <a:defRPr kumimoji="0" sz="1800" b="0" i="0" u="none" strike="noStrike" cap="none" spc="0" normalizeH="0" baseline="0">
             <a:ln>
               <a:noFill/>
             </a:ln>
@@ -9228,7 +11636,7 @@
           <a:buFontTx/>
           <a:buNone/>
           <a:tabLst/>
-          <a:defRPr b="0" baseline="0" cap="none" i="0" spc="0" strike="noStrike" sz="1800" u="none" kumimoji="0" normalizeH="0">
+          <a:defRPr kumimoji="0" sz="1800" b="0" i="0" u="none" strike="noStrike" cap="none" spc="0" normalizeH="0" baseline="0">
             <a:ln>
               <a:noFill/>
             </a:ln>
@@ -9254,7 +11662,7 @@
           <a:buFontTx/>
           <a:buNone/>
           <a:tabLst/>
-          <a:defRPr b="0" baseline="0" cap="none" i="0" spc="0" strike="noStrike" sz="1800" u="none" kumimoji="0" normalizeH="0">
+          <a:defRPr kumimoji="0" sz="1800" b="0" i="0" u="none" strike="noStrike" cap="none" spc="0" normalizeH="0" baseline="0">
             <a:ln>
               <a:noFill/>
             </a:ln>
@@ -9280,7 +11688,7 @@
           <a:buFontTx/>
           <a:buNone/>
           <a:tabLst/>
-          <a:defRPr b="0" baseline="0" cap="none" i="0" spc="0" strike="noStrike" sz="1800" u="none" kumimoji="0" normalizeH="0">
+          <a:defRPr kumimoji="0" sz="1800" b="0" i="0" u="none" strike="noStrike" cap="none" spc="0" normalizeH="0" baseline="0">
             <a:ln>
               <a:noFill/>
             </a:ln>
@@ -9293,18 +11701,25 @@
         </a:lvl9pPr>
       </a:lstStyle>
       <a:style>
-        <a:lnRef idx="0"/>
-        <a:fillRef idx="0"/>
-        <a:effectRef idx="0"/>
+        <a:lnRef idx="0">
+          <a:scrgbClr r="0" g="0" b="0"/>
+        </a:lnRef>
+        <a:fillRef idx="0">
+          <a:scrgbClr r="0" g="0" b="0"/>
+        </a:fillRef>
+        <a:effectRef idx="0">
+          <a:scrgbClr r="0" g="0" b="0"/>
+        </a:effectRef>
         <a:fontRef idx="none"/>
       </a:style>
     </a:txDef>
   </a:objectDefaults>
+  <a:extraClrSchemeLst/>
 </a:theme>
 </file>
 
 <file path=ppt/theme/theme2.xml><?xml version="1.0" encoding="utf-8"?>
-<a:theme xmlns:a="http://schemas.openxmlformats.org/drawingml/2006/main" xmlns:r="http://schemas.openxmlformats.org/officeDocument/2006/relationships" name="White">
+<a:theme xmlns:a="http://schemas.openxmlformats.org/drawingml/2006/main" name="White">
   <a:themeElements>
     <a:clrScheme name="White">
       <a:dk1>
@@ -9430,7 +11845,7 @@
       <a:effectStyleLst>
         <a:effectStyle>
           <a:effectLst>
-            <a:outerShdw sx="100000" sy="100000" kx="0" ky="0" algn="b" rotWithShape="0" blurRad="38100" dist="25400" dir="5400000">
+            <a:outerShdw blurRad="38100" dist="25400" dir="5400000" rotWithShape="0">
               <a:srgbClr val="000000">
                 <a:alpha val="50000"/>
               </a:srgbClr>
@@ -9439,7 +11854,7 @@
         </a:effectStyle>
         <a:effectStyle>
           <a:effectLst>
-            <a:outerShdw sx="100000" sy="100000" kx="0" ky="0" algn="b" rotWithShape="0" blurRad="50800" dist="12700" dir="0">
+            <a:outerShdw blurRad="50800" dist="12700" rotWithShape="0">
               <a:srgbClr val="000000">
                 <a:alpha val="50000"/>
               </a:srgbClr>
@@ -9448,7 +11863,7 @@
         </a:effectStyle>
         <a:effectStyle>
           <a:effectLst>
-            <a:outerShdw sx="100000" sy="100000" kx="0" ky="0" algn="b" rotWithShape="0" blurRad="38100" dist="25400" dir="5400000">
+            <a:outerShdw blurRad="38100" dist="25400" dir="5400000" rotWithShape="0">
               <a:srgbClr val="000000">
                 <a:alpha val="50000"/>
               </a:srgbClr>
@@ -9512,8 +11927,8 @@
     <a:spDef>
       <a:spPr>
         <a:blipFill rotWithShape="1">
-          <a:blip r:embed="rId1"/>
-          <a:srcRect l="0" t="0" r="0" b="0"/>
+          <a:blip xmlns:r="http://schemas.openxmlformats.org/officeDocument/2006/relationships" r:embed="rId1"/>
+          <a:srcRect/>
           <a:tile tx="0" ty="0" sx="100000" sy="100000" flip="none" algn="tl"/>
         </a:blipFill>
         <a:ln w="12700" cap="flat">
@@ -9521,7 +11936,7 @@
           <a:miter lim="400000"/>
         </a:ln>
         <a:effectLst>
-          <a:outerShdw sx="100000" sy="100000" kx="0" ky="0" algn="b" rotWithShape="0" blurRad="38100" dist="25400" dir="5400000">
+          <a:outerShdw blurRad="38100" dist="25400" dir="5400000" rotWithShape="0">
             <a:srgbClr val="000000">
               <a:alpha val="50000"/>
             </a:srgbClr>
@@ -9529,7 +11944,7 @@
         </a:effectLst>
         <a:sp3d/>
       </a:spPr>
-      <a:bodyPr rot="0" spcFirstLastPara="1" vertOverflow="overflow" horzOverflow="overflow" vert="horz" wrap="square" lIns="50800" tIns="50800" rIns="50800" bIns="50800" numCol="1" spcCol="38100" rtlCol="0" anchor="ctr" upright="0">
+      <a:bodyPr rot="0" spcFirstLastPara="1" vertOverflow="overflow" horzOverflow="overflow" vert="horz" wrap="square" lIns="50800" tIns="50800" rIns="50800" bIns="50800" numCol="1" spcCol="38100" rtlCol="0" anchor="ctr">
         <a:spAutoFit/>
       </a:bodyPr>
       <a:lstStyle>
@@ -9548,7 +11963,7 @@
           <a:buFontTx/>
           <a:buNone/>
           <a:tabLst/>
-          <a:defRPr b="0" baseline="0" cap="none" i="0" spc="0" strike="noStrike" sz="3200" u="none" kumimoji="0" normalizeH="0">
+          <a:defRPr kumimoji="0" sz="3200" b="0" i="0" u="none" strike="noStrike" cap="none" spc="0" normalizeH="0" baseline="0">
             <a:ln>
               <a:noFill/>
             </a:ln>
@@ -9578,7 +11993,7 @@
           <a:buFontTx/>
           <a:buNone/>
           <a:tabLst/>
-          <a:defRPr b="0" baseline="0" cap="none" i="0" spc="0" strike="noStrike" sz="1800" u="none" kumimoji="0" normalizeH="0">
+          <a:defRPr kumimoji="0" sz="1800" b="0" i="0" u="none" strike="noStrike" cap="none" spc="0" normalizeH="0" baseline="0">
             <a:ln>
               <a:noFill/>
             </a:ln>
@@ -9604,7 +12019,7 @@
           <a:buFontTx/>
           <a:buNone/>
           <a:tabLst/>
-          <a:defRPr b="0" baseline="0" cap="none" i="0" spc="0" strike="noStrike" sz="1800" u="none" kumimoji="0" normalizeH="0">
+          <a:defRPr kumimoji="0" sz="1800" b="0" i="0" u="none" strike="noStrike" cap="none" spc="0" normalizeH="0" baseline="0">
             <a:ln>
               <a:noFill/>
             </a:ln>
@@ -9630,7 +12045,7 @@
           <a:buFontTx/>
           <a:buNone/>
           <a:tabLst/>
-          <a:defRPr b="0" baseline="0" cap="none" i="0" spc="0" strike="noStrike" sz="1800" u="none" kumimoji="0" normalizeH="0">
+          <a:defRPr kumimoji="0" sz="1800" b="0" i="0" u="none" strike="noStrike" cap="none" spc="0" normalizeH="0" baseline="0">
             <a:ln>
               <a:noFill/>
             </a:ln>
@@ -9656,7 +12071,7 @@
           <a:buFontTx/>
           <a:buNone/>
           <a:tabLst/>
-          <a:defRPr b="0" baseline="0" cap="none" i="0" spc="0" strike="noStrike" sz="1800" u="none" kumimoji="0" normalizeH="0">
+          <a:defRPr kumimoji="0" sz="1800" b="0" i="0" u="none" strike="noStrike" cap="none" spc="0" normalizeH="0" baseline="0">
             <a:ln>
               <a:noFill/>
             </a:ln>
@@ -9682,7 +12097,7 @@
           <a:buFontTx/>
           <a:buNone/>
           <a:tabLst/>
-          <a:defRPr b="0" baseline="0" cap="none" i="0" spc="0" strike="noStrike" sz="1800" u="none" kumimoji="0" normalizeH="0">
+          <a:defRPr kumimoji="0" sz="1800" b="0" i="0" u="none" strike="noStrike" cap="none" spc="0" normalizeH="0" baseline="0">
             <a:ln>
               <a:noFill/>
             </a:ln>
@@ -9708,7 +12123,7 @@
           <a:buFontTx/>
           <a:buNone/>
           <a:tabLst/>
-          <a:defRPr b="0" baseline="0" cap="none" i="0" spc="0" strike="noStrike" sz="1800" u="none" kumimoji="0" normalizeH="0">
+          <a:defRPr kumimoji="0" sz="1800" b="0" i="0" u="none" strike="noStrike" cap="none" spc="0" normalizeH="0" baseline="0">
             <a:ln>
               <a:noFill/>
             </a:ln>
@@ -9734,7 +12149,7 @@
           <a:buFontTx/>
           <a:buNone/>
           <a:tabLst/>
-          <a:defRPr b="0" baseline="0" cap="none" i="0" spc="0" strike="noStrike" sz="1800" u="none" kumimoji="0" normalizeH="0">
+          <a:defRPr kumimoji="0" sz="1800" b="0" i="0" u="none" strike="noStrike" cap="none" spc="0" normalizeH="0" baseline="0">
             <a:ln>
               <a:noFill/>
             </a:ln>
@@ -9760,7 +12175,7 @@
           <a:buFontTx/>
           <a:buNone/>
           <a:tabLst/>
-          <a:defRPr b="0" baseline="0" cap="none" i="0" spc="0" strike="noStrike" sz="1800" u="none" kumimoji="0" normalizeH="0">
+          <a:defRPr kumimoji="0" sz="1800" b="0" i="0" u="none" strike="noStrike" cap="none" spc="0" normalizeH="0" baseline="0">
             <a:ln>
               <a:noFill/>
             </a:ln>
@@ -9786,7 +12201,7 @@
           <a:buFontTx/>
           <a:buNone/>
           <a:tabLst/>
-          <a:defRPr b="0" baseline="0" cap="none" i="0" spc="0" strike="noStrike" sz="1800" u="none" kumimoji="0" normalizeH="0">
+          <a:defRPr kumimoji="0" sz="1800" b="0" i="0" u="none" strike="noStrike" cap="none" spc="0" normalizeH="0" baseline="0">
             <a:ln>
               <a:noFill/>
             </a:ln>
@@ -9799,9 +12214,15 @@
         </a:lvl9pPr>
       </a:lstStyle>
       <a:style>
-        <a:lnRef idx="0"/>
-        <a:fillRef idx="0"/>
-        <a:effectRef idx="0"/>
+        <a:lnRef idx="0">
+          <a:scrgbClr r="0" g="0" b="0"/>
+        </a:lnRef>
+        <a:fillRef idx="0">
+          <a:scrgbClr r="0" g="0" b="0"/>
+        </a:fillRef>
+        <a:effectRef idx="0">
+          <a:scrgbClr r="0" g="0" b="0"/>
+        </a:effectRef>
         <a:fontRef idx="none"/>
       </a:style>
     </a:spDef>
@@ -9818,7 +12239,7 @@
         <a:effectLst/>
         <a:sp3d/>
       </a:spPr>
-      <a:bodyPr rot="0" spcFirstLastPara="1" vertOverflow="overflow" horzOverflow="overflow" vert="horz" wrap="square" lIns="91439" tIns="45719" rIns="91439" bIns="45719" numCol="1" spcCol="38100" rtlCol="0" anchor="t" upright="0">
+      <a:bodyPr rot="0" spcFirstLastPara="1" vertOverflow="overflow" horzOverflow="overflow" vert="horz" wrap="square" lIns="91439" tIns="45719" rIns="91439" bIns="45719" numCol="1" spcCol="38100" rtlCol="0" anchor="t">
         <a:noAutofit/>
       </a:bodyPr>
       <a:lstStyle>
@@ -9837,7 +12258,7 @@
           <a:buFontTx/>
           <a:buNone/>
           <a:tabLst/>
-          <a:defRPr b="0" baseline="0" cap="none" i="0" spc="0" strike="noStrike" sz="1800" u="none" kumimoji="0" normalizeH="0">
+          <a:defRPr kumimoji="0" sz="1800" b="0" i="0" u="none" strike="noStrike" cap="none" spc="0" normalizeH="0" baseline="0">
             <a:ln>
               <a:noFill/>
             </a:ln>
@@ -9863,7 +12284,7 @@
           <a:buFontTx/>
           <a:buNone/>
           <a:tabLst/>
-          <a:defRPr b="0" baseline="0" cap="none" i="0" spc="0" strike="noStrike" sz="1800" u="none" kumimoji="0" normalizeH="0">
+          <a:defRPr kumimoji="0" sz="1800" b="0" i="0" u="none" strike="noStrike" cap="none" spc="0" normalizeH="0" baseline="0">
             <a:ln>
               <a:noFill/>
             </a:ln>
@@ -9889,7 +12310,7 @@
           <a:buFontTx/>
           <a:buNone/>
           <a:tabLst/>
-          <a:defRPr b="0" baseline="0" cap="none" i="0" spc="0" strike="noStrike" sz="1800" u="none" kumimoji="0" normalizeH="0">
+          <a:defRPr kumimoji="0" sz="1800" b="0" i="0" u="none" strike="noStrike" cap="none" spc="0" normalizeH="0" baseline="0">
             <a:ln>
               <a:noFill/>
             </a:ln>
@@ -9915,7 +12336,7 @@
           <a:buFontTx/>
           <a:buNone/>
           <a:tabLst/>
-          <a:defRPr b="0" baseline="0" cap="none" i="0" spc="0" strike="noStrike" sz="1800" u="none" kumimoji="0" normalizeH="0">
+          <a:defRPr kumimoji="0" sz="1800" b="0" i="0" u="none" strike="noStrike" cap="none" spc="0" normalizeH="0" baseline="0">
             <a:ln>
               <a:noFill/>
             </a:ln>
@@ -9941,7 +12362,7 @@
           <a:buFontTx/>
           <a:buNone/>
           <a:tabLst/>
-          <a:defRPr b="0" baseline="0" cap="none" i="0" spc="0" strike="noStrike" sz="1800" u="none" kumimoji="0" normalizeH="0">
+          <a:defRPr kumimoji="0" sz="1800" b="0" i="0" u="none" strike="noStrike" cap="none" spc="0" normalizeH="0" baseline="0">
             <a:ln>
               <a:noFill/>
             </a:ln>
@@ -9967,7 +12388,7 @@
           <a:buFontTx/>
           <a:buNone/>
           <a:tabLst/>
-          <a:defRPr b="0" baseline="0" cap="none" i="0" spc="0" strike="noStrike" sz="1800" u="none" kumimoji="0" normalizeH="0">
+          <a:defRPr kumimoji="0" sz="1800" b="0" i="0" u="none" strike="noStrike" cap="none" spc="0" normalizeH="0" baseline="0">
             <a:ln>
               <a:noFill/>
             </a:ln>
@@ -9993,7 +12414,7 @@
           <a:buFontTx/>
           <a:buNone/>
           <a:tabLst/>
-          <a:defRPr b="0" baseline="0" cap="none" i="0" spc="0" strike="noStrike" sz="1800" u="none" kumimoji="0" normalizeH="0">
+          <a:defRPr kumimoji="0" sz="1800" b="0" i="0" u="none" strike="noStrike" cap="none" spc="0" normalizeH="0" baseline="0">
             <a:ln>
               <a:noFill/>
             </a:ln>
@@ -10019,7 +12440,7 @@
           <a:buFontTx/>
           <a:buNone/>
           <a:tabLst/>
-          <a:defRPr b="0" baseline="0" cap="none" i="0" spc="0" strike="noStrike" sz="1800" u="none" kumimoji="0" normalizeH="0">
+          <a:defRPr kumimoji="0" sz="1800" b="0" i="0" u="none" strike="noStrike" cap="none" spc="0" normalizeH="0" baseline="0">
             <a:ln>
               <a:noFill/>
             </a:ln>
@@ -10045,7 +12466,7 @@
           <a:buFontTx/>
           <a:buNone/>
           <a:tabLst/>
-          <a:defRPr b="0" baseline="0" cap="none" i="0" spc="0" strike="noStrike" sz="1800" u="none" kumimoji="0" normalizeH="0">
+          <a:defRPr kumimoji="0" sz="1800" b="0" i="0" u="none" strike="noStrike" cap="none" spc="0" normalizeH="0" baseline="0">
             <a:ln>
               <a:noFill/>
             </a:ln>
@@ -10071,7 +12492,7 @@
           <a:buFontTx/>
           <a:buNone/>
           <a:tabLst/>
-          <a:defRPr b="0" baseline="0" cap="none" i="0" spc="0" strike="noStrike" sz="1800" u="none" kumimoji="0" normalizeH="0">
+          <a:defRPr kumimoji="0" sz="1800" b="0" i="0" u="none" strike="noStrike" cap="none" spc="0" normalizeH="0" baseline="0">
             <a:ln>
               <a:noFill/>
             </a:ln>
@@ -10084,9 +12505,15 @@
         </a:lvl9pPr>
       </a:lstStyle>
       <a:style>
-        <a:lnRef idx="0"/>
-        <a:fillRef idx="0"/>
-        <a:effectRef idx="0"/>
+        <a:lnRef idx="0">
+          <a:scrgbClr r="0" g="0" b="0"/>
+        </a:lnRef>
+        <a:fillRef idx="0">
+          <a:scrgbClr r="0" g="0" b="0"/>
+        </a:fillRef>
+        <a:effectRef idx="0">
+          <a:scrgbClr r="0" g="0" b="0"/>
+        </a:effectRef>
         <a:fontRef idx="none"/>
       </a:style>
     </a:lnDef>
@@ -10100,7 +12527,7 @@
         <a:effectLst/>
         <a:sp3d/>
       </a:spPr>
-      <a:bodyPr rot="0" spcFirstLastPara="1" vertOverflow="overflow" horzOverflow="overflow" vert="horz" wrap="square" lIns="50800" tIns="50800" rIns="50800" bIns="50800" numCol="1" spcCol="38100" rtlCol="0" anchor="ctr" upright="0">
+      <a:bodyPr rot="0" spcFirstLastPara="1" vertOverflow="overflow" horzOverflow="overflow" vert="horz" wrap="square" lIns="50800" tIns="50800" rIns="50800" bIns="50800" numCol="1" spcCol="38100" rtlCol="0" anchor="ctr">
         <a:spAutoFit/>
       </a:bodyPr>
       <a:lstStyle>
@@ -10119,7 +12546,7 @@
           <a:buFontTx/>
           <a:buNone/>
           <a:tabLst/>
-          <a:defRPr b="0" baseline="0" cap="none" i="0" spc="0" strike="noStrike" sz="5000" u="none" kumimoji="0" normalizeH="0">
+          <a:defRPr kumimoji="0" sz="5000" b="0" i="0" u="none" strike="noStrike" cap="none" spc="0" normalizeH="0" baseline="0">
             <a:ln>
               <a:noFill/>
             </a:ln>
@@ -10149,7 +12576,7 @@
           <a:buFontTx/>
           <a:buNone/>
           <a:tabLst/>
-          <a:defRPr b="0" baseline="0" cap="none" i="0" spc="0" strike="noStrike" sz="1800" u="none" kumimoji="0" normalizeH="0">
+          <a:defRPr kumimoji="0" sz="1800" b="0" i="0" u="none" strike="noStrike" cap="none" spc="0" normalizeH="0" baseline="0">
             <a:ln>
               <a:noFill/>
             </a:ln>
@@ -10175,7 +12602,7 @@
           <a:buFontTx/>
           <a:buNone/>
           <a:tabLst/>
-          <a:defRPr b="0" baseline="0" cap="none" i="0" spc="0" strike="noStrike" sz="1800" u="none" kumimoji="0" normalizeH="0">
+          <a:defRPr kumimoji="0" sz="1800" b="0" i="0" u="none" strike="noStrike" cap="none" spc="0" normalizeH="0" baseline="0">
             <a:ln>
               <a:noFill/>
             </a:ln>
@@ -10201,7 +12628,7 @@
           <a:buFontTx/>
           <a:buNone/>
           <a:tabLst/>
-          <a:defRPr b="0" baseline="0" cap="none" i="0" spc="0" strike="noStrike" sz="1800" u="none" kumimoji="0" normalizeH="0">
+          <a:defRPr kumimoji="0" sz="1800" b="0" i="0" u="none" strike="noStrike" cap="none" spc="0" normalizeH="0" baseline="0">
             <a:ln>
               <a:noFill/>
             </a:ln>
@@ -10227,7 +12654,7 @@
           <a:buFontTx/>
           <a:buNone/>
           <a:tabLst/>
-          <a:defRPr b="0" baseline="0" cap="none" i="0" spc="0" strike="noStrike" sz="1800" u="none" kumimoji="0" normalizeH="0">
+          <a:defRPr kumimoji="0" sz="1800" b="0" i="0" u="none" strike="noStrike" cap="none" spc="0" normalizeH="0" baseline="0">
             <a:ln>
               <a:noFill/>
             </a:ln>
@@ -10253,7 +12680,7 @@
           <a:buFontTx/>
           <a:buNone/>
           <a:tabLst/>
-          <a:defRPr b="0" baseline="0" cap="none" i="0" spc="0" strike="noStrike" sz="1800" u="none" kumimoji="0" normalizeH="0">
+          <a:defRPr kumimoji="0" sz="1800" b="0" i="0" u="none" strike="noStrike" cap="none" spc="0" normalizeH="0" baseline="0">
             <a:ln>
               <a:noFill/>
             </a:ln>
@@ -10279,7 +12706,7 @@
           <a:buFontTx/>
           <a:buNone/>
           <a:tabLst/>
-          <a:defRPr b="0" baseline="0" cap="none" i="0" spc="0" strike="noStrike" sz="1800" u="none" kumimoji="0" normalizeH="0">
+          <a:defRPr kumimoji="0" sz="1800" b="0" i="0" u="none" strike="noStrike" cap="none" spc="0" normalizeH="0" baseline="0">
             <a:ln>
               <a:noFill/>
             </a:ln>
@@ -10305,7 +12732,7 @@
           <a:buFontTx/>
           <a:buNone/>
           <a:tabLst/>
-          <a:defRPr b="0" baseline="0" cap="none" i="0" spc="0" strike="noStrike" sz="1800" u="none" kumimoji="0" normalizeH="0">
+          <a:defRPr kumimoji="0" sz="1800" b="0" i="0" u="none" strike="noStrike" cap="none" spc="0" normalizeH="0" baseline="0">
             <a:ln>
               <a:noFill/>
             </a:ln>
@@ -10331,7 +12758,7 @@
           <a:buFontTx/>
           <a:buNone/>
           <a:tabLst/>
-          <a:defRPr b="0" baseline="0" cap="none" i="0" spc="0" strike="noStrike" sz="1800" u="none" kumimoji="0" normalizeH="0">
+          <a:defRPr kumimoji="0" sz="1800" b="0" i="0" u="none" strike="noStrike" cap="none" spc="0" normalizeH="0" baseline="0">
             <a:ln>
               <a:noFill/>
             </a:ln>
@@ -10357,7 +12784,7 @@
           <a:buFontTx/>
           <a:buNone/>
           <a:tabLst/>
-          <a:defRPr b="0" baseline="0" cap="none" i="0" spc="0" strike="noStrike" sz="1800" u="none" kumimoji="0" normalizeH="0">
+          <a:defRPr kumimoji="0" sz="1800" b="0" i="0" u="none" strike="noStrike" cap="none" spc="0" normalizeH="0" baseline="0">
             <a:ln>
               <a:noFill/>
             </a:ln>
@@ -10370,12 +12797,19 @@
         </a:lvl9pPr>
       </a:lstStyle>
       <a:style>
-        <a:lnRef idx="0"/>
-        <a:fillRef idx="0"/>
-        <a:effectRef idx="0"/>
+        <a:lnRef idx="0">
+          <a:scrgbClr r="0" g="0" b="0"/>
+        </a:lnRef>
+        <a:fillRef idx="0">
+          <a:scrgbClr r="0" g="0" b="0"/>
+        </a:fillRef>
+        <a:effectRef idx="0">
+          <a:scrgbClr r="0" g="0" b="0"/>
+        </a:effectRef>
         <a:fontRef idx="none"/>
       </a:style>
     </a:txDef>
   </a:objectDefaults>
+  <a:extraClrSchemeLst/>
 </a:theme>
 </file>
--- a/Decision Forests.pptx
+++ b/Decision Forests.pptx
@@ -5,7 +5,7 @@
     <p:sldMasterId id="2147483648" r:id="rId1"/>
   </p:sldMasterIdLst>
   <p:notesMasterIdLst>
-    <p:notesMasterId r:id="rId11"/>
+    <p:notesMasterId r:id="rId14"/>
   </p:notesMasterIdLst>
   <p:sldIdLst>
     <p:sldId id="256" r:id="rId2"/>
@@ -16,7 +16,10 @@
     <p:sldId id="267" r:id="rId7"/>
     <p:sldId id="266" r:id="rId8"/>
     <p:sldId id="269" r:id="rId9"/>
-    <p:sldId id="271" r:id="rId10"/>
+    <p:sldId id="270" r:id="rId10"/>
+    <p:sldId id="271" r:id="rId11"/>
+    <p:sldId id="272" r:id="rId12"/>
+    <p:sldId id="273" r:id="rId13"/>
   </p:sldIdLst>
   <p:sldSz cx="24384000" cy="13716000"/>
   <p:notesSz cx="6858000" cy="9144000"/>
@@ -331,14 +334,16 @@
             <p14:sldId id="267"/>
             <p14:sldId id="266"/>
             <p14:sldId id="269"/>
-          </p14:sldIdLst>
-        </p14:section>
-        <p14:section name="Раздел без заголовка" id="{0DAACB08-8EA7-417B-AF0F-94A629980747}">
-          <p14:sldIdLst>
+            <p14:sldId id="270"/>
             <p14:sldId id="271"/>
+            <p14:sldId id="272"/>
+            <p14:sldId id="273"/>
           </p14:sldIdLst>
         </p14:section>
       </p14:sectionLst>
+    </p:ext>
+    <p:ext uri="{EFAFB233-063F-42B5-8137-9DF3F51BA10A}">
+      <p15:sldGuideLst xmlns:p15="http://schemas.microsoft.com/office/powerpoint/2012/main"/>
     </p:ext>
   </p:extLst>
 </p:presentation>
@@ -2944,7 +2949,7 @@
           </a:ln>
           <a:extLst>
             <a:ext uri="{C572A759-6A51-4108-AA02-DFA0A04FC94B}">
-              <ma14:wrappingTextBoxFlag xmlns:ma14="http://schemas.microsoft.com/office/mac/drawingml/2011/main" xmlns="" val="1"/>
+              <ma14:wrappingTextBoxFlag xmlns="" xmlns:ma14="http://schemas.microsoft.com/office/mac/drawingml/2011/main" val="1"/>
             </a:ext>
           </a:extLst>
         </p:spPr>
@@ -3030,7 +3035,7 @@
           </a:ln>
           <a:extLst>
             <a:ext uri="{C572A759-6A51-4108-AA02-DFA0A04FC94B}">
-              <ma14:wrappingTextBoxFlag xmlns:ma14="http://schemas.microsoft.com/office/mac/drawingml/2011/main" xmlns="" val="1"/>
+              <ma14:wrappingTextBoxFlag xmlns="" xmlns:ma14="http://schemas.microsoft.com/office/mac/drawingml/2011/main" val="1"/>
             </a:ext>
           </a:extLst>
         </p:spPr>
@@ -3965,6 +3970,1060 @@
 </p:sld>
 </file>
 
+<file path=ppt/slides/slide10.xml><?xml version="1.0" encoding="utf-8"?>
+<p:sld xmlns:a="http://schemas.openxmlformats.org/drawingml/2006/main" xmlns:r="http://schemas.openxmlformats.org/officeDocument/2006/relationships" xmlns:p="http://schemas.openxmlformats.org/presentationml/2006/main">
+  <p:cSld>
+    <p:spTree>
+      <p:nvGrpSpPr>
+        <p:cNvPr id="1" name=""/>
+        <p:cNvGrpSpPr/>
+        <p:nvPr/>
+      </p:nvGrpSpPr>
+      <p:grpSpPr>
+        <a:xfrm>
+          <a:off x="0" y="0"/>
+          <a:ext cx="0" cy="0"/>
+          <a:chOff x="0" y="0"/>
+          <a:chExt cx="0" cy="0"/>
+        </a:xfrm>
+      </p:grpSpPr>
+      <p:pic>
+        <p:nvPicPr>
+          <p:cNvPr id="153" name="image1.jpeg"/>
+          <p:cNvPicPr>
+            <a:picLocks noChangeAspect="1"/>
+          </p:cNvPicPr>
+          <p:nvPr/>
+        </p:nvPicPr>
+        <p:blipFill>
+          <a:blip r:embed="rId2">
+            <a:extLst/>
+          </a:blip>
+          <a:srcRect b="9506"/>
+          <a:stretch>
+            <a:fillRect/>
+          </a:stretch>
+        </p:blipFill>
+        <p:spPr>
+          <a:xfrm>
+            <a:off x="0" y="-1"/>
+            <a:ext cx="24384000" cy="14651667"/>
+          </a:xfrm>
+          <a:prstGeom prst="rect">
+            <a:avLst/>
+          </a:prstGeom>
+          <a:ln w="12700">
+            <a:miter lim="400000"/>
+          </a:ln>
+        </p:spPr>
+      </p:pic>
+      <p:sp>
+        <p:nvSpPr>
+          <p:cNvPr id="154" name="Shape 154"/>
+          <p:cNvSpPr/>
+          <p:nvPr/>
+        </p:nvSpPr>
+        <p:spPr>
+          <a:xfrm>
+            <a:off x="-4" y="2"/>
+            <a:ext cx="24374906" cy="14651664"/>
+          </a:xfrm>
+          <a:prstGeom prst="rect">
+            <a:avLst/>
+          </a:prstGeom>
+          <a:solidFill>
+            <a:srgbClr val="000000">
+              <a:alpha val="64999"/>
+            </a:srgbClr>
+          </a:solidFill>
+          <a:ln w="12700">
+            <a:miter lim="400000"/>
+          </a:ln>
+        </p:spPr>
+        <p:txBody>
+          <a:bodyPr lIns="50800" tIns="50800" rIns="50800" bIns="50800" anchor="ctr"/>
+          <a:lstStyle/>
+          <a:p>
+            <a:pPr defTabSz="1828800">
+              <a:defRPr sz="3600">
+                <a:solidFill>
+                  <a:srgbClr val="FFFFFF"/>
+                </a:solidFill>
+                <a:latin typeface="Calibri"/>
+                <a:ea typeface="Calibri"/>
+                <a:cs typeface="Calibri"/>
+                <a:sym typeface="Calibri"/>
+              </a:defRPr>
+            </a:pPr>
+            <a:endParaRPr/>
+          </a:p>
+        </p:txBody>
+      </p:sp>
+      <p:sp>
+        <p:nvSpPr>
+          <p:cNvPr id="155" name="Shape 155"/>
+          <p:cNvSpPr/>
+          <p:nvPr/>
+        </p:nvSpPr>
+        <p:spPr>
+          <a:xfrm>
+            <a:off x="1146415" y="6155328"/>
+            <a:ext cx="17280130" cy="2215987"/>
+          </a:xfrm>
+          <a:prstGeom prst="rect">
+            <a:avLst/>
+          </a:prstGeom>
+          <a:ln w="12700">
+            <a:miter lim="400000"/>
+          </a:ln>
+          <a:extLst>
+            <a:ext uri="{C572A759-6A51-4108-AA02-DFA0A04FC94B}">
+              <ma14:wrappingTextBoxFlag xmlns="" xmlns:ma14="http://schemas.microsoft.com/office/mac/drawingml/2011/main" val="1"/>
+            </a:ext>
+          </a:extLst>
+        </p:spPr>
+        <p:txBody>
+          <a:bodyPr wrap="square" lIns="91438" tIns="91438" rIns="91438" bIns="91438">
+            <a:spAutoFit/>
+          </a:bodyPr>
+          <a:lstStyle>
+            <a:lvl1pPr algn="l" defTabSz="1828800">
+              <a:defRPr sz="13200">
+                <a:solidFill>
+                  <a:srgbClr val="FFFFFF"/>
+                </a:solidFill>
+                <a:latin typeface="Gotham"/>
+                <a:ea typeface="Gotham"/>
+                <a:cs typeface="Gotham"/>
+                <a:sym typeface="Gotham"/>
+              </a:defRPr>
+            </a:lvl1pPr>
+          </a:lstStyle>
+          <a:p>
+            <a:r>
+              <a:rPr lang="en-US" dirty="0" err="1" smtClean="0"/>
+              <a:t>Impementation</a:t>
+            </a:r>
+            <a:endParaRPr lang="en-US" dirty="0" smtClean="0"/>
+          </a:p>
+        </p:txBody>
+      </p:sp>
+    </p:spTree>
+    <p:extLst>
+      <p:ext uri="{BB962C8B-B14F-4D97-AF65-F5344CB8AC3E}">
+        <p14:creationId xmlns:p14="http://schemas.microsoft.com/office/powerpoint/2010/main" val="41331247"/>
+      </p:ext>
+    </p:extLst>
+  </p:cSld>
+  <p:clrMapOvr>
+    <a:masterClrMapping/>
+  </p:clrMapOvr>
+  <p:transition spd="med"/>
+</p:sld>
+</file>
+
+<file path=ppt/slides/slide11.xml><?xml version="1.0" encoding="utf-8"?>
+<p:sld xmlns:a="http://schemas.openxmlformats.org/drawingml/2006/main" xmlns:r="http://schemas.openxmlformats.org/officeDocument/2006/relationships" xmlns:p="http://schemas.openxmlformats.org/presentationml/2006/main">
+  <p:cSld>
+    <p:spTree>
+      <p:nvGrpSpPr>
+        <p:cNvPr id="1" name=""/>
+        <p:cNvGrpSpPr/>
+        <p:nvPr/>
+      </p:nvGrpSpPr>
+      <p:grpSpPr>
+        <a:xfrm>
+          <a:off x="0" y="0"/>
+          <a:ext cx="0" cy="0"/>
+          <a:chOff x="0" y="0"/>
+          <a:chExt cx="0" cy="0"/>
+        </a:xfrm>
+      </p:grpSpPr>
+      <p:grpSp>
+        <p:nvGrpSpPr>
+          <p:cNvPr id="224" name="Group 224"/>
+          <p:cNvGrpSpPr/>
+          <p:nvPr/>
+        </p:nvGrpSpPr>
+        <p:grpSpPr>
+          <a:xfrm>
+            <a:off x="-192858" y="12499340"/>
+            <a:ext cx="24769717" cy="1655518"/>
+            <a:chOff x="0" y="0"/>
+            <a:chExt cx="24769715" cy="1655517"/>
+          </a:xfrm>
+        </p:grpSpPr>
+        <p:sp>
+          <p:nvSpPr>
+            <p:cNvPr id="220" name="Shape 220"/>
+            <p:cNvSpPr/>
+            <p:nvPr/>
+          </p:nvSpPr>
+          <p:spPr>
+            <a:xfrm>
+              <a:off x="373053" y="0"/>
+              <a:ext cx="2735984" cy="1070834"/>
+            </a:xfrm>
+            <a:prstGeom prst="roundRect">
+              <a:avLst>
+                <a:gd name="adj" fmla="val 15566"/>
+              </a:avLst>
+            </a:prstGeom>
+            <a:solidFill>
+              <a:srgbClr val="5E0A7C"/>
+            </a:solidFill>
+            <a:ln w="12700" cap="flat">
+              <a:noFill/>
+              <a:miter lim="400000"/>
+            </a:ln>
+            <a:effectLst/>
+          </p:spPr>
+          <p:txBody>
+            <a:bodyPr wrap="square" lIns="50800" tIns="50800" rIns="50800" bIns="50800" numCol="1" anchor="ctr">
+              <a:noAutofit/>
+            </a:bodyPr>
+            <a:lstStyle/>
+            <a:p>
+              <a:pPr>
+                <a:defRPr sz="3200">
+                  <a:solidFill>
+                    <a:srgbClr val="FFFFFF"/>
+                  </a:solidFill>
+                </a:defRPr>
+              </a:pPr>
+              <a:endParaRPr/>
+            </a:p>
+          </p:txBody>
+        </p:sp>
+        <p:sp>
+          <p:nvSpPr>
+            <p:cNvPr id="221" name="Shape 221"/>
+            <p:cNvSpPr/>
+            <p:nvPr/>
+          </p:nvSpPr>
+          <p:spPr>
+            <a:xfrm>
+              <a:off x="-1" y="385516"/>
+              <a:ext cx="24769717" cy="1270002"/>
+            </a:xfrm>
+            <a:prstGeom prst="rect">
+              <a:avLst/>
+            </a:prstGeom>
+            <a:solidFill>
+              <a:srgbClr val="8CC118"/>
+            </a:solidFill>
+            <a:ln w="12700" cap="flat">
+              <a:noFill/>
+              <a:miter lim="400000"/>
+            </a:ln>
+            <a:effectLst/>
+          </p:spPr>
+          <p:txBody>
+            <a:bodyPr wrap="square" lIns="50800" tIns="50800" rIns="50800" bIns="50800" numCol="1" anchor="ctr">
+              <a:noAutofit/>
+            </a:bodyPr>
+            <a:lstStyle/>
+            <a:p>
+              <a:pPr>
+                <a:defRPr sz="3200">
+                  <a:solidFill>
+                    <a:srgbClr val="FFFFFF"/>
+                  </a:solidFill>
+                </a:defRPr>
+              </a:pPr>
+              <a:endParaRPr/>
+            </a:p>
+          </p:txBody>
+        </p:sp>
+        <p:sp>
+          <p:nvSpPr>
+            <p:cNvPr id="222" name="Shape 222"/>
+            <p:cNvSpPr/>
+            <p:nvPr/>
+          </p:nvSpPr>
+          <p:spPr>
+            <a:xfrm>
+              <a:off x="-1" y="374422"/>
+              <a:ext cx="24769717" cy="745085"/>
+            </a:xfrm>
+            <a:prstGeom prst="rect">
+              <a:avLst/>
+            </a:prstGeom>
+            <a:solidFill>
+              <a:srgbClr val="5E0A7C"/>
+            </a:solidFill>
+            <a:ln w="12700" cap="flat">
+              <a:noFill/>
+              <a:miter lim="400000"/>
+            </a:ln>
+            <a:effectLst/>
+          </p:spPr>
+          <p:txBody>
+            <a:bodyPr wrap="square" lIns="50800" tIns="50800" rIns="50800" bIns="50800" numCol="1" anchor="ctr">
+              <a:noAutofit/>
+            </a:bodyPr>
+            <a:lstStyle/>
+            <a:p>
+              <a:pPr>
+                <a:defRPr sz="3200">
+                  <a:solidFill>
+                    <a:srgbClr val="FFFFFF"/>
+                  </a:solidFill>
+                </a:defRPr>
+              </a:pPr>
+              <a:endParaRPr/>
+            </a:p>
+          </p:txBody>
+        </p:sp>
+        <p:pic>
+          <p:nvPicPr>
+            <p:cNvPr id="223" name="image1.tif"/>
+            <p:cNvPicPr>
+              <a:picLocks noChangeAspect="1"/>
+            </p:cNvPicPr>
+            <p:nvPr/>
+          </p:nvPicPr>
+          <p:blipFill>
+            <a:blip r:embed="rId2">
+              <a:extLst/>
+            </a:blip>
+            <a:stretch>
+              <a:fillRect/>
+            </a:stretch>
+          </p:blipFill>
+          <p:spPr>
+            <a:xfrm>
+              <a:off x="545782" y="164878"/>
+              <a:ext cx="2390526" cy="780581"/>
+            </a:xfrm>
+            <a:prstGeom prst="rect">
+              <a:avLst/>
+            </a:prstGeom>
+            <a:ln w="12700" cap="flat">
+              <a:noFill/>
+              <a:miter lim="400000"/>
+            </a:ln>
+            <a:effectLst/>
+          </p:spPr>
+        </p:pic>
+      </p:grpSp>
+      <p:sp>
+        <p:nvSpPr>
+          <p:cNvPr id="225" name="Shape 225"/>
+          <p:cNvSpPr>
+            <a:spLocks noGrp="1"/>
+          </p:cNvSpPr>
+          <p:nvPr>
+            <p:ph type="sldNum" sz="quarter" idx="4294967295"/>
+          </p:nvPr>
+        </p:nvSpPr>
+        <p:spPr>
+          <a:xfrm>
+            <a:off x="23931168" y="13011354"/>
+            <a:ext cx="283770" cy="461367"/>
+          </a:xfrm>
+          <a:prstGeom prst="rect">
+            <a:avLst/>
+          </a:prstGeom>
+          <a:extLst>
+            <a:ext uri="{C572A759-6A51-4108-AA02-DFA0A04FC94B}">
+              <ma14:wrappingTextBoxFlag xmlns:ma14="http://schemas.microsoft.com/office/mac/drawingml/2011/main" xmlns="" val="1"/>
+            </a:ext>
+          </a:extLst>
+        </p:spPr>
+        <p:txBody>
+          <a:bodyPr/>
+          <a:lstStyle>
+            <a:lvl1pPr>
+              <a:defRPr>
+                <a:latin typeface="+mj-lt"/>
+                <a:ea typeface="+mj-ea"/>
+                <a:cs typeface="+mj-cs"/>
+                <a:sym typeface="Helvetica Neue"/>
+              </a:defRPr>
+            </a:lvl1pPr>
+          </a:lstStyle>
+          <a:p>
+            <a:fld id="{86CB4B4D-7CA3-9044-876B-883B54F8677D}" type="slidenum">
+              <a:t>11</a:t>
+            </a:fld>
+            <a:endParaRPr/>
+          </a:p>
+        </p:txBody>
+      </p:sp>
+      <p:sp>
+        <p:nvSpPr>
+          <p:cNvPr id="226" name="Shape 226"/>
+          <p:cNvSpPr/>
+          <p:nvPr/>
+        </p:nvSpPr>
+        <p:spPr>
+          <a:xfrm>
+            <a:off x="661406" y="842226"/>
+            <a:ext cx="22411246" cy="1275079"/>
+          </a:xfrm>
+          <a:prstGeom prst="rect">
+            <a:avLst/>
+          </a:prstGeom>
+          <a:ln w="12700">
+            <a:miter lim="400000"/>
+          </a:ln>
+          <a:extLst>
+            <a:ext uri="{C572A759-6A51-4108-AA02-DFA0A04FC94B}">
+              <ma14:wrappingTextBoxFlag xmlns:ma14="http://schemas.microsoft.com/office/mac/drawingml/2011/main" xmlns="" val="1"/>
+            </a:ext>
+          </a:extLst>
+        </p:spPr>
+        <p:txBody>
+          <a:bodyPr lIns="91438" tIns="91438" rIns="91438" bIns="91438">
+            <a:spAutoFit/>
+          </a:bodyPr>
+          <a:lstStyle>
+            <a:lvl1pPr algn="l" defTabSz="1828800">
+              <a:defRPr sz="7200" b="1">
+                <a:solidFill>
+                  <a:srgbClr val="595959"/>
+                </a:solidFill>
+                <a:latin typeface="Gotham Pro"/>
+                <a:ea typeface="Gotham Pro"/>
+                <a:cs typeface="Gotham Pro"/>
+                <a:sym typeface="Gotham Pro"/>
+              </a:defRPr>
+            </a:lvl1pPr>
+          </a:lstStyle>
+          <a:p>
+            <a:r>
+              <a:t>Gradient Boosting</a:t>
+            </a:r>
+          </a:p>
+        </p:txBody>
+      </p:sp>
+      <p:pic>
+        <p:nvPicPr>
+          <p:cNvPr id="227" name="Знімок екрана 2017-01-07 о 11.47.34.png"/>
+          <p:cNvPicPr>
+            <a:picLocks noChangeAspect="1"/>
+          </p:cNvPicPr>
+          <p:nvPr/>
+        </p:nvPicPr>
+        <p:blipFill>
+          <a:blip r:embed="rId3">
+            <a:extLst/>
+          </a:blip>
+          <a:stretch>
+            <a:fillRect/>
+          </a:stretch>
+        </p:blipFill>
+        <p:spPr>
+          <a:xfrm>
+            <a:off x="719580" y="2836761"/>
+            <a:ext cx="12903533" cy="8042478"/>
+          </a:xfrm>
+          <a:prstGeom prst="rect">
+            <a:avLst/>
+          </a:prstGeom>
+          <a:ln w="12700">
+            <a:miter lim="400000"/>
+          </a:ln>
+        </p:spPr>
+      </p:pic>
+      <p:pic>
+        <p:nvPicPr>
+          <p:cNvPr id="228" name="number-of-trees.png"/>
+          <p:cNvPicPr>
+            <a:picLocks noChangeAspect="1"/>
+          </p:cNvPicPr>
+          <p:nvPr/>
+        </p:nvPicPr>
+        <p:blipFill>
+          <a:blip r:embed="rId4">
+            <a:extLst/>
+          </a:blip>
+          <a:stretch>
+            <a:fillRect/>
+          </a:stretch>
+        </p:blipFill>
+        <p:spPr>
+          <a:xfrm>
+            <a:off x="13686544" y="3397404"/>
+            <a:ext cx="9916126" cy="7821840"/>
+          </a:xfrm>
+          <a:prstGeom prst="rect">
+            <a:avLst/>
+          </a:prstGeom>
+          <a:ln w="12700">
+            <a:miter lim="400000"/>
+          </a:ln>
+        </p:spPr>
+      </p:pic>
+    </p:spTree>
+    <p:extLst>
+      <p:ext uri="{BB962C8B-B14F-4D97-AF65-F5344CB8AC3E}">
+        <p14:creationId xmlns:p14="http://schemas.microsoft.com/office/powerpoint/2010/main" val="3558318303"/>
+      </p:ext>
+    </p:extLst>
+  </p:cSld>
+  <p:clrMapOvr>
+    <a:masterClrMapping/>
+  </p:clrMapOvr>
+  <p:transition spd="med"/>
+</p:sld>
+</file>
+
+<file path=ppt/slides/slide12.xml><?xml version="1.0" encoding="utf-8"?>
+<p:sld xmlns:a="http://schemas.openxmlformats.org/drawingml/2006/main" xmlns:r="http://schemas.openxmlformats.org/officeDocument/2006/relationships" xmlns:p="http://schemas.openxmlformats.org/presentationml/2006/main">
+  <p:cSld>
+    <p:spTree>
+      <p:nvGrpSpPr>
+        <p:cNvPr id="1" name=""/>
+        <p:cNvGrpSpPr/>
+        <p:nvPr/>
+      </p:nvGrpSpPr>
+      <p:grpSpPr>
+        <a:xfrm>
+          <a:off x="0" y="0"/>
+          <a:ext cx="0" cy="0"/>
+          <a:chOff x="0" y="0"/>
+          <a:chExt cx="0" cy="0"/>
+        </a:xfrm>
+      </p:grpSpPr>
+      <p:grpSp>
+        <p:nvGrpSpPr>
+          <p:cNvPr id="234" name="Group 234"/>
+          <p:cNvGrpSpPr/>
+          <p:nvPr/>
+        </p:nvGrpSpPr>
+        <p:grpSpPr>
+          <a:xfrm>
+            <a:off x="-192858" y="12499340"/>
+            <a:ext cx="24769717" cy="1655518"/>
+            <a:chOff x="0" y="0"/>
+            <a:chExt cx="24769715" cy="1655517"/>
+          </a:xfrm>
+        </p:grpSpPr>
+        <p:sp>
+          <p:nvSpPr>
+            <p:cNvPr id="230" name="Shape 230"/>
+            <p:cNvSpPr/>
+            <p:nvPr/>
+          </p:nvSpPr>
+          <p:spPr>
+            <a:xfrm>
+              <a:off x="373053" y="0"/>
+              <a:ext cx="2735984" cy="1070834"/>
+            </a:xfrm>
+            <a:prstGeom prst="roundRect">
+              <a:avLst>
+                <a:gd name="adj" fmla="val 15566"/>
+              </a:avLst>
+            </a:prstGeom>
+            <a:solidFill>
+              <a:srgbClr val="5E0A7C"/>
+            </a:solidFill>
+            <a:ln w="12700" cap="flat">
+              <a:noFill/>
+              <a:miter lim="400000"/>
+            </a:ln>
+            <a:effectLst/>
+          </p:spPr>
+          <p:txBody>
+            <a:bodyPr wrap="square" lIns="50800" tIns="50800" rIns="50800" bIns="50800" numCol="1" anchor="ctr">
+              <a:noAutofit/>
+            </a:bodyPr>
+            <a:lstStyle/>
+            <a:p>
+              <a:pPr>
+                <a:defRPr sz="3200">
+                  <a:solidFill>
+                    <a:srgbClr val="FFFFFF"/>
+                  </a:solidFill>
+                </a:defRPr>
+              </a:pPr>
+              <a:endParaRPr/>
+            </a:p>
+          </p:txBody>
+        </p:sp>
+        <p:sp>
+          <p:nvSpPr>
+            <p:cNvPr id="231" name="Shape 231"/>
+            <p:cNvSpPr/>
+            <p:nvPr/>
+          </p:nvSpPr>
+          <p:spPr>
+            <a:xfrm>
+              <a:off x="-1" y="385516"/>
+              <a:ext cx="24769717" cy="1270002"/>
+            </a:xfrm>
+            <a:prstGeom prst="rect">
+              <a:avLst/>
+            </a:prstGeom>
+            <a:solidFill>
+              <a:srgbClr val="8CC118"/>
+            </a:solidFill>
+            <a:ln w="12700" cap="flat">
+              <a:noFill/>
+              <a:miter lim="400000"/>
+            </a:ln>
+            <a:effectLst/>
+          </p:spPr>
+          <p:txBody>
+            <a:bodyPr wrap="square" lIns="50800" tIns="50800" rIns="50800" bIns="50800" numCol="1" anchor="ctr">
+              <a:noAutofit/>
+            </a:bodyPr>
+            <a:lstStyle/>
+            <a:p>
+              <a:pPr>
+                <a:defRPr sz="3200">
+                  <a:solidFill>
+                    <a:srgbClr val="FFFFFF"/>
+                  </a:solidFill>
+                </a:defRPr>
+              </a:pPr>
+              <a:endParaRPr/>
+            </a:p>
+          </p:txBody>
+        </p:sp>
+        <p:sp>
+          <p:nvSpPr>
+            <p:cNvPr id="232" name="Shape 232"/>
+            <p:cNvSpPr/>
+            <p:nvPr/>
+          </p:nvSpPr>
+          <p:spPr>
+            <a:xfrm>
+              <a:off x="-1" y="374422"/>
+              <a:ext cx="24769717" cy="745085"/>
+            </a:xfrm>
+            <a:prstGeom prst="rect">
+              <a:avLst/>
+            </a:prstGeom>
+            <a:solidFill>
+              <a:srgbClr val="5E0A7C"/>
+            </a:solidFill>
+            <a:ln w="12700" cap="flat">
+              <a:noFill/>
+              <a:miter lim="400000"/>
+            </a:ln>
+            <a:effectLst/>
+          </p:spPr>
+          <p:txBody>
+            <a:bodyPr wrap="square" lIns="50800" tIns="50800" rIns="50800" bIns="50800" numCol="1" anchor="ctr">
+              <a:noAutofit/>
+            </a:bodyPr>
+            <a:lstStyle/>
+            <a:p>
+              <a:pPr>
+                <a:defRPr sz="3200">
+                  <a:solidFill>
+                    <a:srgbClr val="FFFFFF"/>
+                  </a:solidFill>
+                </a:defRPr>
+              </a:pPr>
+              <a:endParaRPr/>
+            </a:p>
+          </p:txBody>
+        </p:sp>
+        <p:pic>
+          <p:nvPicPr>
+            <p:cNvPr id="233" name="image1.tif"/>
+            <p:cNvPicPr>
+              <a:picLocks noChangeAspect="1"/>
+            </p:cNvPicPr>
+            <p:nvPr/>
+          </p:nvPicPr>
+          <p:blipFill>
+            <a:blip r:embed="rId2">
+              <a:extLst/>
+            </a:blip>
+            <a:stretch>
+              <a:fillRect/>
+            </a:stretch>
+          </p:blipFill>
+          <p:spPr>
+            <a:xfrm>
+              <a:off x="545782" y="164878"/>
+              <a:ext cx="2390526" cy="780581"/>
+            </a:xfrm>
+            <a:prstGeom prst="rect">
+              <a:avLst/>
+            </a:prstGeom>
+            <a:ln w="12700" cap="flat">
+              <a:noFill/>
+              <a:miter lim="400000"/>
+            </a:ln>
+            <a:effectLst/>
+          </p:spPr>
+        </p:pic>
+      </p:grpSp>
+      <p:sp>
+        <p:nvSpPr>
+          <p:cNvPr id="235" name="Shape 235"/>
+          <p:cNvSpPr>
+            <a:spLocks noGrp="1"/>
+          </p:cNvSpPr>
+          <p:nvPr>
+            <p:ph type="sldNum" sz="quarter" idx="4294967295"/>
+          </p:nvPr>
+        </p:nvSpPr>
+        <p:spPr>
+          <a:xfrm>
+            <a:off x="23931168" y="13011354"/>
+            <a:ext cx="283770" cy="461367"/>
+          </a:xfrm>
+          <a:prstGeom prst="rect">
+            <a:avLst/>
+          </a:prstGeom>
+          <a:extLst>
+            <a:ext uri="{C572A759-6A51-4108-AA02-DFA0A04FC94B}">
+              <ma14:wrappingTextBoxFlag xmlns:ma14="http://schemas.microsoft.com/office/mac/drawingml/2011/main" xmlns="" val="1"/>
+            </a:ext>
+          </a:extLst>
+        </p:spPr>
+        <p:txBody>
+          <a:bodyPr/>
+          <a:lstStyle>
+            <a:lvl1pPr>
+              <a:defRPr>
+                <a:latin typeface="+mj-lt"/>
+                <a:ea typeface="+mj-ea"/>
+                <a:cs typeface="+mj-cs"/>
+                <a:sym typeface="Helvetica Neue"/>
+              </a:defRPr>
+            </a:lvl1pPr>
+          </a:lstStyle>
+          <a:p>
+            <a:fld id="{86CB4B4D-7CA3-9044-876B-883B54F8677D}" type="slidenum">
+              <a:t>12</a:t>
+            </a:fld>
+            <a:endParaRPr/>
+          </a:p>
+        </p:txBody>
+      </p:sp>
+      <p:sp>
+        <p:nvSpPr>
+          <p:cNvPr id="236" name="Shape 236"/>
+          <p:cNvSpPr/>
+          <p:nvPr/>
+        </p:nvSpPr>
+        <p:spPr>
+          <a:xfrm>
+            <a:off x="661406" y="842226"/>
+            <a:ext cx="22411246" cy="1275079"/>
+          </a:xfrm>
+          <a:prstGeom prst="rect">
+            <a:avLst/>
+          </a:prstGeom>
+          <a:ln w="12700">
+            <a:miter lim="400000"/>
+          </a:ln>
+          <a:extLst>
+            <a:ext uri="{C572A759-6A51-4108-AA02-DFA0A04FC94B}">
+              <ma14:wrappingTextBoxFlag xmlns:ma14="http://schemas.microsoft.com/office/mac/drawingml/2011/main" xmlns="" val="1"/>
+            </a:ext>
+          </a:extLst>
+        </p:spPr>
+        <p:txBody>
+          <a:bodyPr lIns="91438" tIns="91438" rIns="91438" bIns="91438">
+            <a:spAutoFit/>
+          </a:bodyPr>
+          <a:lstStyle>
+            <a:lvl1pPr algn="l" defTabSz="1828800">
+              <a:defRPr sz="7200" b="1">
+                <a:solidFill>
+                  <a:srgbClr val="595959"/>
+                </a:solidFill>
+                <a:latin typeface="Gotham Pro"/>
+                <a:ea typeface="Gotham Pro"/>
+                <a:cs typeface="Gotham Pro"/>
+                <a:sym typeface="Gotham Pro"/>
+              </a:defRPr>
+            </a:lvl1pPr>
+          </a:lstStyle>
+          <a:p>
+            <a:r>
+              <a:t>XGBoost</a:t>
+            </a:r>
+          </a:p>
+        </p:txBody>
+      </p:sp>
+      <p:sp>
+        <p:nvSpPr>
+          <p:cNvPr id="237" name="Shape 237"/>
+          <p:cNvSpPr/>
+          <p:nvPr/>
+        </p:nvSpPr>
+        <p:spPr>
+          <a:xfrm>
+            <a:off x="661410" y="2445155"/>
+            <a:ext cx="9300741" cy="792479"/>
+          </a:xfrm>
+          <a:prstGeom prst="rect">
+            <a:avLst/>
+          </a:prstGeom>
+          <a:ln w="12700">
+            <a:miter lim="400000"/>
+          </a:ln>
+          <a:extLst>
+            <a:ext uri="{C572A759-6A51-4108-AA02-DFA0A04FC94B}">
+              <ma14:wrappingTextBoxFlag xmlns:ma14="http://schemas.microsoft.com/office/mac/drawingml/2011/main" xmlns="" val="1"/>
+            </a:ext>
+          </a:extLst>
+        </p:spPr>
+        <p:txBody>
+          <a:bodyPr lIns="91438" tIns="91438" rIns="91438" bIns="91438">
+            <a:spAutoFit/>
+          </a:bodyPr>
+          <a:lstStyle>
+            <a:lvl1pPr algn="l" defTabSz="1828800">
+              <a:defRPr sz="4000">
+                <a:solidFill>
+                  <a:srgbClr val="595959"/>
+                </a:solidFill>
+                <a:latin typeface="Gotham Pro"/>
+                <a:ea typeface="Gotham Pro"/>
+                <a:cs typeface="Gotham Pro"/>
+                <a:sym typeface="Gotham Pro"/>
+              </a:defRPr>
+            </a:lvl1pPr>
+          </a:lstStyle>
+          <a:p>
+            <a:r>
+              <a:t>- Gradient Boosting Framework</a:t>
+            </a:r>
+          </a:p>
+        </p:txBody>
+      </p:sp>
+      <p:sp>
+        <p:nvSpPr>
+          <p:cNvPr id="238" name="Shape 238"/>
+          <p:cNvSpPr/>
+          <p:nvPr/>
+        </p:nvSpPr>
+        <p:spPr>
+          <a:xfrm>
+            <a:off x="661410" y="3290957"/>
+            <a:ext cx="16299133" cy="792479"/>
+          </a:xfrm>
+          <a:prstGeom prst="rect">
+            <a:avLst/>
+          </a:prstGeom>
+          <a:ln w="12700">
+            <a:miter lim="400000"/>
+          </a:ln>
+          <a:extLst>
+            <a:ext uri="{C572A759-6A51-4108-AA02-DFA0A04FC94B}">
+              <ma14:wrappingTextBoxFlag xmlns:ma14="http://schemas.microsoft.com/office/mac/drawingml/2011/main" xmlns="" val="1"/>
+            </a:ext>
+          </a:extLst>
+        </p:spPr>
+        <p:txBody>
+          <a:bodyPr lIns="91438" tIns="91438" rIns="91438" bIns="91438">
+            <a:spAutoFit/>
+          </a:bodyPr>
+          <a:lstStyle>
+            <a:lvl1pPr algn="l" defTabSz="1828800">
+              <a:defRPr sz="4000">
+                <a:solidFill>
+                  <a:srgbClr val="595959"/>
+                </a:solidFill>
+                <a:latin typeface="Gotham Pro"/>
+                <a:ea typeface="Gotham Pro"/>
+                <a:cs typeface="Gotham Pro"/>
+                <a:sym typeface="Gotham Pro"/>
+              </a:defRPr>
+            </a:lvl1pPr>
+          </a:lstStyle>
+          <a:p>
+            <a:r>
+              <a:t>- Combines the idea of Gradient Boosting and Decision Trees</a:t>
+            </a:r>
+          </a:p>
+        </p:txBody>
+      </p:sp>
+      <p:sp>
+        <p:nvSpPr>
+          <p:cNvPr id="239" name="Shape 239"/>
+          <p:cNvSpPr/>
+          <p:nvPr/>
+        </p:nvSpPr>
+        <p:spPr>
+          <a:xfrm>
+            <a:off x="661410" y="4136757"/>
+            <a:ext cx="16299133" cy="792479"/>
+          </a:xfrm>
+          <a:prstGeom prst="rect">
+            <a:avLst/>
+          </a:prstGeom>
+          <a:ln w="12700">
+            <a:miter lim="400000"/>
+          </a:ln>
+          <a:extLst>
+            <a:ext uri="{C572A759-6A51-4108-AA02-DFA0A04FC94B}">
+              <ma14:wrappingTextBoxFlag xmlns:ma14="http://schemas.microsoft.com/office/mac/drawingml/2011/main" xmlns="" val="1"/>
+            </a:ext>
+          </a:extLst>
+        </p:spPr>
+        <p:txBody>
+          <a:bodyPr lIns="91438" tIns="91438" rIns="91438" bIns="91438">
+            <a:spAutoFit/>
+          </a:bodyPr>
+          <a:lstStyle>
+            <a:lvl1pPr algn="l" defTabSz="1828800">
+              <a:defRPr sz="4000">
+                <a:solidFill>
+                  <a:srgbClr val="595959"/>
+                </a:solidFill>
+                <a:latin typeface="Gotham Pro"/>
+                <a:ea typeface="Gotham Pro"/>
+                <a:cs typeface="Gotham Pro"/>
+                <a:sym typeface="Gotham Pro"/>
+              </a:defRPr>
+            </a:lvl1pPr>
+          </a:lstStyle>
+          <a:p>
+            <a:r>
+              <a:t>- Suitable for both regression and classification problems</a:t>
+            </a:r>
+          </a:p>
+        </p:txBody>
+      </p:sp>
+      <p:sp>
+        <p:nvSpPr>
+          <p:cNvPr id="240" name="Shape 240"/>
+          <p:cNvSpPr/>
+          <p:nvPr/>
+        </p:nvSpPr>
+        <p:spPr>
+          <a:xfrm>
+            <a:off x="661410" y="4982557"/>
+            <a:ext cx="16299133" cy="792479"/>
+          </a:xfrm>
+          <a:prstGeom prst="rect">
+            <a:avLst/>
+          </a:prstGeom>
+          <a:ln w="12700">
+            <a:miter lim="400000"/>
+          </a:ln>
+          <a:extLst>
+            <a:ext uri="{C572A759-6A51-4108-AA02-DFA0A04FC94B}">
+              <ma14:wrappingTextBoxFlag xmlns:ma14="http://schemas.microsoft.com/office/mac/drawingml/2011/main" xmlns="" val="1"/>
+            </a:ext>
+          </a:extLst>
+        </p:spPr>
+        <p:txBody>
+          <a:bodyPr lIns="91438" tIns="91438" rIns="91438" bIns="91438">
+            <a:spAutoFit/>
+          </a:bodyPr>
+          <a:lstStyle>
+            <a:lvl1pPr algn="l" defTabSz="1828800">
+              <a:defRPr sz="4000">
+                <a:solidFill>
+                  <a:srgbClr val="595959"/>
+                </a:solidFill>
+                <a:latin typeface="Gotham Pro"/>
+                <a:ea typeface="Gotham Pro"/>
+                <a:cs typeface="Gotham Pro"/>
+                <a:sym typeface="Gotham Pro"/>
+              </a:defRPr>
+            </a:lvl1pPr>
+          </a:lstStyle>
+          <a:p>
+            <a:r>
+              <a:t>- Winner of many Kaggle competitions </a:t>
+            </a:r>
+          </a:p>
+        </p:txBody>
+      </p:sp>
+      <p:sp>
+        <p:nvSpPr>
+          <p:cNvPr id="241" name="Shape 241"/>
+          <p:cNvSpPr/>
+          <p:nvPr/>
+        </p:nvSpPr>
+        <p:spPr>
+          <a:xfrm>
+            <a:off x="661410" y="5828356"/>
+            <a:ext cx="16299133" cy="792479"/>
+          </a:xfrm>
+          <a:prstGeom prst="rect">
+            <a:avLst/>
+          </a:prstGeom>
+          <a:ln w="12700">
+            <a:miter lim="400000"/>
+          </a:ln>
+          <a:extLst>
+            <a:ext uri="{C572A759-6A51-4108-AA02-DFA0A04FC94B}">
+              <ma14:wrappingTextBoxFlag xmlns:ma14="http://schemas.microsoft.com/office/mac/drawingml/2011/main" xmlns="" val="1"/>
+            </a:ext>
+          </a:extLst>
+        </p:spPr>
+        <p:txBody>
+          <a:bodyPr lIns="91438" tIns="91438" rIns="91438" bIns="91438">
+            <a:spAutoFit/>
+          </a:bodyPr>
+          <a:lstStyle>
+            <a:lvl1pPr algn="l" defTabSz="1828800">
+              <a:defRPr sz="4000">
+                <a:solidFill>
+                  <a:srgbClr val="595959"/>
+                </a:solidFill>
+                <a:latin typeface="Gotham Pro"/>
+                <a:ea typeface="Gotham Pro"/>
+                <a:cs typeface="Gotham Pro"/>
+                <a:sym typeface="Gotham Pro"/>
+              </a:defRPr>
+            </a:lvl1pPr>
+          </a:lstStyle>
+          <a:p>
+            <a:r>
+              <a:t>- Fast speed, distributed and portable</a:t>
+            </a:r>
+          </a:p>
+        </p:txBody>
+      </p:sp>
+      <p:pic>
+        <p:nvPicPr>
+          <p:cNvPr id="242" name="Знімок екрана 2017-01-07 о 11.59.36.png"/>
+          <p:cNvPicPr>
+            <a:picLocks noChangeAspect="1"/>
+          </p:cNvPicPr>
+          <p:nvPr/>
+        </p:nvPicPr>
+        <p:blipFill>
+          <a:blip r:embed="rId3">
+            <a:extLst/>
+          </a:blip>
+          <a:stretch>
+            <a:fillRect/>
+          </a:stretch>
+        </p:blipFill>
+        <p:spPr>
+          <a:xfrm>
+            <a:off x="12762506" y="5043987"/>
+            <a:ext cx="9194801" cy="7340601"/>
+          </a:xfrm>
+          <a:prstGeom prst="rect">
+            <a:avLst/>
+          </a:prstGeom>
+          <a:ln w="12700">
+            <a:miter lim="400000"/>
+          </a:ln>
+        </p:spPr>
+      </p:pic>
+    </p:spTree>
+    <p:extLst>
+      <p:ext uri="{BB962C8B-B14F-4D97-AF65-F5344CB8AC3E}">
+        <p14:creationId xmlns:p14="http://schemas.microsoft.com/office/powerpoint/2010/main" val="3338904247"/>
+      </p:ext>
+    </p:extLst>
+  </p:cSld>
+  <p:clrMapOvr>
+    <a:masterClrMapping/>
+  </p:clrMapOvr>
+  <p:transition spd="med"/>
+</p:sld>
+</file>
+
 <file path=ppt/slides/slide2.xml><?xml version="1.0" encoding="utf-8"?>
 <p:sld xmlns:a="http://schemas.openxmlformats.org/drawingml/2006/main" xmlns:r="http://schemas.openxmlformats.org/officeDocument/2006/relationships" xmlns:p="http://schemas.openxmlformats.org/presentationml/2006/main">
   <p:cSld>
@@ -4073,7 +5132,7 @@
           </a:ln>
           <a:extLst>
             <a:ext uri="{C572A759-6A51-4108-AA02-DFA0A04FC94B}">
-              <ma14:wrappingTextBoxFlag xmlns:ma14="http://schemas.microsoft.com/office/mac/drawingml/2011/main" xmlns="" val="1"/>
+              <ma14:wrappingTextBoxFlag xmlns="" xmlns:ma14="http://schemas.microsoft.com/office/mac/drawingml/2011/main" val="1"/>
             </a:ext>
           </a:extLst>
         </p:spPr>
@@ -4097,11 +5156,7 @@
           <a:p>
             <a:r>
               <a:rPr lang="en-US" dirty="0" smtClean="0"/>
-              <a:t>What is </a:t>
-            </a:r>
-            <a:r>
-              <a:rPr lang="en-US" dirty="0" smtClean="0"/>
-              <a:t>Decision tree?</a:t>
+              <a:t>What is Decision tree?</a:t>
             </a:r>
             <a:endParaRPr dirty="0"/>
           </a:p>
@@ -4338,7 +5393,7 @@
           </a:prstGeom>
           <a:extLst>
             <a:ext uri="{C572A759-6A51-4108-AA02-DFA0A04FC94B}">
-              <ma14:wrappingTextBoxFlag xmlns:ma14="http://schemas.microsoft.com/office/mac/drawingml/2011/main" xmlns="" val="1"/>
+              <ma14:wrappingTextBoxFlag xmlns="" xmlns:ma14="http://schemas.microsoft.com/office/mac/drawingml/2011/main" val="1"/>
             </a:ext>
           </a:extLst>
         </p:spPr>
@@ -4414,7 +5469,7 @@
           </a:ln>
           <a:extLst>
             <a:ext uri="{C572A759-6A51-4108-AA02-DFA0A04FC94B}">
-              <ma14:wrappingTextBoxFlag xmlns:ma14="http://schemas.microsoft.com/office/mac/drawingml/2011/main" xmlns="" val="1"/>
+              <ma14:wrappingTextBoxFlag xmlns="" xmlns:ma14="http://schemas.microsoft.com/office/mac/drawingml/2011/main" val="1"/>
             </a:ext>
           </a:extLst>
         </p:spPr>
@@ -4463,7 +5518,7 @@
           </a:ln>
           <a:extLst>
             <a:ext uri="{C572A759-6A51-4108-AA02-DFA0A04FC94B}">
-              <ma14:wrappingTextBoxFlag xmlns:ma14="http://schemas.microsoft.com/office/mac/drawingml/2011/main" xmlns="" val="1"/>
+              <ma14:wrappingTextBoxFlag xmlns="" xmlns:ma14="http://schemas.microsoft.com/office/mac/drawingml/2011/main" val="1"/>
             </a:ext>
           </a:extLst>
         </p:spPr>
@@ -4554,7 +5609,7 @@
           </a:ln>
           <a:extLst>
             <a:ext uri="{C572A759-6A51-4108-AA02-DFA0A04FC94B}">
-              <ma14:wrappingTextBoxFlag xmlns:ma14="http://schemas.microsoft.com/office/mac/drawingml/2011/main" xmlns="" val="1"/>
+              <ma14:wrappingTextBoxFlag xmlns="" xmlns:ma14="http://schemas.microsoft.com/office/mac/drawingml/2011/main" val="1"/>
             </a:ext>
           </a:extLst>
         </p:spPr>
@@ -4644,7 +5699,7 @@
           </a:ln>
           <a:extLst>
             <a:ext uri="{C572A759-6A51-4108-AA02-DFA0A04FC94B}">
-              <ma14:wrappingTextBoxFlag xmlns:ma14="http://schemas.microsoft.com/office/mac/drawingml/2011/main" xmlns="" val="1"/>
+              <ma14:wrappingTextBoxFlag xmlns="" xmlns:ma14="http://schemas.microsoft.com/office/mac/drawingml/2011/main" val="1"/>
             </a:ext>
           </a:extLst>
         </p:spPr>
@@ -4767,7 +5822,7 @@
           </a:ln>
           <a:extLst>
             <a:ext uri="{C572A759-6A51-4108-AA02-DFA0A04FC94B}">
-              <ma14:wrappingTextBoxFlag xmlns:ma14="http://schemas.microsoft.com/office/mac/drawingml/2011/main" xmlns="" val="1"/>
+              <ma14:wrappingTextBoxFlag xmlns="" xmlns:ma14="http://schemas.microsoft.com/office/mac/drawingml/2011/main" val="1"/>
             </a:ext>
           </a:extLst>
         </p:spPr>
@@ -4814,7 +5869,7 @@
           </a:ln>
           <a:extLst>
             <a:ext uri="{C572A759-6A51-4108-AA02-DFA0A04FC94B}">
-              <ma14:wrappingTextBoxFlag xmlns:ma14="http://schemas.microsoft.com/office/mac/drawingml/2011/main" xmlns="" val="1"/>
+              <ma14:wrappingTextBoxFlag xmlns="" xmlns:ma14="http://schemas.microsoft.com/office/mac/drawingml/2011/main" val="1"/>
             </a:ext>
           </a:extLst>
         </p:spPr>
@@ -5045,7 +6100,7 @@
             <a:effectLst/>
             <a:extLst>
               <a:ext uri="{C572A759-6A51-4108-AA02-DFA0A04FC94B}">
-                <ma14:wrappingTextBoxFlag xmlns:ma14="http://schemas.microsoft.com/office/mac/drawingml/2011/main" xmlns="" val="1"/>
+                <ma14:wrappingTextBoxFlag xmlns="" xmlns:ma14="http://schemas.microsoft.com/office/mac/drawingml/2011/main" val="1"/>
               </a:ext>
             </a:extLst>
           </p:spPr>
@@ -5169,7 +6224,7 @@
           </a:ln>
           <a:extLst>
             <a:ext uri="{C572A759-6A51-4108-AA02-DFA0A04FC94B}">
-              <ma14:wrappingTextBoxFlag xmlns:ma14="http://schemas.microsoft.com/office/mac/drawingml/2011/main" xmlns="" val="1"/>
+              <ma14:wrappingTextBoxFlag xmlns="" xmlns:ma14="http://schemas.microsoft.com/office/mac/drawingml/2011/main" val="1"/>
             </a:ext>
           </a:extLst>
         </p:spPr>
@@ -5216,7 +6271,7 @@
           </a:ln>
           <a:extLst>
             <a:ext uri="{C572A759-6A51-4108-AA02-DFA0A04FC94B}">
-              <ma14:wrappingTextBoxFlag xmlns:ma14="http://schemas.microsoft.com/office/mac/drawingml/2011/main" xmlns="" val="1"/>
+              <ma14:wrappingTextBoxFlag xmlns="" xmlns:ma14="http://schemas.microsoft.com/office/mac/drawingml/2011/main" val="1"/>
             </a:ext>
           </a:extLst>
         </p:spPr>
@@ -5263,7 +6318,7 @@
           </a:ln>
           <a:extLst>
             <a:ext uri="{C572A759-6A51-4108-AA02-DFA0A04FC94B}">
-              <ma14:wrappingTextBoxFlag xmlns:ma14="http://schemas.microsoft.com/office/mac/drawingml/2011/main" xmlns="" val="1"/>
+              <ma14:wrappingTextBoxFlag xmlns="" xmlns:ma14="http://schemas.microsoft.com/office/mac/drawingml/2011/main" val="1"/>
             </a:ext>
           </a:extLst>
         </p:spPr>
@@ -5349,7 +6404,7 @@
           </a:ln>
           <a:extLst>
             <a:ext uri="{C572A759-6A51-4108-AA02-DFA0A04FC94B}">
-              <ma14:wrappingTextBoxFlag xmlns:ma14="http://schemas.microsoft.com/office/mac/drawingml/2011/main" xmlns="" val="1"/>
+              <ma14:wrappingTextBoxFlag xmlns="" xmlns:ma14="http://schemas.microsoft.com/office/mac/drawingml/2011/main" val="1"/>
             </a:ext>
           </a:extLst>
         </p:spPr>
@@ -5396,7 +6451,7 @@
           </a:ln>
           <a:extLst>
             <a:ext uri="{C572A759-6A51-4108-AA02-DFA0A04FC94B}">
-              <ma14:wrappingTextBoxFlag xmlns:ma14="http://schemas.microsoft.com/office/mac/drawingml/2011/main" xmlns="" val="1"/>
+              <ma14:wrappingTextBoxFlag xmlns="" xmlns:ma14="http://schemas.microsoft.com/office/mac/drawingml/2011/main" val="1"/>
             </a:ext>
           </a:extLst>
         </p:spPr>
@@ -5443,7 +6498,7 @@
           </a:ln>
           <a:extLst>
             <a:ext uri="{C572A759-6A51-4108-AA02-DFA0A04FC94B}">
-              <ma14:wrappingTextBoxFlag xmlns:ma14="http://schemas.microsoft.com/office/mac/drawingml/2011/main" xmlns="" val="1"/>
+              <ma14:wrappingTextBoxFlag xmlns="" xmlns:ma14="http://schemas.microsoft.com/office/mac/drawingml/2011/main" val="1"/>
             </a:ext>
           </a:extLst>
         </p:spPr>
@@ -5697,7 +6752,7 @@
           </a:prstGeom>
           <a:extLst>
             <a:ext uri="{C572A759-6A51-4108-AA02-DFA0A04FC94B}">
-              <ma14:wrappingTextBoxFlag xmlns:ma14="http://schemas.microsoft.com/office/mac/drawingml/2011/main" xmlns="" val="1"/>
+              <ma14:wrappingTextBoxFlag xmlns="" xmlns:ma14="http://schemas.microsoft.com/office/mac/drawingml/2011/main" val="1"/>
             </a:ext>
           </a:extLst>
         </p:spPr>
@@ -5854,7 +6909,7 @@
           </a:ln>
           <a:extLst>
             <a:ext uri="{C572A759-6A51-4108-AA02-DFA0A04FC94B}">
-              <ma14:wrappingTextBoxFlag xmlns:ma14="http://schemas.microsoft.com/office/mac/drawingml/2011/main" xmlns="" val="1"/>
+              <ma14:wrappingTextBoxFlag xmlns="" xmlns:ma14="http://schemas.microsoft.com/office/mac/drawingml/2011/main" val="1"/>
             </a:ext>
           </a:extLst>
         </p:spPr>
@@ -5902,7 +6957,7 @@
           </a:ln>
           <a:extLst>
             <a:ext uri="{C572A759-6A51-4108-AA02-DFA0A04FC94B}">
-              <ma14:wrappingTextBoxFlag xmlns:ma14="http://schemas.microsoft.com/office/mac/drawingml/2011/main" xmlns="" val="1"/>
+              <ma14:wrappingTextBoxFlag xmlns="" xmlns:ma14="http://schemas.microsoft.com/office/mac/drawingml/2011/main" val="1"/>
             </a:ext>
           </a:extLst>
         </p:spPr>
@@ -6025,7 +7080,7 @@
           </a:ln>
           <a:extLst>
             <a:ext uri="{C572A759-6A51-4108-AA02-DFA0A04FC94B}">
-              <ma14:wrappingTextBoxFlag xmlns:ma14="http://schemas.microsoft.com/office/mac/drawingml/2011/main" xmlns="" val="1"/>
+              <ma14:wrappingTextBoxFlag xmlns="" xmlns:ma14="http://schemas.microsoft.com/office/mac/drawingml/2011/main" val="1"/>
             </a:ext>
           </a:extLst>
         </p:spPr>
@@ -6072,7 +7127,7 @@
           </a:ln>
           <a:extLst>
             <a:ext uri="{C572A759-6A51-4108-AA02-DFA0A04FC94B}">
-              <ma14:wrappingTextBoxFlag xmlns:ma14="http://schemas.microsoft.com/office/mac/drawingml/2011/main" xmlns="" val="1"/>
+              <ma14:wrappingTextBoxFlag xmlns="" xmlns:ma14="http://schemas.microsoft.com/office/mac/drawingml/2011/main" val="1"/>
             </a:ext>
           </a:extLst>
         </p:spPr>
@@ -6303,7 +7358,7 @@
             <a:effectLst/>
             <a:extLst>
               <a:ext uri="{C572A759-6A51-4108-AA02-DFA0A04FC94B}">
-                <ma14:wrappingTextBoxFlag xmlns:ma14="http://schemas.microsoft.com/office/mac/drawingml/2011/main" xmlns="" val="1"/>
+                <ma14:wrappingTextBoxFlag xmlns="" xmlns:ma14="http://schemas.microsoft.com/office/mac/drawingml/2011/main" val="1"/>
               </a:ext>
             </a:extLst>
           </p:spPr>
@@ -6427,7 +7482,7 @@
           </a:ln>
           <a:extLst>
             <a:ext uri="{C572A759-6A51-4108-AA02-DFA0A04FC94B}">
-              <ma14:wrappingTextBoxFlag xmlns:ma14="http://schemas.microsoft.com/office/mac/drawingml/2011/main" xmlns="" val="1"/>
+              <ma14:wrappingTextBoxFlag xmlns="" xmlns:ma14="http://schemas.microsoft.com/office/mac/drawingml/2011/main" val="1"/>
             </a:ext>
           </a:extLst>
         </p:spPr>
@@ -6474,7 +7529,7 @@
           </a:ln>
           <a:extLst>
             <a:ext uri="{C572A759-6A51-4108-AA02-DFA0A04FC94B}">
-              <ma14:wrappingTextBoxFlag xmlns:ma14="http://schemas.microsoft.com/office/mac/drawingml/2011/main" xmlns="" val="1"/>
+              <ma14:wrappingTextBoxFlag xmlns="" xmlns:ma14="http://schemas.microsoft.com/office/mac/drawingml/2011/main" val="1"/>
             </a:ext>
           </a:extLst>
         </p:spPr>
@@ -6521,7 +7576,7 @@
           </a:ln>
           <a:extLst>
             <a:ext uri="{C572A759-6A51-4108-AA02-DFA0A04FC94B}">
-              <ma14:wrappingTextBoxFlag xmlns:ma14="http://schemas.microsoft.com/office/mac/drawingml/2011/main" xmlns="" val="1"/>
+              <ma14:wrappingTextBoxFlag xmlns="" xmlns:ma14="http://schemas.microsoft.com/office/mac/drawingml/2011/main" val="1"/>
             </a:ext>
           </a:extLst>
         </p:spPr>
@@ -6568,7 +7623,7 @@
           </a:ln>
           <a:extLst>
             <a:ext uri="{C572A759-6A51-4108-AA02-DFA0A04FC94B}">
-              <ma14:wrappingTextBoxFlag xmlns:ma14="http://schemas.microsoft.com/office/mac/drawingml/2011/main" xmlns="" val="1"/>
+              <ma14:wrappingTextBoxFlag xmlns="" xmlns:ma14="http://schemas.microsoft.com/office/mac/drawingml/2011/main" val="1"/>
             </a:ext>
           </a:extLst>
         </p:spPr>
@@ -6615,7 +7670,7 @@
           </a:ln>
           <a:extLst>
             <a:ext uri="{C572A759-6A51-4108-AA02-DFA0A04FC94B}">
-              <ma14:wrappingTextBoxFlag xmlns:ma14="http://schemas.microsoft.com/office/mac/drawingml/2011/main" xmlns="" val="1"/>
+              <ma14:wrappingTextBoxFlag xmlns="" xmlns:ma14="http://schemas.microsoft.com/office/mac/drawingml/2011/main" val="1"/>
             </a:ext>
           </a:extLst>
         </p:spPr>
@@ -6700,7 +7755,7 @@
           </a:ln>
           <a:extLst>
             <a:ext uri="{C572A759-6A51-4108-AA02-DFA0A04FC94B}">
-              <ma14:wrappingTextBoxFlag xmlns:ma14="http://schemas.microsoft.com/office/mac/drawingml/2011/main" xmlns="" val="1"/>
+              <ma14:wrappingTextBoxFlag xmlns="" xmlns:ma14="http://schemas.microsoft.com/office/mac/drawingml/2011/main" val="1"/>
             </a:ext>
           </a:extLst>
         </p:spPr>
@@ -6790,7 +7845,7 @@
           </a:ln>
           <a:extLst>
             <a:ext uri="{C572A759-6A51-4108-AA02-DFA0A04FC94B}">
-              <ma14:wrappingTextBoxFlag xmlns:ma14="http://schemas.microsoft.com/office/mac/drawingml/2011/main" xmlns="" val="1"/>
+              <ma14:wrappingTextBoxFlag xmlns="" xmlns:ma14="http://schemas.microsoft.com/office/mac/drawingml/2011/main" val="1"/>
             </a:ext>
           </a:extLst>
         </p:spPr>
@@ -6913,7 +7968,7 @@
           </a:ln>
           <a:extLst>
             <a:ext uri="{C572A759-6A51-4108-AA02-DFA0A04FC94B}">
-              <ma14:wrappingTextBoxFlag xmlns:ma14="http://schemas.microsoft.com/office/mac/drawingml/2011/main" xmlns="" val="1"/>
+              <ma14:wrappingTextBoxFlag xmlns="" xmlns:ma14="http://schemas.microsoft.com/office/mac/drawingml/2011/main" val="1"/>
             </a:ext>
           </a:extLst>
         </p:spPr>
@@ -6960,7 +8015,7 @@
           </a:ln>
           <a:extLst>
             <a:ext uri="{C572A759-6A51-4108-AA02-DFA0A04FC94B}">
-              <ma14:wrappingTextBoxFlag xmlns:ma14="http://schemas.microsoft.com/office/mac/drawingml/2011/main" xmlns="" val="1"/>
+              <ma14:wrappingTextBoxFlag xmlns="" xmlns:ma14="http://schemas.microsoft.com/office/mac/drawingml/2011/main" val="1"/>
             </a:ext>
           </a:extLst>
         </p:spPr>
@@ -7087,7 +8142,7 @@
           </a:ln>
           <a:extLst>
             <a:ext uri="{C572A759-6A51-4108-AA02-DFA0A04FC94B}">
-              <ma14:wrappingTextBoxFlag xmlns:ma14="http://schemas.microsoft.com/office/mac/drawingml/2011/main" xmlns="" val="1"/>
+              <ma14:wrappingTextBoxFlag xmlns="" xmlns:ma14="http://schemas.microsoft.com/office/mac/drawingml/2011/main" val="1"/>
             </a:ext>
           </a:extLst>
         </p:spPr>
@@ -7134,7 +8189,7 @@
           </a:ln>
           <a:extLst>
             <a:ext uri="{C572A759-6A51-4108-AA02-DFA0A04FC94B}">
-              <ma14:wrappingTextBoxFlag xmlns:ma14="http://schemas.microsoft.com/office/mac/drawingml/2011/main" xmlns="" val="1"/>
+              <ma14:wrappingTextBoxFlag xmlns="" xmlns:ma14="http://schemas.microsoft.com/office/mac/drawingml/2011/main" val="1"/>
             </a:ext>
           </a:extLst>
         </p:spPr>
@@ -7181,7 +8236,7 @@
           </a:ln>
           <a:extLst>
             <a:ext uri="{C572A759-6A51-4108-AA02-DFA0A04FC94B}">
-              <ma14:wrappingTextBoxFlag xmlns:ma14="http://schemas.microsoft.com/office/mac/drawingml/2011/main" xmlns="" val="1"/>
+              <ma14:wrappingTextBoxFlag xmlns="" xmlns:ma14="http://schemas.microsoft.com/office/mac/drawingml/2011/main" val="1"/>
             </a:ext>
           </a:extLst>
         </p:spPr>
@@ -7228,7 +8283,7 @@
           </a:ln>
           <a:extLst>
             <a:ext uri="{C572A759-6A51-4108-AA02-DFA0A04FC94B}">
-              <ma14:wrappingTextBoxFlag xmlns:ma14="http://schemas.microsoft.com/office/mac/drawingml/2011/main" xmlns="" val="1"/>
+              <ma14:wrappingTextBoxFlag xmlns="" xmlns:ma14="http://schemas.microsoft.com/office/mac/drawingml/2011/main" val="1"/>
             </a:ext>
           </a:extLst>
         </p:spPr>
@@ -7419,7 +8474,7 @@
           </a:ln>
           <a:extLst>
             <a:ext uri="{C572A759-6A51-4108-AA02-DFA0A04FC94B}">
-              <ma14:wrappingTextBoxFlag xmlns:ma14="http://schemas.microsoft.com/office/mac/drawingml/2011/main" xmlns="" val="1"/>
+              <ma14:wrappingTextBoxFlag xmlns="" xmlns:ma14="http://schemas.microsoft.com/office/mac/drawingml/2011/main" val="1"/>
             </a:ext>
           </a:extLst>
         </p:spPr>
@@ -7470,7 +8525,7 @@
           </a:ln>
           <a:extLst>
             <a:ext uri="{C572A759-6A51-4108-AA02-DFA0A04FC94B}">
-              <ma14:wrappingTextBoxFlag xmlns:ma14="http://schemas.microsoft.com/office/mac/drawingml/2011/main" xmlns="" val="1"/>
+              <ma14:wrappingTextBoxFlag xmlns="" xmlns:ma14="http://schemas.microsoft.com/office/mac/drawingml/2011/main" val="1"/>
             </a:ext>
           </a:extLst>
         </p:spPr>
@@ -7768,7 +8823,7 @@
           </a:ln>
           <a:extLst>
             <a:ext uri="{C572A759-6A51-4108-AA02-DFA0A04FC94B}">
-              <ma14:wrappingTextBoxFlag xmlns:ma14="http://schemas.microsoft.com/office/mac/drawingml/2011/main" xmlns="" val="1"/>
+              <ma14:wrappingTextBoxFlag xmlns="" xmlns:ma14="http://schemas.microsoft.com/office/mac/drawingml/2011/main" val="1"/>
             </a:ext>
           </a:extLst>
         </p:spPr>
@@ -8442,7 +9497,7 @@
           </a:ln>
           <a:extLst>
             <a:ext uri="{C572A759-6A51-4108-AA02-DFA0A04FC94B}">
-              <ma14:wrappingTextBoxFlag xmlns:ma14="http://schemas.microsoft.com/office/mac/drawingml/2011/main" xmlns="" val="1"/>
+              <ma14:wrappingTextBoxFlag xmlns="" xmlns:ma14="http://schemas.microsoft.com/office/mac/drawingml/2011/main" val="1"/>
             </a:ext>
           </a:extLst>
         </p:spPr>
@@ -8703,7 +9758,7 @@
           </a:prstGeom>
           <a:extLst>
             <a:ext uri="{C572A759-6A51-4108-AA02-DFA0A04FC94B}">
-              <ma14:wrappingTextBoxFlag xmlns:ma14="http://schemas.microsoft.com/office/mac/drawingml/2011/main" xmlns="" val="1"/>
+              <ma14:wrappingTextBoxFlag xmlns="" xmlns:ma14="http://schemas.microsoft.com/office/mac/drawingml/2011/main" val="1"/>
             </a:ext>
           </a:extLst>
         </p:spPr>
@@ -8749,7 +9804,7 @@
           </a:ln>
           <a:extLst>
             <a:ext uri="{C572A759-6A51-4108-AA02-DFA0A04FC94B}">
-              <ma14:wrappingTextBoxFlag xmlns:ma14="http://schemas.microsoft.com/office/mac/drawingml/2011/main" xmlns="" val="1"/>
+              <ma14:wrappingTextBoxFlag xmlns="" xmlns:ma14="http://schemas.microsoft.com/office/mac/drawingml/2011/main" val="1"/>
             </a:ext>
           </a:extLst>
         </p:spPr>
@@ -8798,7 +9853,7 @@
           </a:ln>
           <a:extLst>
             <a:ext uri="{C572A759-6A51-4108-AA02-DFA0A04FC94B}">
-              <ma14:wrappingTextBoxFlag xmlns:ma14="http://schemas.microsoft.com/office/mac/drawingml/2011/main" xmlns="" val="1"/>
+              <ma14:wrappingTextBoxFlag xmlns="" xmlns:ma14="http://schemas.microsoft.com/office/mac/drawingml/2011/main" val="1"/>
             </a:ext>
           </a:extLst>
         </p:spPr>
@@ -9089,7 +10144,7 @@
           </a:prstGeom>
           <a:extLst>
             <a:ext uri="{C572A759-6A51-4108-AA02-DFA0A04FC94B}">
-              <ma14:wrappingTextBoxFlag xmlns:ma14="http://schemas.microsoft.com/office/mac/drawingml/2011/main" xmlns="" val="1"/>
+              <ma14:wrappingTextBoxFlag xmlns="" xmlns:ma14="http://schemas.microsoft.com/office/mac/drawingml/2011/main" val="1"/>
             </a:ext>
           </a:extLst>
         </p:spPr>
@@ -9135,7 +10190,7 @@
           </a:ln>
           <a:extLst>
             <a:ext uri="{C572A759-6A51-4108-AA02-DFA0A04FC94B}">
-              <ma14:wrappingTextBoxFlag xmlns:ma14="http://schemas.microsoft.com/office/mac/drawingml/2011/main" xmlns="" val="1"/>
+              <ma14:wrappingTextBoxFlag xmlns="" xmlns:ma14="http://schemas.microsoft.com/office/mac/drawingml/2011/main" val="1"/>
             </a:ext>
           </a:extLst>
         </p:spPr>
@@ -9796,7 +10851,7 @@
           </a:prstGeom>
           <a:extLst>
             <a:ext uri="{C572A759-6A51-4108-AA02-DFA0A04FC94B}">
-              <ma14:wrappingTextBoxFlag xmlns:ma14="http://schemas.microsoft.com/office/mac/drawingml/2011/main" xmlns="" val="1"/>
+              <ma14:wrappingTextBoxFlag xmlns="" xmlns:ma14="http://schemas.microsoft.com/office/mac/drawingml/2011/main" val="1"/>
             </a:ext>
           </a:extLst>
         </p:spPr>
@@ -9842,7 +10897,7 @@
           </a:ln>
           <a:extLst>
             <a:ext uri="{C572A759-6A51-4108-AA02-DFA0A04FC94B}">
-              <ma14:wrappingTextBoxFlag xmlns:ma14="http://schemas.microsoft.com/office/mac/drawingml/2011/main" xmlns="" val="1"/>
+              <ma14:wrappingTextBoxFlag xmlns="" xmlns:ma14="http://schemas.microsoft.com/office/mac/drawingml/2011/main" val="1"/>
             </a:ext>
           </a:extLst>
         </p:spPr>
@@ -10611,7 +11666,7 @@
     </p:spTree>
     <p:extLst>
       <p:ext uri="{BB962C8B-B14F-4D97-AF65-F5344CB8AC3E}">
-        <p14:creationId xmlns:p14="http://schemas.microsoft.com/office/powerpoint/2010/main" val="1951927061"/>
+        <p14:creationId xmlns:p14="http://schemas.microsoft.com/office/powerpoint/2010/main" val="568849096"/>
       </p:ext>
     </p:extLst>
   </p:cSld>
